--- a/Notes/VHDL_For_FPGA - Part1-Combinational Circuits.pptx
+++ b/Notes/VHDL_For_FPGA - Part1-Combinational Circuits.pptx
@@ -8,8 +8,8 @@
     <p:notesMasterId r:id="rId46"/>
   </p:notesMasterIdLst>
   <p:sldIdLst>
-    <p:sldId id="307" r:id="rId2"/>
-    <p:sldId id="343" r:id="rId3"/>
+    <p:sldId id="343" r:id="rId2"/>
+    <p:sldId id="307" r:id="rId3"/>
     <p:sldId id="284" r:id="rId4"/>
     <p:sldId id="285" r:id="rId5"/>
     <p:sldId id="286" r:id="rId6"/>
@@ -3723,6 +3723,4014 @@
       </p:grpSpPr>
       <p:pic>
         <p:nvPicPr>
+          <p:cNvPr id="3" name="Picture 2">
+            <a:extLst>
+              <a:ext uri="{FF2B5EF4-FFF2-40B4-BE49-F238E27FC236}">
+                <a16:creationId xmlns:a16="http://schemas.microsoft.com/office/drawing/2014/main" id="{D7F86B53-FC23-4AE1-8F52-653B31DE4B7F}"/>
+              </a:ext>
+            </a:extLst>
+          </p:cNvPr>
+          <p:cNvPicPr>
+            <a:picLocks noChangeAspect="1"/>
+          </p:cNvPicPr>
+          <p:nvPr/>
+        </p:nvPicPr>
+        <p:blipFill rotWithShape="1">
+          <a:blip r:embed="rId2">
+            <a:extLst>
+              <a:ext uri="{28A0092B-C50C-407E-A947-70E740481C1C}">
+                <a14:useLocalDpi xmlns:a14="http://schemas.microsoft.com/office/drawing/2010/main" val="0"/>
+              </a:ext>
+            </a:extLst>
+          </a:blip>
+          <a:srcRect r="1692"/>
+          <a:stretch/>
+        </p:blipFill>
+        <p:spPr>
+          <a:xfrm>
+            <a:off x="0" y="0"/>
+            <a:ext cx="12192000" cy="6858000"/>
+          </a:xfrm>
+          <a:prstGeom prst="rect">
+            <a:avLst/>
+          </a:prstGeom>
+        </p:spPr>
+      </p:pic>
+    </p:spTree>
+    <p:extLst>
+      <p:ext uri="{BB962C8B-B14F-4D97-AF65-F5344CB8AC3E}">
+        <p14:creationId xmlns:p14="http://schemas.microsoft.com/office/powerpoint/2010/main" val="401195580"/>
+      </p:ext>
+    </p:extLst>
+  </p:cSld>
+  <p:clrMapOvr>
+    <a:masterClrMapping/>
+  </p:clrMapOvr>
+</p:sld>
+</file>
+
+<file path=ppt/slides/slide10.xml><?xml version="1.0" encoding="utf-8"?>
+<p:sld xmlns:a="http://schemas.openxmlformats.org/drawingml/2006/main" xmlns:r="http://schemas.openxmlformats.org/officeDocument/2006/relationships" xmlns:p="http://schemas.openxmlformats.org/presentationml/2006/main">
+  <p:cSld>
+    <p:spTree>
+      <p:nvGrpSpPr>
+        <p:cNvPr id="1" name=""/>
+        <p:cNvGrpSpPr/>
+        <p:nvPr/>
+      </p:nvGrpSpPr>
+      <p:grpSpPr>
+        <a:xfrm>
+          <a:off x="0" y="0"/>
+          <a:ext cx="0" cy="0"/>
+          <a:chOff x="0" y="0"/>
+          <a:chExt cx="0" cy="0"/>
+        </a:xfrm>
+      </p:grpSpPr>
+      <p:sp>
+        <p:nvSpPr>
+          <p:cNvPr id="6" name="Rectangle 5">
+            <a:extLst>
+              <a:ext uri="{FF2B5EF4-FFF2-40B4-BE49-F238E27FC236}">
+                <a16:creationId xmlns:a16="http://schemas.microsoft.com/office/drawing/2014/main" id="{6065C712-A711-4B62-9B9F-4831D4AC878F}"/>
+              </a:ext>
+            </a:extLst>
+          </p:cNvPr>
+          <p:cNvSpPr/>
+          <p:nvPr/>
+        </p:nvSpPr>
+        <p:spPr>
+          <a:xfrm>
+            <a:off x="0" y="2285415"/>
+            <a:ext cx="12192000" cy="1627330"/>
+          </a:xfrm>
+          <a:prstGeom prst="rect">
+            <a:avLst/>
+          </a:prstGeom>
+          <a:solidFill>
+            <a:srgbClr val="171D2D"/>
+          </a:solidFill>
+          <a:ln>
+            <a:noFill/>
+          </a:ln>
+        </p:spPr>
+        <p:style>
+          <a:lnRef idx="2">
+            <a:schemeClr val="accent1">
+              <a:shade val="50000"/>
+            </a:schemeClr>
+          </a:lnRef>
+          <a:fillRef idx="1">
+            <a:schemeClr val="accent1"/>
+          </a:fillRef>
+          <a:effectRef idx="0">
+            <a:schemeClr val="accent1"/>
+          </a:effectRef>
+          <a:fontRef idx="minor">
+            <a:schemeClr val="lt1"/>
+          </a:fontRef>
+        </p:style>
+        <p:txBody>
+          <a:bodyPr rtlCol="0" anchor="ctr"/>
+          <a:lstStyle/>
+          <a:p>
+            <a:pPr algn="ctr"/>
+            <a:endParaRPr lang="en-US"/>
+          </a:p>
+        </p:txBody>
+      </p:sp>
+      <p:sp>
+        <p:nvSpPr>
+          <p:cNvPr id="4" name="TextBox 3">
+            <a:extLst>
+              <a:ext uri="{FF2B5EF4-FFF2-40B4-BE49-F238E27FC236}">
+                <a16:creationId xmlns:a16="http://schemas.microsoft.com/office/drawing/2014/main" id="{94F88A39-6281-4558-B08B-8FC2DC9F139D}"/>
+              </a:ext>
+            </a:extLst>
+          </p:cNvPr>
+          <p:cNvSpPr txBox="1"/>
+          <p:nvPr/>
+        </p:nvSpPr>
+        <p:spPr>
+          <a:xfrm>
+            <a:off x="3338215" y="2545082"/>
+            <a:ext cx="5022167" cy="1107996"/>
+          </a:xfrm>
+          <a:prstGeom prst="rect">
+            <a:avLst/>
+          </a:prstGeom>
+          <a:noFill/>
+          <a:effectLst>
+            <a:glow rad="63500">
+              <a:schemeClr val="accent5">
+                <a:satMod val="175000"/>
+                <a:alpha val="40000"/>
+              </a:schemeClr>
+            </a:glow>
+          </a:effectLst>
+        </p:spPr>
+        <p:txBody>
+          <a:bodyPr wrap="square" rtlCol="0">
+            <a:spAutoFit/>
+          </a:bodyPr>
+          <a:lstStyle/>
+          <a:p>
+            <a:pPr algn="ctr"/>
+            <a:r>
+              <a:rPr lang="en-US" sz="6600" dirty="0">
+                <a:solidFill>
+                  <a:srgbClr val="8F9799"/>
+                </a:solidFill>
+                <a:latin typeface="Courier New" panose="02070309020205020404" pitchFamily="49" charset="0"/>
+                <a:cs typeface="Courier New" panose="02070309020205020404" pitchFamily="49" charset="0"/>
+              </a:rPr>
+              <a:t>UNIT 2</a:t>
+            </a:r>
+          </a:p>
+        </p:txBody>
+      </p:sp>
+    </p:spTree>
+    <p:extLst>
+      <p:ext uri="{BB962C8B-B14F-4D97-AF65-F5344CB8AC3E}">
+        <p14:creationId xmlns:p14="http://schemas.microsoft.com/office/powerpoint/2010/main" val="3108557970"/>
+      </p:ext>
+    </p:extLst>
+  </p:cSld>
+  <p:clrMapOvr>
+    <a:masterClrMapping/>
+  </p:clrMapOvr>
+</p:sld>
+</file>
+
+<file path=ppt/slides/slide11.xml><?xml version="1.0" encoding="utf-8"?>
+<p:sld xmlns:a="http://schemas.openxmlformats.org/drawingml/2006/main" xmlns:r="http://schemas.openxmlformats.org/officeDocument/2006/relationships" xmlns:p="http://schemas.openxmlformats.org/presentationml/2006/main">
+  <p:cSld>
+    <p:spTree>
+      <p:nvGrpSpPr>
+        <p:cNvPr id="1" name=""/>
+        <p:cNvGrpSpPr/>
+        <p:nvPr/>
+      </p:nvGrpSpPr>
+      <p:grpSpPr>
+        <a:xfrm>
+          <a:off x="0" y="0"/>
+          <a:ext cx="0" cy="0"/>
+          <a:chOff x="0" y="0"/>
+          <a:chExt cx="0" cy="0"/>
+        </a:xfrm>
+      </p:grpSpPr>
+      <p:sp>
+        <p:nvSpPr>
+          <p:cNvPr id="4" name="Rectangle 3">
+            <a:extLst>
+              <a:ext uri="{FF2B5EF4-FFF2-40B4-BE49-F238E27FC236}">
+                <a16:creationId xmlns:a16="http://schemas.microsoft.com/office/drawing/2014/main" id="{7CB94DAC-7193-402A-8EEC-0275470A2AA8}"/>
+              </a:ext>
+            </a:extLst>
+          </p:cNvPr>
+          <p:cNvSpPr/>
+          <p:nvPr/>
+        </p:nvSpPr>
+        <p:spPr>
+          <a:xfrm>
+            <a:off x="0" y="-2"/>
+            <a:ext cx="12192000" cy="923330"/>
+          </a:xfrm>
+          <a:prstGeom prst="rect">
+            <a:avLst/>
+          </a:prstGeom>
+          <a:solidFill>
+            <a:srgbClr val="171D2D"/>
+          </a:solidFill>
+          <a:ln>
+            <a:noFill/>
+          </a:ln>
+        </p:spPr>
+        <p:style>
+          <a:lnRef idx="2">
+            <a:schemeClr val="accent1">
+              <a:shade val="50000"/>
+            </a:schemeClr>
+          </a:lnRef>
+          <a:fillRef idx="1">
+            <a:schemeClr val="accent1"/>
+          </a:fillRef>
+          <a:effectRef idx="0">
+            <a:schemeClr val="accent1"/>
+          </a:effectRef>
+          <a:fontRef idx="minor">
+            <a:schemeClr val="lt1"/>
+          </a:fontRef>
+        </p:style>
+        <p:txBody>
+          <a:bodyPr rtlCol="0" anchor="ctr"/>
+          <a:lstStyle/>
+          <a:p>
+            <a:pPr algn="ctr"/>
+            <a:endParaRPr lang="en-US"/>
+          </a:p>
+        </p:txBody>
+      </p:sp>
+      <p:sp>
+        <p:nvSpPr>
+          <p:cNvPr id="14" name="TextBox 13">
+            <a:extLst>
+              <a:ext uri="{FF2B5EF4-FFF2-40B4-BE49-F238E27FC236}">
+                <a16:creationId xmlns:a16="http://schemas.microsoft.com/office/drawing/2014/main" id="{DA3B01C4-1AD2-4960-9753-B6179C011EBA}"/>
+              </a:ext>
+            </a:extLst>
+          </p:cNvPr>
+          <p:cNvSpPr txBox="1"/>
+          <p:nvPr/>
+        </p:nvSpPr>
+        <p:spPr>
+          <a:xfrm>
+            <a:off x="974844" y="123122"/>
+            <a:ext cx="5022167" cy="707886"/>
+          </a:xfrm>
+          <a:prstGeom prst="rect">
+            <a:avLst/>
+          </a:prstGeom>
+          <a:noFill/>
+          <a:effectLst>
+            <a:glow rad="63500">
+              <a:schemeClr val="accent5">
+                <a:satMod val="175000"/>
+                <a:alpha val="40000"/>
+              </a:schemeClr>
+            </a:glow>
+          </a:effectLst>
+        </p:spPr>
+        <p:txBody>
+          <a:bodyPr wrap="square" rtlCol="0">
+            <a:spAutoFit/>
+          </a:bodyPr>
+          <a:lstStyle/>
+          <a:p>
+            <a:r>
+              <a:rPr lang="en-US" sz="4000" dirty="0">
+                <a:solidFill>
+                  <a:srgbClr val="92979B"/>
+                </a:solidFill>
+                <a:latin typeface="Bahnschrift Light Condensed" panose="020B0502040204020203" pitchFamily="34" charset="0"/>
+              </a:rPr>
+              <a:t>VHDL For FPGA</a:t>
+            </a:r>
+          </a:p>
+        </p:txBody>
+      </p:sp>
+      <p:sp>
+        <p:nvSpPr>
+          <p:cNvPr id="15" name="TextBox 14">
+            <a:extLst>
+              <a:ext uri="{FF2B5EF4-FFF2-40B4-BE49-F238E27FC236}">
+                <a16:creationId xmlns:a16="http://schemas.microsoft.com/office/drawing/2014/main" id="{193D71E9-5D38-4315-9435-07EF7717787D}"/>
+              </a:ext>
+            </a:extLst>
+          </p:cNvPr>
+          <p:cNvSpPr txBox="1"/>
+          <p:nvPr/>
+        </p:nvSpPr>
+        <p:spPr>
+          <a:xfrm>
+            <a:off x="661182" y="1043757"/>
+            <a:ext cx="5022167" cy="584775"/>
+          </a:xfrm>
+          <a:prstGeom prst="rect">
+            <a:avLst/>
+          </a:prstGeom>
+          <a:noFill/>
+        </p:spPr>
+        <p:txBody>
+          <a:bodyPr wrap="square" rtlCol="0">
+            <a:spAutoFit/>
+          </a:bodyPr>
+          <a:lstStyle/>
+          <a:p>
+            <a:r>
+              <a:rPr lang="en-US" sz="3200" dirty="0">
+                <a:solidFill>
+                  <a:srgbClr val="C00000"/>
+                </a:solidFill>
+                <a:latin typeface="Bahnschrift Light Condensed" panose="020B0502040204020203" pitchFamily="34" charset="0"/>
+              </a:rPr>
+              <a:t>UNIT II: CONCURRENT DESCRIPTION</a:t>
+            </a:r>
+          </a:p>
+        </p:txBody>
+      </p:sp>
+      <p:sp>
+        <p:nvSpPr>
+          <p:cNvPr id="8" name="TextBox 7">
+            <a:extLst>
+              <a:ext uri="{FF2B5EF4-FFF2-40B4-BE49-F238E27FC236}">
+                <a16:creationId xmlns:a16="http://schemas.microsoft.com/office/drawing/2014/main" id="{D6F4B2D2-E70A-4EE9-9FA4-C8E0402EB868}"/>
+              </a:ext>
+            </a:extLst>
+          </p:cNvPr>
+          <p:cNvSpPr txBox="1"/>
+          <p:nvPr/>
+        </p:nvSpPr>
+        <p:spPr>
+          <a:xfrm>
+            <a:off x="661182" y="1628532"/>
+            <a:ext cx="11014218" cy="4708981"/>
+          </a:xfrm>
+          <a:prstGeom prst="rect">
+            <a:avLst/>
+          </a:prstGeom>
+          <a:noFill/>
+        </p:spPr>
+        <p:txBody>
+          <a:bodyPr wrap="square">
+            <a:spAutoFit/>
+          </a:bodyPr>
+          <a:lstStyle/>
+          <a:p>
+            <a:pPr marL="285750" indent="-285750">
+              <a:buFont typeface="Wingdings" panose="05000000000000000000" pitchFamily="2" charset="2"/>
+              <a:buChar char="§"/>
+            </a:pPr>
+            <a:r>
+              <a:rPr lang="en-US" sz="2000" dirty="0">
+                <a:solidFill>
+                  <a:srgbClr val="171C2F"/>
+                </a:solidFill>
+                <a:latin typeface="Arial" panose="020B0604020202020204" pitchFamily="34" charset="0"/>
+                <a:cs typeface="Arial" panose="020B0604020202020204" pitchFamily="34" charset="0"/>
+              </a:rPr>
+              <a:t>‘</a:t>
+            </a:r>
+            <a:r>
+              <a:rPr lang="en-US" sz="2000" dirty="0">
+                <a:solidFill>
+                  <a:srgbClr val="171C2F"/>
+                </a:solidFill>
+                <a:highlight>
+                  <a:srgbClr val="FFFF00"/>
+                </a:highlight>
+                <a:latin typeface="Courier New" panose="02070309020205020404" pitchFamily="49" charset="0"/>
+                <a:cs typeface="Courier New" panose="02070309020205020404" pitchFamily="49" charset="0"/>
+              </a:rPr>
+              <a:t>with select</a:t>
+            </a:r>
+            <a:r>
+              <a:rPr lang="en-US" sz="2000" dirty="0">
+                <a:solidFill>
+                  <a:srgbClr val="171C2F"/>
+                </a:solidFill>
+                <a:latin typeface="Arial" panose="020B0604020202020204" pitchFamily="34" charset="0"/>
+                <a:cs typeface="Arial" panose="020B0604020202020204" pitchFamily="34" charset="0"/>
+              </a:rPr>
+              <a:t>’, </a:t>
+            </a:r>
+            <a:r>
+              <a:rPr lang="en-US" sz="2000" dirty="0">
+                <a:solidFill>
+                  <a:srgbClr val="171C2F"/>
+                </a:solidFill>
+                <a:latin typeface="Courier New" panose="02070309020205020404" pitchFamily="49" charset="0"/>
+                <a:cs typeface="Courier New" panose="02070309020205020404" pitchFamily="49" charset="0"/>
+              </a:rPr>
+              <a:t>‘</a:t>
+            </a:r>
+            <a:r>
+              <a:rPr lang="en-US" sz="2000" dirty="0">
+                <a:solidFill>
+                  <a:srgbClr val="171C2F"/>
+                </a:solidFill>
+                <a:highlight>
+                  <a:srgbClr val="FFFF00"/>
+                </a:highlight>
+                <a:latin typeface="Courier New" panose="02070309020205020404" pitchFamily="49" charset="0"/>
+                <a:cs typeface="Courier New" panose="02070309020205020404" pitchFamily="49" charset="0"/>
+              </a:rPr>
+              <a:t>when else</a:t>
+            </a:r>
+            <a:r>
+              <a:rPr lang="en-US" sz="2000" dirty="0">
+                <a:solidFill>
+                  <a:srgbClr val="171C2F"/>
+                </a:solidFill>
+                <a:latin typeface="Arial" panose="020B0604020202020204" pitchFamily="34" charset="0"/>
+                <a:cs typeface="Arial" panose="020B0604020202020204" pitchFamily="34" charset="0"/>
+              </a:rPr>
+              <a:t>’ statements</a:t>
+            </a:r>
+          </a:p>
+          <a:p>
+            <a:pPr marL="285750" indent="-285750">
+              <a:buFont typeface="Wingdings" panose="05000000000000000000" pitchFamily="2" charset="2"/>
+              <a:buChar char="§"/>
+            </a:pPr>
+            <a:r>
+              <a:rPr lang="en-US" sz="2000" dirty="0">
+                <a:solidFill>
+                  <a:srgbClr val="171C2F"/>
+                </a:solidFill>
+                <a:latin typeface="Arial" panose="020B0604020202020204" pitchFamily="34" charset="0"/>
+                <a:cs typeface="Arial" panose="020B0604020202020204" pitchFamily="34" charset="0"/>
+              </a:rPr>
+              <a:t>Arithmetic expressions, integer type, type conversions.</a:t>
+            </a:r>
+          </a:p>
+          <a:p>
+            <a:pPr marL="285750" indent="-285750">
+              <a:buFont typeface="Wingdings" panose="05000000000000000000" pitchFamily="2" charset="2"/>
+              <a:buChar char="§"/>
+            </a:pPr>
+            <a:r>
+              <a:rPr lang="en-US" sz="2000" b="1" dirty="0">
+                <a:solidFill>
+                  <a:srgbClr val="171C2F"/>
+                </a:solidFill>
+                <a:latin typeface="Arial" panose="020B0604020202020204" pitchFamily="34" charset="0"/>
+                <a:cs typeface="Arial" panose="020B0604020202020204" pitchFamily="34" charset="0"/>
+              </a:rPr>
+              <a:t>Examples</a:t>
+            </a:r>
+            <a:r>
+              <a:rPr lang="en-US" sz="2000" dirty="0">
+                <a:solidFill>
+                  <a:srgbClr val="171C2F"/>
+                </a:solidFill>
+                <a:latin typeface="Arial" panose="020B0604020202020204" pitchFamily="34" charset="0"/>
+                <a:cs typeface="Arial" panose="020B0604020202020204" pitchFamily="34" charset="0"/>
+              </a:rPr>
+              <a:t>: multiplexor, LUT, decoder, tri-state buffer</a:t>
+            </a:r>
+          </a:p>
+          <a:p>
+            <a:pPr marL="285750" indent="-285750">
+              <a:buFont typeface="Wingdings" panose="05000000000000000000" pitchFamily="2" charset="2"/>
+              <a:buChar char="§"/>
+            </a:pPr>
+            <a:endParaRPr lang="en-US" sz="2000" dirty="0">
+              <a:solidFill>
+                <a:srgbClr val="171C2F"/>
+              </a:solidFill>
+              <a:latin typeface="Arial" panose="020B0604020202020204" pitchFamily="34" charset="0"/>
+              <a:cs typeface="Arial" panose="020B0604020202020204" pitchFamily="34" charset="0"/>
+            </a:endParaRPr>
+          </a:p>
+          <a:p>
+            <a:pPr marL="285750" indent="-285750">
+              <a:buFont typeface="Wingdings" panose="05000000000000000000" pitchFamily="2" charset="2"/>
+              <a:buChar char="§"/>
+            </a:pPr>
+            <a:r>
+              <a:rPr lang="en-US" sz="2000" dirty="0">
+                <a:solidFill>
+                  <a:srgbClr val="171C2F"/>
+                </a:solidFill>
+                <a:latin typeface="Arial" panose="020B0604020202020204" pitchFamily="34" charset="0"/>
+                <a:cs typeface="Arial" panose="020B0604020202020204" pitchFamily="34" charset="0"/>
+              </a:rPr>
+              <a:t>In this description, the </a:t>
+            </a:r>
+            <a:r>
+              <a:rPr lang="en-US" sz="2000" dirty="0">
+                <a:solidFill>
+                  <a:srgbClr val="171C2F"/>
+                </a:solidFill>
+                <a:highlight>
+                  <a:srgbClr val="E3AE8A"/>
+                </a:highlight>
+                <a:latin typeface="Arial" panose="020B0604020202020204" pitchFamily="34" charset="0"/>
+                <a:cs typeface="Arial" panose="020B0604020202020204" pitchFamily="34" charset="0"/>
+              </a:rPr>
+              <a:t>order of the statements is irrelevant</a:t>
+            </a:r>
+            <a:r>
+              <a:rPr lang="en-US" sz="2000" dirty="0">
+                <a:solidFill>
+                  <a:srgbClr val="171C2F"/>
+                </a:solidFill>
+                <a:latin typeface="Arial" panose="020B0604020202020204" pitchFamily="34" charset="0"/>
+                <a:cs typeface="Arial" panose="020B0604020202020204" pitchFamily="34" charset="0"/>
+              </a:rPr>
+              <a:t>: all the statements represent circuits that are working at the same time. </a:t>
+            </a:r>
+          </a:p>
+          <a:p>
+            <a:pPr marL="285750" indent="-285750">
+              <a:buFont typeface="Wingdings" panose="05000000000000000000" pitchFamily="2" charset="2"/>
+              <a:buChar char="§"/>
+            </a:pPr>
+            <a:r>
+              <a:rPr lang="en-US" sz="2000" dirty="0">
+                <a:solidFill>
+                  <a:srgbClr val="171C2F"/>
+                </a:solidFill>
+                <a:latin typeface="Arial" panose="020B0604020202020204" pitchFamily="34" charset="0"/>
+                <a:cs typeface="Arial" panose="020B0604020202020204" pitchFamily="34" charset="0"/>
+              </a:rPr>
+              <a:t>This type of description is well suited for </a:t>
+            </a:r>
+            <a:r>
+              <a:rPr lang="en-US" sz="2000" dirty="0">
+                <a:solidFill>
+                  <a:srgbClr val="171C2F"/>
+                </a:solidFill>
+                <a:highlight>
+                  <a:srgbClr val="E3AE8A"/>
+                </a:highlight>
+                <a:latin typeface="Arial" panose="020B0604020202020204" pitchFamily="34" charset="0"/>
+                <a:cs typeface="Arial" panose="020B0604020202020204" pitchFamily="34" charset="0"/>
+              </a:rPr>
+              <a:t>combinatorial circuits</a:t>
+            </a:r>
+            <a:r>
+              <a:rPr lang="en-US" sz="2000" dirty="0">
+                <a:solidFill>
+                  <a:srgbClr val="171C2F"/>
+                </a:solidFill>
+                <a:latin typeface="Arial" panose="020B0604020202020204" pitchFamily="34" charset="0"/>
+                <a:cs typeface="Arial" panose="020B0604020202020204" pitchFamily="34" charset="0"/>
+              </a:rPr>
+              <a:t>.</a:t>
+            </a:r>
+          </a:p>
+          <a:p>
+            <a:pPr marL="285750" indent="-285750">
+              <a:buFont typeface="Wingdings" panose="05000000000000000000" pitchFamily="2" charset="2"/>
+              <a:buChar char="§"/>
+            </a:pPr>
+            <a:r>
+              <a:rPr lang="en-US" sz="2000" dirty="0">
+                <a:solidFill>
+                  <a:srgbClr val="171C2F"/>
+                </a:solidFill>
+                <a:latin typeface="Arial" panose="020B0604020202020204" pitchFamily="34" charset="0"/>
+                <a:cs typeface="Arial" panose="020B0604020202020204" pitchFamily="34" charset="0"/>
+              </a:rPr>
+              <a:t>The use of sentences with ‘</a:t>
+            </a:r>
+            <a:r>
+              <a:rPr lang="en-US" sz="2000" dirty="0">
+                <a:solidFill>
+                  <a:srgbClr val="171C2F"/>
+                </a:solidFill>
+                <a:highlight>
+                  <a:srgbClr val="FFFF00"/>
+                </a:highlight>
+                <a:latin typeface="Courier New" panose="02070309020205020404" pitchFamily="49" charset="0"/>
+                <a:cs typeface="Courier New" panose="02070309020205020404" pitchFamily="49" charset="0"/>
+              </a:rPr>
+              <a:t>and</a:t>
+            </a:r>
+            <a:r>
+              <a:rPr lang="en-US" sz="2000" dirty="0">
+                <a:solidFill>
+                  <a:srgbClr val="171C2F"/>
+                </a:solidFill>
+                <a:latin typeface="Arial" panose="020B0604020202020204" pitchFamily="34" charset="0"/>
+                <a:cs typeface="Arial" panose="020B0604020202020204" pitchFamily="34" charset="0"/>
+              </a:rPr>
+              <a:t>’, ‘</a:t>
+            </a:r>
+            <a:r>
+              <a:rPr lang="en-US" sz="2000" dirty="0">
+                <a:solidFill>
+                  <a:srgbClr val="171C2F"/>
+                </a:solidFill>
+                <a:highlight>
+                  <a:srgbClr val="FFFF00"/>
+                </a:highlight>
+                <a:latin typeface="Courier New" panose="02070309020205020404" pitchFamily="49" charset="0"/>
+                <a:cs typeface="Courier New" panose="02070309020205020404" pitchFamily="49" charset="0"/>
+              </a:rPr>
+              <a:t>or</a:t>
+            </a:r>
+            <a:r>
+              <a:rPr lang="en-US" sz="2000" dirty="0">
+                <a:solidFill>
+                  <a:srgbClr val="171C2F"/>
+                </a:solidFill>
+                <a:latin typeface="Arial" panose="020B0604020202020204" pitchFamily="34" charset="0"/>
+                <a:cs typeface="Arial" panose="020B0604020202020204" pitchFamily="34" charset="0"/>
+              </a:rPr>
+              <a:t>’, ‘ </a:t>
+            </a:r>
+            <a:r>
+              <a:rPr lang="en-US" sz="2000" dirty="0" err="1">
+                <a:solidFill>
+                  <a:srgbClr val="171C2F"/>
+                </a:solidFill>
+                <a:highlight>
+                  <a:srgbClr val="FFFF00"/>
+                </a:highlight>
+                <a:latin typeface="Courier New" panose="02070309020205020404" pitchFamily="49" charset="0"/>
+                <a:cs typeface="Courier New" panose="02070309020205020404" pitchFamily="49" charset="0"/>
+              </a:rPr>
+              <a:t>xor</a:t>
+            </a:r>
+            <a:r>
+              <a:rPr lang="en-US" sz="2000" dirty="0">
+                <a:solidFill>
+                  <a:srgbClr val="171C2F"/>
+                </a:solidFill>
+                <a:latin typeface="Arial" panose="020B0604020202020204" pitchFamily="34" charset="0"/>
+                <a:cs typeface="Arial" panose="020B0604020202020204" pitchFamily="34" charset="0"/>
+              </a:rPr>
+              <a:t> ’, </a:t>
+            </a:r>
+            <a:r>
+              <a:rPr lang="en-US" sz="2000" dirty="0" err="1">
+                <a:solidFill>
+                  <a:srgbClr val="171C2F"/>
+                </a:solidFill>
+                <a:highlight>
+                  <a:srgbClr val="FFFF00"/>
+                </a:highlight>
+                <a:latin typeface="Courier New" panose="02070309020205020404" pitchFamily="49" charset="0"/>
+                <a:cs typeface="Courier New" panose="02070309020205020404" pitchFamily="49" charset="0"/>
+              </a:rPr>
+              <a:t>nand</a:t>
+            </a:r>
+            <a:r>
+              <a:rPr lang="en-US" sz="2000" dirty="0">
+                <a:solidFill>
+                  <a:srgbClr val="171C2F"/>
+                </a:solidFill>
+                <a:latin typeface="Arial" panose="020B0604020202020204" pitchFamily="34" charset="0"/>
+                <a:cs typeface="Arial" panose="020B0604020202020204" pitchFamily="34" charset="0"/>
+              </a:rPr>
+              <a:t> ’, ‘</a:t>
+            </a:r>
+            <a:r>
+              <a:rPr lang="en-US" sz="2000" dirty="0">
+                <a:solidFill>
+                  <a:srgbClr val="171C2F"/>
+                </a:solidFill>
+                <a:highlight>
+                  <a:srgbClr val="FFFF00"/>
+                </a:highlight>
+                <a:latin typeface="Courier New" panose="02070309020205020404" pitchFamily="49" charset="0"/>
+                <a:cs typeface="Courier New" panose="02070309020205020404" pitchFamily="49" charset="0"/>
+              </a:rPr>
+              <a:t>nor</a:t>
+            </a:r>
+            <a:r>
+              <a:rPr lang="en-US" sz="2000" dirty="0">
+                <a:solidFill>
+                  <a:srgbClr val="171C2F"/>
+                </a:solidFill>
+                <a:latin typeface="Arial" panose="020B0604020202020204" pitchFamily="34" charset="0"/>
+                <a:cs typeface="Arial" panose="020B0604020202020204" pitchFamily="34" charset="0"/>
+              </a:rPr>
+              <a:t>’, </a:t>
+            </a:r>
+            <a:r>
+              <a:rPr lang="en-US" sz="2000" dirty="0" err="1">
+                <a:solidFill>
+                  <a:srgbClr val="171C2F"/>
+                </a:solidFill>
+                <a:highlight>
+                  <a:srgbClr val="FFFF00"/>
+                </a:highlight>
+                <a:latin typeface="Courier New" panose="02070309020205020404" pitchFamily="49" charset="0"/>
+                <a:cs typeface="Courier New" panose="02070309020205020404" pitchFamily="49" charset="0"/>
+              </a:rPr>
+              <a:t>xnor</a:t>
+            </a:r>
+            <a:r>
+              <a:rPr lang="en-US" sz="2000" dirty="0">
+                <a:solidFill>
+                  <a:srgbClr val="171C2F"/>
+                </a:solidFill>
+                <a:latin typeface="Arial" panose="020B0604020202020204" pitchFamily="34" charset="0"/>
+                <a:cs typeface="Arial" panose="020B0604020202020204" pitchFamily="34" charset="0"/>
+              </a:rPr>
+              <a:t> ’, and ‘</a:t>
+            </a:r>
+            <a:r>
+              <a:rPr lang="en-US" sz="2000" dirty="0">
+                <a:solidFill>
+                  <a:srgbClr val="171C2F"/>
+                </a:solidFill>
+                <a:highlight>
+                  <a:srgbClr val="FFFF00"/>
+                </a:highlight>
+                <a:latin typeface="Courier New" panose="02070309020205020404" pitchFamily="49" charset="0"/>
+                <a:cs typeface="Courier New" panose="02070309020205020404" pitchFamily="49" charset="0"/>
+              </a:rPr>
+              <a:t>not</a:t>
+            </a:r>
+            <a:r>
+              <a:rPr lang="en-US" sz="2000" dirty="0">
+                <a:solidFill>
+                  <a:srgbClr val="171C2F"/>
+                </a:solidFill>
+                <a:latin typeface="Arial" panose="020B0604020202020204" pitchFamily="34" charset="0"/>
+                <a:cs typeface="Arial" panose="020B0604020202020204" pitchFamily="34" charset="0"/>
+              </a:rPr>
+              <a:t>’ is a basic instance of the concurrent description. It is sometimes called </a:t>
+            </a:r>
+            <a:r>
+              <a:rPr lang="en-US" sz="2000" dirty="0">
+                <a:solidFill>
+                  <a:srgbClr val="171C2F"/>
+                </a:solidFill>
+                <a:highlight>
+                  <a:srgbClr val="E3AE8A"/>
+                </a:highlight>
+                <a:latin typeface="Arial" panose="020B0604020202020204" pitchFamily="34" charset="0"/>
+                <a:cs typeface="Arial" panose="020B0604020202020204" pitchFamily="34" charset="0"/>
+              </a:rPr>
+              <a:t>‘horizontal description</a:t>
+            </a:r>
+            <a:r>
+              <a:rPr lang="en-US" sz="2000" dirty="0">
+                <a:solidFill>
+                  <a:srgbClr val="171C2F"/>
+                </a:solidFill>
+                <a:latin typeface="Arial" panose="020B0604020202020204" pitchFamily="34" charset="0"/>
+                <a:cs typeface="Arial" panose="020B0604020202020204" pitchFamily="34" charset="0"/>
+              </a:rPr>
+              <a:t>’.</a:t>
+            </a:r>
+          </a:p>
+          <a:p>
+            <a:pPr marL="285750" indent="-285750">
+              <a:buFont typeface="Wingdings" panose="05000000000000000000" pitchFamily="2" charset="2"/>
+              <a:buChar char="§"/>
+            </a:pPr>
+            <a:endParaRPr lang="en-US" sz="2000" dirty="0">
+              <a:solidFill>
+                <a:srgbClr val="171C2F"/>
+              </a:solidFill>
+              <a:latin typeface="Arial" panose="020B0604020202020204" pitchFamily="34" charset="0"/>
+              <a:cs typeface="Arial" panose="020B0604020202020204" pitchFamily="34" charset="0"/>
+            </a:endParaRPr>
+          </a:p>
+          <a:p>
+            <a:pPr marL="285750" indent="-285750">
+              <a:buFont typeface="Wingdings" panose="05000000000000000000" pitchFamily="2" charset="2"/>
+              <a:buChar char="§"/>
+            </a:pPr>
+            <a:r>
+              <a:rPr lang="en-US" sz="2000" dirty="0">
+                <a:solidFill>
+                  <a:srgbClr val="171C2F"/>
+                </a:solidFill>
+                <a:latin typeface="Arial" panose="020B0604020202020204" pitchFamily="34" charset="0"/>
+                <a:cs typeface="Arial" panose="020B0604020202020204" pitchFamily="34" charset="0"/>
+              </a:rPr>
+              <a:t>In Unit 4, the so called ‘structural description’ is just a generalization of the concurrent description. </a:t>
+            </a:r>
+          </a:p>
+          <a:p>
+            <a:pPr marL="285750" indent="-285750">
+              <a:buFont typeface="Wingdings" panose="05000000000000000000" pitchFamily="2" charset="2"/>
+              <a:buChar char="§"/>
+            </a:pPr>
+            <a:r>
+              <a:rPr lang="en-US" sz="2000" dirty="0">
+                <a:solidFill>
+                  <a:srgbClr val="171C2F"/>
+                </a:solidFill>
+                <a:latin typeface="Arial" panose="020B0604020202020204" pitchFamily="34" charset="0"/>
+                <a:cs typeface="Arial" panose="020B0604020202020204" pitchFamily="34" charset="0"/>
+              </a:rPr>
+              <a:t>Since we already know how to build circuits based on logic gates, we now present two concurrent assignment statements ( </a:t>
+            </a:r>
+            <a:r>
+              <a:rPr lang="en-US" sz="2000" dirty="0">
+                <a:solidFill>
+                  <a:srgbClr val="171C2F"/>
+                </a:solidFill>
+                <a:highlight>
+                  <a:srgbClr val="00FF00"/>
+                </a:highlight>
+                <a:latin typeface="Courier New" panose="02070309020205020404" pitchFamily="49" charset="0"/>
+                <a:cs typeface="Courier New" panose="02070309020205020404" pitchFamily="49" charset="0"/>
+              </a:rPr>
+              <a:t>with select, when else </a:t>
+            </a:r>
+            <a:r>
+              <a:rPr lang="en-US" sz="2000" dirty="0">
+                <a:solidFill>
+                  <a:srgbClr val="171C2F"/>
+                </a:solidFill>
+                <a:latin typeface="Arial" panose="020B0604020202020204" pitchFamily="34" charset="0"/>
+                <a:cs typeface="Arial" panose="020B0604020202020204" pitchFamily="34" charset="0"/>
+              </a:rPr>
+              <a:t>), which are far more powerful than the statements with logic gates when it comes to describe complex circuits.</a:t>
+            </a:r>
+          </a:p>
+        </p:txBody>
+      </p:sp>
+    </p:spTree>
+    <p:extLst>
+      <p:ext uri="{BB962C8B-B14F-4D97-AF65-F5344CB8AC3E}">
+        <p14:creationId xmlns:p14="http://schemas.microsoft.com/office/powerpoint/2010/main" val="1766038263"/>
+      </p:ext>
+    </p:extLst>
+  </p:cSld>
+  <p:clrMapOvr>
+    <a:masterClrMapping/>
+  </p:clrMapOvr>
+</p:sld>
+</file>
+
+<file path=ppt/slides/slide12.xml><?xml version="1.0" encoding="utf-8"?>
+<p:sld xmlns:a="http://schemas.openxmlformats.org/drawingml/2006/main" xmlns:r="http://schemas.openxmlformats.org/officeDocument/2006/relationships" xmlns:p="http://schemas.openxmlformats.org/presentationml/2006/main">
+  <p:cSld>
+    <p:spTree>
+      <p:nvGrpSpPr>
+        <p:cNvPr id="1" name=""/>
+        <p:cNvGrpSpPr/>
+        <p:nvPr/>
+      </p:nvGrpSpPr>
+      <p:grpSpPr>
+        <a:xfrm>
+          <a:off x="0" y="0"/>
+          <a:ext cx="0" cy="0"/>
+          <a:chOff x="0" y="0"/>
+          <a:chExt cx="0" cy="0"/>
+        </a:xfrm>
+      </p:grpSpPr>
+      <p:sp>
+        <p:nvSpPr>
+          <p:cNvPr id="4" name="Rectangle 3">
+            <a:extLst>
+              <a:ext uri="{FF2B5EF4-FFF2-40B4-BE49-F238E27FC236}">
+                <a16:creationId xmlns:a16="http://schemas.microsoft.com/office/drawing/2014/main" id="{7CB94DAC-7193-402A-8EEC-0275470A2AA8}"/>
+              </a:ext>
+            </a:extLst>
+          </p:cNvPr>
+          <p:cNvSpPr/>
+          <p:nvPr/>
+        </p:nvSpPr>
+        <p:spPr>
+          <a:xfrm>
+            <a:off x="0" y="-2"/>
+            <a:ext cx="12192000" cy="923330"/>
+          </a:xfrm>
+          <a:prstGeom prst="rect">
+            <a:avLst/>
+          </a:prstGeom>
+          <a:solidFill>
+            <a:srgbClr val="171D2D"/>
+          </a:solidFill>
+          <a:ln>
+            <a:noFill/>
+          </a:ln>
+        </p:spPr>
+        <p:style>
+          <a:lnRef idx="2">
+            <a:schemeClr val="accent1">
+              <a:shade val="50000"/>
+            </a:schemeClr>
+          </a:lnRef>
+          <a:fillRef idx="1">
+            <a:schemeClr val="accent1"/>
+          </a:fillRef>
+          <a:effectRef idx="0">
+            <a:schemeClr val="accent1"/>
+          </a:effectRef>
+          <a:fontRef idx="minor">
+            <a:schemeClr val="lt1"/>
+          </a:fontRef>
+        </p:style>
+        <p:txBody>
+          <a:bodyPr rtlCol="0" anchor="ctr"/>
+          <a:lstStyle/>
+          <a:p>
+            <a:pPr algn="ctr"/>
+            <a:endParaRPr lang="en-US"/>
+          </a:p>
+        </p:txBody>
+      </p:sp>
+      <p:sp>
+        <p:nvSpPr>
+          <p:cNvPr id="14" name="TextBox 13">
+            <a:extLst>
+              <a:ext uri="{FF2B5EF4-FFF2-40B4-BE49-F238E27FC236}">
+                <a16:creationId xmlns:a16="http://schemas.microsoft.com/office/drawing/2014/main" id="{DA3B01C4-1AD2-4960-9753-B6179C011EBA}"/>
+              </a:ext>
+            </a:extLst>
+          </p:cNvPr>
+          <p:cNvSpPr txBox="1"/>
+          <p:nvPr/>
+        </p:nvSpPr>
+        <p:spPr>
+          <a:xfrm>
+            <a:off x="974844" y="123122"/>
+            <a:ext cx="5022167" cy="707886"/>
+          </a:xfrm>
+          <a:prstGeom prst="rect">
+            <a:avLst/>
+          </a:prstGeom>
+          <a:noFill/>
+          <a:effectLst>
+            <a:glow rad="63500">
+              <a:schemeClr val="accent5">
+                <a:satMod val="175000"/>
+                <a:alpha val="40000"/>
+              </a:schemeClr>
+            </a:glow>
+          </a:effectLst>
+        </p:spPr>
+        <p:txBody>
+          <a:bodyPr wrap="square" rtlCol="0">
+            <a:spAutoFit/>
+          </a:bodyPr>
+          <a:lstStyle/>
+          <a:p>
+            <a:r>
+              <a:rPr lang="en-US" sz="4000" dirty="0">
+                <a:solidFill>
+                  <a:srgbClr val="92979B"/>
+                </a:solidFill>
+                <a:latin typeface="Bahnschrift Light Condensed" panose="020B0502040204020203" pitchFamily="34" charset="0"/>
+              </a:rPr>
+              <a:t>VHDL For FPGA</a:t>
+            </a:r>
+          </a:p>
+        </p:txBody>
+      </p:sp>
+      <p:sp>
+        <p:nvSpPr>
+          <p:cNvPr id="15" name="TextBox 14">
+            <a:extLst>
+              <a:ext uri="{FF2B5EF4-FFF2-40B4-BE49-F238E27FC236}">
+                <a16:creationId xmlns:a16="http://schemas.microsoft.com/office/drawing/2014/main" id="{193D71E9-5D38-4315-9435-07EF7717787D}"/>
+              </a:ext>
+            </a:extLst>
+          </p:cNvPr>
+          <p:cNvSpPr txBox="1"/>
+          <p:nvPr/>
+        </p:nvSpPr>
+        <p:spPr>
+          <a:xfrm>
+            <a:off x="661182" y="1043757"/>
+            <a:ext cx="5022167" cy="584775"/>
+          </a:xfrm>
+          <a:prstGeom prst="rect">
+            <a:avLst/>
+          </a:prstGeom>
+          <a:noFill/>
+        </p:spPr>
+        <p:txBody>
+          <a:bodyPr wrap="square" rtlCol="0">
+            <a:spAutoFit/>
+          </a:bodyPr>
+          <a:lstStyle/>
+          <a:p>
+            <a:r>
+              <a:rPr lang="en-US" sz="3200" dirty="0">
+                <a:solidFill>
+                  <a:srgbClr val="C00000"/>
+                </a:solidFill>
+                <a:latin typeface="Bahnschrift Light Condensed" panose="020B0502040204020203" pitchFamily="34" charset="0"/>
+              </a:rPr>
+              <a:t>MUX 8-to-1:</a:t>
+            </a:r>
+          </a:p>
+        </p:txBody>
+      </p:sp>
+      <p:sp>
+        <p:nvSpPr>
+          <p:cNvPr id="8" name="TextBox 7">
+            <a:extLst>
+              <a:ext uri="{FF2B5EF4-FFF2-40B4-BE49-F238E27FC236}">
+                <a16:creationId xmlns:a16="http://schemas.microsoft.com/office/drawing/2014/main" id="{D6F4B2D2-E70A-4EE9-9FA4-C8E0402EB868}"/>
+              </a:ext>
+            </a:extLst>
+          </p:cNvPr>
+          <p:cNvSpPr txBox="1"/>
+          <p:nvPr/>
+        </p:nvSpPr>
+        <p:spPr>
+          <a:xfrm>
+            <a:off x="3767026" y="1428477"/>
+            <a:ext cx="6966624" cy="707886"/>
+          </a:xfrm>
+          <a:prstGeom prst="rect">
+            <a:avLst/>
+          </a:prstGeom>
+          <a:noFill/>
+        </p:spPr>
+        <p:txBody>
+          <a:bodyPr wrap="square">
+            <a:spAutoFit/>
+          </a:bodyPr>
+          <a:lstStyle/>
+          <a:p>
+            <a:pPr marL="285750" indent="-285750">
+              <a:buFont typeface="Wingdings" panose="05000000000000000000" pitchFamily="2" charset="2"/>
+              <a:buChar char="§"/>
+            </a:pPr>
+            <a:r>
+              <a:rPr lang="en-US" sz="2000" dirty="0">
+                <a:solidFill>
+                  <a:srgbClr val="171C2F"/>
+                </a:solidFill>
+                <a:latin typeface="Arial" panose="020B0604020202020204" pitchFamily="34" charset="0"/>
+                <a:cs typeface="Arial" panose="020B0604020202020204" pitchFamily="34" charset="0"/>
+              </a:rPr>
+              <a:t>Selected Signal Assignment (</a:t>
+            </a:r>
+            <a:r>
+              <a:rPr lang="en-US" sz="2000" dirty="0">
+                <a:solidFill>
+                  <a:srgbClr val="171C2F"/>
+                </a:solidFill>
+                <a:highlight>
+                  <a:srgbClr val="00FF00"/>
+                </a:highlight>
+                <a:latin typeface="Courier New" panose="02070309020205020404" pitchFamily="49" charset="0"/>
+                <a:cs typeface="Courier New" panose="02070309020205020404" pitchFamily="49" charset="0"/>
+              </a:rPr>
+              <a:t>WITH – SELECT</a:t>
+            </a:r>
+            <a:r>
+              <a:rPr lang="en-US" sz="2000" dirty="0">
+                <a:solidFill>
+                  <a:srgbClr val="171C2F"/>
+                </a:solidFill>
+                <a:latin typeface="Arial" panose="020B0604020202020204" pitchFamily="34" charset="0"/>
+                <a:cs typeface="Arial" panose="020B0604020202020204" pitchFamily="34" charset="0"/>
+              </a:rPr>
+              <a:t>):</a:t>
+            </a:r>
+          </a:p>
+          <a:p>
+            <a:pPr marL="285750" indent="-285750">
+              <a:buFont typeface="Wingdings" panose="05000000000000000000" pitchFamily="2" charset="2"/>
+              <a:buChar char="§"/>
+            </a:pPr>
+            <a:r>
+              <a:rPr lang="en-US" sz="2000" dirty="0">
+                <a:solidFill>
+                  <a:srgbClr val="171C2F"/>
+                </a:solidFill>
+                <a:latin typeface="Arial" panose="020B0604020202020204" pitchFamily="34" charset="0"/>
+                <a:cs typeface="Arial" panose="020B0604020202020204" pitchFamily="34" charset="0"/>
+              </a:rPr>
+              <a:t>Selected Signal Assignment (</a:t>
+            </a:r>
+            <a:r>
+              <a:rPr lang="en-US" sz="2000" dirty="0">
+                <a:solidFill>
+                  <a:srgbClr val="171C2F"/>
+                </a:solidFill>
+                <a:highlight>
+                  <a:srgbClr val="00FF00"/>
+                </a:highlight>
+                <a:latin typeface="Courier New" panose="02070309020205020404" pitchFamily="49" charset="0"/>
+                <a:cs typeface="Courier New" panose="02070309020205020404" pitchFamily="49" charset="0"/>
+              </a:rPr>
+              <a:t>WHEN – ELSE</a:t>
+            </a:r>
+            <a:r>
+              <a:rPr lang="en-US" sz="2000" dirty="0">
+                <a:solidFill>
+                  <a:srgbClr val="171C2F"/>
+                </a:solidFill>
+                <a:latin typeface="Arial" panose="020B0604020202020204" pitchFamily="34" charset="0"/>
+                <a:cs typeface="Arial" panose="020B0604020202020204" pitchFamily="34" charset="0"/>
+              </a:rPr>
+              <a:t>):</a:t>
+            </a:r>
+          </a:p>
+        </p:txBody>
+      </p:sp>
+      <p:pic>
+        <p:nvPicPr>
+          <p:cNvPr id="3" name="Picture 2">
+            <a:extLst>
+              <a:ext uri="{FF2B5EF4-FFF2-40B4-BE49-F238E27FC236}">
+                <a16:creationId xmlns:a16="http://schemas.microsoft.com/office/drawing/2014/main" id="{8EF4205F-4E25-415F-8884-25A54EE70D11}"/>
+              </a:ext>
+            </a:extLst>
+          </p:cNvPr>
+          <p:cNvPicPr>
+            <a:picLocks noChangeAspect="1"/>
+          </p:cNvPicPr>
+          <p:nvPr/>
+        </p:nvPicPr>
+        <p:blipFill>
+          <a:blip r:embed="rId2"/>
+          <a:stretch>
+            <a:fillRect/>
+          </a:stretch>
+        </p:blipFill>
+        <p:spPr>
+          <a:xfrm>
+            <a:off x="1270264" y="1828587"/>
+            <a:ext cx="1585477" cy="3615800"/>
+          </a:xfrm>
+          <a:prstGeom prst="rect">
+            <a:avLst/>
+          </a:prstGeom>
+        </p:spPr>
+      </p:pic>
+      <p:pic>
+        <p:nvPicPr>
+          <p:cNvPr id="6" name="Picture 5">
+            <a:extLst>
+              <a:ext uri="{FF2B5EF4-FFF2-40B4-BE49-F238E27FC236}">
+                <a16:creationId xmlns:a16="http://schemas.microsoft.com/office/drawing/2014/main" id="{CDD5C30A-FE1C-4B27-A74A-876786CD36F4}"/>
+              </a:ext>
+            </a:extLst>
+          </p:cNvPr>
+          <p:cNvPicPr>
+            <a:picLocks noChangeAspect="1"/>
+          </p:cNvPicPr>
+          <p:nvPr/>
+        </p:nvPicPr>
+        <p:blipFill>
+          <a:blip r:embed="rId3"/>
+          <a:stretch>
+            <a:fillRect/>
+          </a:stretch>
+        </p:blipFill>
+        <p:spPr>
+          <a:xfrm>
+            <a:off x="4132015" y="2540480"/>
+            <a:ext cx="2621605" cy="2192014"/>
+          </a:xfrm>
+          <a:prstGeom prst="rect">
+            <a:avLst/>
+          </a:prstGeom>
+        </p:spPr>
+      </p:pic>
+      <p:pic>
+        <p:nvPicPr>
+          <p:cNvPr id="5" name="Picture 4">
+            <a:extLst>
+              <a:ext uri="{FF2B5EF4-FFF2-40B4-BE49-F238E27FC236}">
+                <a16:creationId xmlns:a16="http://schemas.microsoft.com/office/drawing/2014/main" id="{1B5F5478-C621-4D0D-A122-D6D8375D721A}"/>
+              </a:ext>
+            </a:extLst>
+          </p:cNvPr>
+          <p:cNvPicPr>
+            <a:picLocks noChangeAspect="1"/>
+          </p:cNvPicPr>
+          <p:nvPr/>
+        </p:nvPicPr>
+        <p:blipFill>
+          <a:blip r:embed="rId4"/>
+          <a:stretch>
+            <a:fillRect/>
+          </a:stretch>
+        </p:blipFill>
+        <p:spPr>
+          <a:xfrm>
+            <a:off x="7115772" y="2735484"/>
+            <a:ext cx="3617878" cy="1930488"/>
+          </a:xfrm>
+          <a:prstGeom prst="rect">
+            <a:avLst/>
+          </a:prstGeom>
+        </p:spPr>
+      </p:pic>
+    </p:spTree>
+    <p:extLst>
+      <p:ext uri="{BB962C8B-B14F-4D97-AF65-F5344CB8AC3E}">
+        <p14:creationId xmlns:p14="http://schemas.microsoft.com/office/powerpoint/2010/main" val="3174361014"/>
+      </p:ext>
+    </p:extLst>
+  </p:cSld>
+  <p:clrMapOvr>
+    <a:masterClrMapping/>
+  </p:clrMapOvr>
+</p:sld>
+</file>
+
+<file path=ppt/slides/slide13.xml><?xml version="1.0" encoding="utf-8"?>
+<p:sld xmlns:a="http://schemas.openxmlformats.org/drawingml/2006/main" xmlns:r="http://schemas.openxmlformats.org/officeDocument/2006/relationships" xmlns:p="http://schemas.openxmlformats.org/presentationml/2006/main">
+  <p:cSld>
+    <p:spTree>
+      <p:nvGrpSpPr>
+        <p:cNvPr id="1" name=""/>
+        <p:cNvGrpSpPr/>
+        <p:nvPr/>
+      </p:nvGrpSpPr>
+      <p:grpSpPr>
+        <a:xfrm>
+          <a:off x="0" y="0"/>
+          <a:ext cx="0" cy="0"/>
+          <a:chOff x="0" y="0"/>
+          <a:chExt cx="0" cy="0"/>
+        </a:xfrm>
+      </p:grpSpPr>
+      <p:sp>
+        <p:nvSpPr>
+          <p:cNvPr id="4" name="Rectangle 3">
+            <a:extLst>
+              <a:ext uri="{FF2B5EF4-FFF2-40B4-BE49-F238E27FC236}">
+                <a16:creationId xmlns:a16="http://schemas.microsoft.com/office/drawing/2014/main" id="{7CB94DAC-7193-402A-8EEC-0275470A2AA8}"/>
+              </a:ext>
+            </a:extLst>
+          </p:cNvPr>
+          <p:cNvSpPr/>
+          <p:nvPr/>
+        </p:nvSpPr>
+        <p:spPr>
+          <a:xfrm>
+            <a:off x="0" y="-2"/>
+            <a:ext cx="12192000" cy="923330"/>
+          </a:xfrm>
+          <a:prstGeom prst="rect">
+            <a:avLst/>
+          </a:prstGeom>
+          <a:solidFill>
+            <a:srgbClr val="171D2D"/>
+          </a:solidFill>
+          <a:ln>
+            <a:noFill/>
+          </a:ln>
+        </p:spPr>
+        <p:style>
+          <a:lnRef idx="2">
+            <a:schemeClr val="accent1">
+              <a:shade val="50000"/>
+            </a:schemeClr>
+          </a:lnRef>
+          <a:fillRef idx="1">
+            <a:schemeClr val="accent1"/>
+          </a:fillRef>
+          <a:effectRef idx="0">
+            <a:schemeClr val="accent1"/>
+          </a:effectRef>
+          <a:fontRef idx="minor">
+            <a:schemeClr val="lt1"/>
+          </a:fontRef>
+        </p:style>
+        <p:txBody>
+          <a:bodyPr rtlCol="0" anchor="ctr"/>
+          <a:lstStyle/>
+          <a:p>
+            <a:pPr algn="ctr"/>
+            <a:endParaRPr lang="en-US"/>
+          </a:p>
+        </p:txBody>
+      </p:sp>
+      <p:sp>
+        <p:nvSpPr>
+          <p:cNvPr id="14" name="TextBox 13">
+            <a:extLst>
+              <a:ext uri="{FF2B5EF4-FFF2-40B4-BE49-F238E27FC236}">
+                <a16:creationId xmlns:a16="http://schemas.microsoft.com/office/drawing/2014/main" id="{DA3B01C4-1AD2-4960-9753-B6179C011EBA}"/>
+              </a:ext>
+            </a:extLst>
+          </p:cNvPr>
+          <p:cNvSpPr txBox="1"/>
+          <p:nvPr/>
+        </p:nvSpPr>
+        <p:spPr>
+          <a:xfrm>
+            <a:off x="974844" y="123122"/>
+            <a:ext cx="5022167" cy="707886"/>
+          </a:xfrm>
+          <a:prstGeom prst="rect">
+            <a:avLst/>
+          </a:prstGeom>
+          <a:noFill/>
+          <a:effectLst>
+            <a:glow rad="63500">
+              <a:schemeClr val="accent5">
+                <a:satMod val="175000"/>
+                <a:alpha val="40000"/>
+              </a:schemeClr>
+            </a:glow>
+          </a:effectLst>
+        </p:spPr>
+        <p:txBody>
+          <a:bodyPr wrap="square" rtlCol="0">
+            <a:spAutoFit/>
+          </a:bodyPr>
+          <a:lstStyle/>
+          <a:p>
+            <a:r>
+              <a:rPr lang="en-US" sz="4000" dirty="0">
+                <a:solidFill>
+                  <a:srgbClr val="92979B"/>
+                </a:solidFill>
+                <a:latin typeface="Bahnschrift Light Condensed" panose="020B0502040204020203" pitchFamily="34" charset="0"/>
+              </a:rPr>
+              <a:t>VHDL For FPGA</a:t>
+            </a:r>
+          </a:p>
+        </p:txBody>
+      </p:sp>
+      <p:sp>
+        <p:nvSpPr>
+          <p:cNvPr id="15" name="TextBox 14">
+            <a:extLst>
+              <a:ext uri="{FF2B5EF4-FFF2-40B4-BE49-F238E27FC236}">
+                <a16:creationId xmlns:a16="http://schemas.microsoft.com/office/drawing/2014/main" id="{193D71E9-5D38-4315-9435-07EF7717787D}"/>
+              </a:ext>
+            </a:extLst>
+          </p:cNvPr>
+          <p:cNvSpPr txBox="1"/>
+          <p:nvPr/>
+        </p:nvSpPr>
+        <p:spPr>
+          <a:xfrm>
+            <a:off x="661182" y="1043757"/>
+            <a:ext cx="5022167" cy="584775"/>
+          </a:xfrm>
+          <a:prstGeom prst="rect">
+            <a:avLst/>
+          </a:prstGeom>
+          <a:noFill/>
+        </p:spPr>
+        <p:txBody>
+          <a:bodyPr wrap="square" rtlCol="0">
+            <a:spAutoFit/>
+          </a:bodyPr>
+          <a:lstStyle/>
+          <a:p>
+            <a:r>
+              <a:rPr lang="en-US" sz="3200" dirty="0">
+                <a:solidFill>
+                  <a:srgbClr val="C00000"/>
+                </a:solidFill>
+                <a:latin typeface="Bahnschrift Light Condensed" panose="020B0502040204020203" pitchFamily="34" charset="0"/>
+              </a:rPr>
+              <a:t>MUX 8-to-1:</a:t>
+            </a:r>
+          </a:p>
+        </p:txBody>
+      </p:sp>
+      <p:sp>
+        <p:nvSpPr>
+          <p:cNvPr id="8" name="TextBox 7">
+            <a:extLst>
+              <a:ext uri="{FF2B5EF4-FFF2-40B4-BE49-F238E27FC236}">
+                <a16:creationId xmlns:a16="http://schemas.microsoft.com/office/drawing/2014/main" id="{D6F4B2D2-E70A-4EE9-9FA4-C8E0402EB868}"/>
+              </a:ext>
+            </a:extLst>
+          </p:cNvPr>
+          <p:cNvSpPr txBox="1"/>
+          <p:nvPr/>
+        </p:nvSpPr>
+        <p:spPr>
+          <a:xfrm>
+            <a:off x="3767026" y="1428477"/>
+            <a:ext cx="6966624" cy="707886"/>
+          </a:xfrm>
+          <a:prstGeom prst="rect">
+            <a:avLst/>
+          </a:prstGeom>
+          <a:noFill/>
+        </p:spPr>
+        <p:txBody>
+          <a:bodyPr wrap="square">
+            <a:spAutoFit/>
+          </a:bodyPr>
+          <a:lstStyle/>
+          <a:p>
+            <a:pPr marL="285750" indent="-285750">
+              <a:buFont typeface="Wingdings" panose="05000000000000000000" pitchFamily="2" charset="2"/>
+              <a:buChar char="§"/>
+            </a:pPr>
+            <a:r>
+              <a:rPr lang="en-US" sz="2000" dirty="0">
+                <a:solidFill>
+                  <a:srgbClr val="171C2F"/>
+                </a:solidFill>
+                <a:latin typeface="Arial" panose="020B0604020202020204" pitchFamily="34" charset="0"/>
+                <a:cs typeface="Arial" panose="020B0604020202020204" pitchFamily="34" charset="0"/>
+              </a:rPr>
+              <a:t>Selected Signal Assignment (</a:t>
+            </a:r>
+            <a:r>
+              <a:rPr lang="en-US" sz="2000" dirty="0">
+                <a:solidFill>
+                  <a:srgbClr val="171C2F"/>
+                </a:solidFill>
+                <a:highlight>
+                  <a:srgbClr val="00FF00"/>
+                </a:highlight>
+                <a:latin typeface="Courier New" panose="02070309020205020404" pitchFamily="49" charset="0"/>
+                <a:cs typeface="Courier New" panose="02070309020205020404" pitchFamily="49" charset="0"/>
+              </a:rPr>
+              <a:t>WITH – SELECT</a:t>
+            </a:r>
+            <a:r>
+              <a:rPr lang="en-US" sz="2000" dirty="0">
+                <a:solidFill>
+                  <a:srgbClr val="171C2F"/>
+                </a:solidFill>
+                <a:latin typeface="Arial" panose="020B0604020202020204" pitchFamily="34" charset="0"/>
+                <a:cs typeface="Arial" panose="020B0604020202020204" pitchFamily="34" charset="0"/>
+              </a:rPr>
+              <a:t>):</a:t>
+            </a:r>
+          </a:p>
+          <a:p>
+            <a:pPr marL="285750" indent="-285750">
+              <a:buFont typeface="Wingdings" panose="05000000000000000000" pitchFamily="2" charset="2"/>
+              <a:buChar char="§"/>
+            </a:pPr>
+            <a:r>
+              <a:rPr lang="en-US" sz="2000" dirty="0">
+                <a:solidFill>
+                  <a:srgbClr val="171C2F"/>
+                </a:solidFill>
+                <a:latin typeface="Arial" panose="020B0604020202020204" pitchFamily="34" charset="0"/>
+                <a:cs typeface="Arial" panose="020B0604020202020204" pitchFamily="34" charset="0"/>
+              </a:rPr>
+              <a:t>Selected Signal Assignment (</a:t>
+            </a:r>
+            <a:r>
+              <a:rPr lang="en-US" sz="2000" dirty="0">
+                <a:solidFill>
+                  <a:srgbClr val="171C2F"/>
+                </a:solidFill>
+                <a:highlight>
+                  <a:srgbClr val="00FF00"/>
+                </a:highlight>
+                <a:latin typeface="Courier New" panose="02070309020205020404" pitchFamily="49" charset="0"/>
+                <a:cs typeface="Courier New" panose="02070309020205020404" pitchFamily="49" charset="0"/>
+              </a:rPr>
+              <a:t>WHEN – ELSE</a:t>
+            </a:r>
+            <a:r>
+              <a:rPr lang="en-US" sz="2000" dirty="0">
+                <a:solidFill>
+                  <a:srgbClr val="171C2F"/>
+                </a:solidFill>
+                <a:latin typeface="Arial" panose="020B0604020202020204" pitchFamily="34" charset="0"/>
+                <a:cs typeface="Arial" panose="020B0604020202020204" pitchFamily="34" charset="0"/>
+              </a:rPr>
+              <a:t>):</a:t>
+            </a:r>
+          </a:p>
+        </p:txBody>
+      </p:sp>
+      <p:pic>
+        <p:nvPicPr>
+          <p:cNvPr id="3" name="Picture 2">
+            <a:extLst>
+              <a:ext uri="{FF2B5EF4-FFF2-40B4-BE49-F238E27FC236}">
+                <a16:creationId xmlns:a16="http://schemas.microsoft.com/office/drawing/2014/main" id="{8EF4205F-4E25-415F-8884-25A54EE70D11}"/>
+              </a:ext>
+            </a:extLst>
+          </p:cNvPr>
+          <p:cNvPicPr>
+            <a:picLocks noChangeAspect="1"/>
+          </p:cNvPicPr>
+          <p:nvPr/>
+        </p:nvPicPr>
+        <p:blipFill>
+          <a:blip r:embed="rId2"/>
+          <a:stretch>
+            <a:fillRect/>
+          </a:stretch>
+        </p:blipFill>
+        <p:spPr>
+          <a:xfrm>
+            <a:off x="1270264" y="1828587"/>
+            <a:ext cx="1585477" cy="3615800"/>
+          </a:xfrm>
+          <a:prstGeom prst="rect">
+            <a:avLst/>
+          </a:prstGeom>
+        </p:spPr>
+      </p:pic>
+      <p:pic>
+        <p:nvPicPr>
+          <p:cNvPr id="6" name="Picture 5">
+            <a:extLst>
+              <a:ext uri="{FF2B5EF4-FFF2-40B4-BE49-F238E27FC236}">
+                <a16:creationId xmlns:a16="http://schemas.microsoft.com/office/drawing/2014/main" id="{CDD5C30A-FE1C-4B27-A74A-876786CD36F4}"/>
+              </a:ext>
+            </a:extLst>
+          </p:cNvPr>
+          <p:cNvPicPr>
+            <a:picLocks noChangeAspect="1"/>
+          </p:cNvPicPr>
+          <p:nvPr/>
+        </p:nvPicPr>
+        <p:blipFill>
+          <a:blip r:embed="rId3"/>
+          <a:stretch>
+            <a:fillRect/>
+          </a:stretch>
+        </p:blipFill>
+        <p:spPr>
+          <a:xfrm>
+            <a:off x="4132015" y="2540480"/>
+            <a:ext cx="2621605" cy="2192014"/>
+          </a:xfrm>
+          <a:prstGeom prst="rect">
+            <a:avLst/>
+          </a:prstGeom>
+        </p:spPr>
+      </p:pic>
+    </p:spTree>
+    <p:extLst>
+      <p:ext uri="{BB962C8B-B14F-4D97-AF65-F5344CB8AC3E}">
+        <p14:creationId xmlns:p14="http://schemas.microsoft.com/office/powerpoint/2010/main" val="2388254141"/>
+      </p:ext>
+    </p:extLst>
+  </p:cSld>
+  <p:clrMapOvr>
+    <a:masterClrMapping/>
+  </p:clrMapOvr>
+</p:sld>
+</file>
+
+<file path=ppt/slides/slide14.xml><?xml version="1.0" encoding="utf-8"?>
+<p:sld xmlns:a="http://schemas.openxmlformats.org/drawingml/2006/main" xmlns:r="http://schemas.openxmlformats.org/officeDocument/2006/relationships" xmlns:p="http://schemas.openxmlformats.org/presentationml/2006/main">
+  <p:cSld>
+    <p:spTree>
+      <p:nvGrpSpPr>
+        <p:cNvPr id="1" name=""/>
+        <p:cNvGrpSpPr/>
+        <p:nvPr/>
+      </p:nvGrpSpPr>
+      <p:grpSpPr>
+        <a:xfrm>
+          <a:off x="0" y="0"/>
+          <a:ext cx="0" cy="0"/>
+          <a:chOff x="0" y="0"/>
+          <a:chExt cx="0" cy="0"/>
+        </a:xfrm>
+      </p:grpSpPr>
+      <p:sp>
+        <p:nvSpPr>
+          <p:cNvPr id="4" name="Rectangle 3">
+            <a:extLst>
+              <a:ext uri="{FF2B5EF4-FFF2-40B4-BE49-F238E27FC236}">
+                <a16:creationId xmlns:a16="http://schemas.microsoft.com/office/drawing/2014/main" id="{7CB94DAC-7193-402A-8EEC-0275470A2AA8}"/>
+              </a:ext>
+            </a:extLst>
+          </p:cNvPr>
+          <p:cNvSpPr/>
+          <p:nvPr/>
+        </p:nvSpPr>
+        <p:spPr>
+          <a:xfrm>
+            <a:off x="0" y="-2"/>
+            <a:ext cx="12192000" cy="923330"/>
+          </a:xfrm>
+          <a:prstGeom prst="rect">
+            <a:avLst/>
+          </a:prstGeom>
+          <a:solidFill>
+            <a:srgbClr val="171D2D"/>
+          </a:solidFill>
+          <a:ln>
+            <a:noFill/>
+          </a:ln>
+        </p:spPr>
+        <p:style>
+          <a:lnRef idx="2">
+            <a:schemeClr val="accent1">
+              <a:shade val="50000"/>
+            </a:schemeClr>
+          </a:lnRef>
+          <a:fillRef idx="1">
+            <a:schemeClr val="accent1"/>
+          </a:fillRef>
+          <a:effectRef idx="0">
+            <a:schemeClr val="accent1"/>
+          </a:effectRef>
+          <a:fontRef idx="minor">
+            <a:schemeClr val="lt1"/>
+          </a:fontRef>
+        </p:style>
+        <p:txBody>
+          <a:bodyPr rtlCol="0" anchor="ctr"/>
+          <a:lstStyle/>
+          <a:p>
+            <a:pPr algn="ctr"/>
+            <a:endParaRPr lang="en-US"/>
+          </a:p>
+        </p:txBody>
+      </p:sp>
+      <p:sp>
+        <p:nvSpPr>
+          <p:cNvPr id="14" name="TextBox 13">
+            <a:extLst>
+              <a:ext uri="{FF2B5EF4-FFF2-40B4-BE49-F238E27FC236}">
+                <a16:creationId xmlns:a16="http://schemas.microsoft.com/office/drawing/2014/main" id="{DA3B01C4-1AD2-4960-9753-B6179C011EBA}"/>
+              </a:ext>
+            </a:extLst>
+          </p:cNvPr>
+          <p:cNvSpPr txBox="1"/>
+          <p:nvPr/>
+        </p:nvSpPr>
+        <p:spPr>
+          <a:xfrm>
+            <a:off x="974844" y="123122"/>
+            <a:ext cx="5022167" cy="707886"/>
+          </a:xfrm>
+          <a:prstGeom prst="rect">
+            <a:avLst/>
+          </a:prstGeom>
+          <a:noFill/>
+          <a:effectLst>
+            <a:glow rad="63500">
+              <a:schemeClr val="accent5">
+                <a:satMod val="175000"/>
+                <a:alpha val="40000"/>
+              </a:schemeClr>
+            </a:glow>
+          </a:effectLst>
+        </p:spPr>
+        <p:txBody>
+          <a:bodyPr wrap="square" rtlCol="0">
+            <a:spAutoFit/>
+          </a:bodyPr>
+          <a:lstStyle/>
+          <a:p>
+            <a:r>
+              <a:rPr lang="en-US" sz="4000" dirty="0">
+                <a:solidFill>
+                  <a:srgbClr val="92979B"/>
+                </a:solidFill>
+                <a:latin typeface="Bahnschrift Light Condensed" panose="020B0502040204020203" pitchFamily="34" charset="0"/>
+              </a:rPr>
+              <a:t>VHDL For FPGA</a:t>
+            </a:r>
+          </a:p>
+        </p:txBody>
+      </p:sp>
+      <p:sp>
+        <p:nvSpPr>
+          <p:cNvPr id="15" name="TextBox 14">
+            <a:extLst>
+              <a:ext uri="{FF2B5EF4-FFF2-40B4-BE49-F238E27FC236}">
+                <a16:creationId xmlns:a16="http://schemas.microsoft.com/office/drawing/2014/main" id="{193D71E9-5D38-4315-9435-07EF7717787D}"/>
+              </a:ext>
+            </a:extLst>
+          </p:cNvPr>
+          <p:cNvSpPr txBox="1"/>
+          <p:nvPr/>
+        </p:nvSpPr>
+        <p:spPr>
+          <a:xfrm>
+            <a:off x="661182" y="1043757"/>
+            <a:ext cx="5022167" cy="584775"/>
+          </a:xfrm>
+          <a:prstGeom prst="rect">
+            <a:avLst/>
+          </a:prstGeom>
+          <a:noFill/>
+        </p:spPr>
+        <p:txBody>
+          <a:bodyPr wrap="square" rtlCol="0">
+            <a:spAutoFit/>
+          </a:bodyPr>
+          <a:lstStyle/>
+          <a:p>
+            <a:r>
+              <a:rPr lang="en-US" sz="3200" dirty="0">
+                <a:solidFill>
+                  <a:srgbClr val="C00000"/>
+                </a:solidFill>
+                <a:latin typeface="Bahnschrift Light Condensed" panose="020B0502040204020203" pitchFamily="34" charset="0"/>
+              </a:rPr>
+              <a:t>4-to-1 LUT:</a:t>
+            </a:r>
+          </a:p>
+        </p:txBody>
+      </p:sp>
+      <p:sp>
+        <p:nvSpPr>
+          <p:cNvPr id="8" name="TextBox 7">
+            <a:extLst>
+              <a:ext uri="{FF2B5EF4-FFF2-40B4-BE49-F238E27FC236}">
+                <a16:creationId xmlns:a16="http://schemas.microsoft.com/office/drawing/2014/main" id="{D6F4B2D2-E70A-4EE9-9FA4-C8E0402EB868}"/>
+              </a:ext>
+            </a:extLst>
+          </p:cNvPr>
+          <p:cNvSpPr txBox="1"/>
+          <p:nvPr/>
+        </p:nvSpPr>
+        <p:spPr>
+          <a:xfrm>
+            <a:off x="3767026" y="1428477"/>
+            <a:ext cx="6966624" cy="707886"/>
+          </a:xfrm>
+          <a:prstGeom prst="rect">
+            <a:avLst/>
+          </a:prstGeom>
+          <a:noFill/>
+        </p:spPr>
+        <p:txBody>
+          <a:bodyPr wrap="square">
+            <a:spAutoFit/>
+          </a:bodyPr>
+          <a:lstStyle/>
+          <a:p>
+            <a:pPr marL="285750" indent="-285750">
+              <a:buFont typeface="Wingdings" panose="05000000000000000000" pitchFamily="2" charset="2"/>
+              <a:buChar char="§"/>
+            </a:pPr>
+            <a:r>
+              <a:rPr lang="en-US" sz="2000" dirty="0">
+                <a:solidFill>
+                  <a:srgbClr val="171C2F"/>
+                </a:solidFill>
+                <a:latin typeface="Arial" panose="020B0604020202020204" pitchFamily="34" charset="0"/>
+                <a:cs typeface="Arial" panose="020B0604020202020204" pitchFamily="34" charset="0"/>
+              </a:rPr>
+              <a:t>Selected Signal Assignment (</a:t>
+            </a:r>
+            <a:r>
+              <a:rPr lang="en-US" sz="2000" dirty="0">
+                <a:solidFill>
+                  <a:srgbClr val="171C2F"/>
+                </a:solidFill>
+                <a:highlight>
+                  <a:srgbClr val="00FF00"/>
+                </a:highlight>
+                <a:latin typeface="Courier New" panose="02070309020205020404" pitchFamily="49" charset="0"/>
+                <a:cs typeface="Courier New" panose="02070309020205020404" pitchFamily="49" charset="0"/>
+              </a:rPr>
+              <a:t>WITH – SELECT</a:t>
+            </a:r>
+            <a:r>
+              <a:rPr lang="en-US" sz="2000" dirty="0">
+                <a:solidFill>
+                  <a:srgbClr val="171C2F"/>
+                </a:solidFill>
+                <a:latin typeface="Arial" panose="020B0604020202020204" pitchFamily="34" charset="0"/>
+                <a:cs typeface="Arial" panose="020B0604020202020204" pitchFamily="34" charset="0"/>
+              </a:rPr>
+              <a:t>):</a:t>
+            </a:r>
+          </a:p>
+          <a:p>
+            <a:pPr marL="285750" indent="-285750">
+              <a:buFont typeface="Wingdings" panose="05000000000000000000" pitchFamily="2" charset="2"/>
+              <a:buChar char="§"/>
+            </a:pPr>
+            <a:r>
+              <a:rPr lang="en-US" sz="2000" dirty="0">
+                <a:solidFill>
+                  <a:srgbClr val="171C2F"/>
+                </a:solidFill>
+                <a:latin typeface="Arial" panose="020B0604020202020204" pitchFamily="34" charset="0"/>
+                <a:cs typeface="Arial" panose="020B0604020202020204" pitchFamily="34" charset="0"/>
+              </a:rPr>
+              <a:t>Selected Signal Assignment (</a:t>
+            </a:r>
+            <a:r>
+              <a:rPr lang="en-US" sz="2000" dirty="0">
+                <a:solidFill>
+                  <a:srgbClr val="171C2F"/>
+                </a:solidFill>
+                <a:highlight>
+                  <a:srgbClr val="00FF00"/>
+                </a:highlight>
+                <a:latin typeface="Courier New" panose="02070309020205020404" pitchFamily="49" charset="0"/>
+                <a:cs typeface="Courier New" panose="02070309020205020404" pitchFamily="49" charset="0"/>
+              </a:rPr>
+              <a:t>WHEN – ELSE</a:t>
+            </a:r>
+            <a:r>
+              <a:rPr lang="en-US" sz="2000" dirty="0">
+                <a:solidFill>
+                  <a:srgbClr val="171C2F"/>
+                </a:solidFill>
+                <a:latin typeface="Arial" panose="020B0604020202020204" pitchFamily="34" charset="0"/>
+                <a:cs typeface="Arial" panose="020B0604020202020204" pitchFamily="34" charset="0"/>
+              </a:rPr>
+              <a:t>):</a:t>
+            </a:r>
+          </a:p>
+        </p:txBody>
+      </p:sp>
+      <p:pic>
+        <p:nvPicPr>
+          <p:cNvPr id="5" name="Picture 4">
+            <a:extLst>
+              <a:ext uri="{FF2B5EF4-FFF2-40B4-BE49-F238E27FC236}">
+                <a16:creationId xmlns:a16="http://schemas.microsoft.com/office/drawing/2014/main" id="{599A16AD-1783-4AF5-A70C-AD275D374124}"/>
+              </a:ext>
+            </a:extLst>
+          </p:cNvPr>
+          <p:cNvPicPr>
+            <a:picLocks noChangeAspect="1"/>
+          </p:cNvPicPr>
+          <p:nvPr/>
+        </p:nvPicPr>
+        <p:blipFill>
+          <a:blip r:embed="rId2"/>
+          <a:stretch>
+            <a:fillRect/>
+          </a:stretch>
+        </p:blipFill>
+        <p:spPr>
+          <a:xfrm>
+            <a:off x="779184" y="1782420"/>
+            <a:ext cx="2393081" cy="4141871"/>
+          </a:xfrm>
+          <a:prstGeom prst="rect">
+            <a:avLst/>
+          </a:prstGeom>
+        </p:spPr>
+      </p:pic>
+      <p:pic>
+        <p:nvPicPr>
+          <p:cNvPr id="9" name="Picture 8">
+            <a:extLst>
+              <a:ext uri="{FF2B5EF4-FFF2-40B4-BE49-F238E27FC236}">
+                <a16:creationId xmlns:a16="http://schemas.microsoft.com/office/drawing/2014/main" id="{197524DF-041A-4702-888E-C218E3639BC0}"/>
+              </a:ext>
+            </a:extLst>
+          </p:cNvPr>
+          <p:cNvPicPr>
+            <a:picLocks noChangeAspect="1"/>
+          </p:cNvPicPr>
+          <p:nvPr/>
+        </p:nvPicPr>
+        <p:blipFill>
+          <a:blip r:embed="rId3"/>
+          <a:stretch>
+            <a:fillRect/>
+          </a:stretch>
+        </p:blipFill>
+        <p:spPr>
+          <a:xfrm>
+            <a:off x="4549763" y="2635568"/>
+            <a:ext cx="3092474" cy="3178675"/>
+          </a:xfrm>
+          <a:prstGeom prst="rect">
+            <a:avLst/>
+          </a:prstGeom>
+        </p:spPr>
+      </p:pic>
+    </p:spTree>
+    <p:extLst>
+      <p:ext uri="{BB962C8B-B14F-4D97-AF65-F5344CB8AC3E}">
+        <p14:creationId xmlns:p14="http://schemas.microsoft.com/office/powerpoint/2010/main" val="779186442"/>
+      </p:ext>
+    </p:extLst>
+  </p:cSld>
+  <p:clrMapOvr>
+    <a:masterClrMapping/>
+  </p:clrMapOvr>
+</p:sld>
+</file>
+
+<file path=ppt/slides/slide15.xml><?xml version="1.0" encoding="utf-8"?>
+<p:sld xmlns:a="http://schemas.openxmlformats.org/drawingml/2006/main" xmlns:r="http://schemas.openxmlformats.org/officeDocument/2006/relationships" xmlns:p="http://schemas.openxmlformats.org/presentationml/2006/main">
+  <p:cSld>
+    <p:spTree>
+      <p:nvGrpSpPr>
+        <p:cNvPr id="1" name=""/>
+        <p:cNvGrpSpPr/>
+        <p:nvPr/>
+      </p:nvGrpSpPr>
+      <p:grpSpPr>
+        <a:xfrm>
+          <a:off x="0" y="0"/>
+          <a:ext cx="0" cy="0"/>
+          <a:chOff x="0" y="0"/>
+          <a:chExt cx="0" cy="0"/>
+        </a:xfrm>
+      </p:grpSpPr>
+      <p:sp>
+        <p:nvSpPr>
+          <p:cNvPr id="4" name="Rectangle 3">
+            <a:extLst>
+              <a:ext uri="{FF2B5EF4-FFF2-40B4-BE49-F238E27FC236}">
+                <a16:creationId xmlns:a16="http://schemas.microsoft.com/office/drawing/2014/main" id="{7CB94DAC-7193-402A-8EEC-0275470A2AA8}"/>
+              </a:ext>
+            </a:extLst>
+          </p:cNvPr>
+          <p:cNvSpPr/>
+          <p:nvPr/>
+        </p:nvSpPr>
+        <p:spPr>
+          <a:xfrm>
+            <a:off x="0" y="-2"/>
+            <a:ext cx="12192000" cy="923330"/>
+          </a:xfrm>
+          <a:prstGeom prst="rect">
+            <a:avLst/>
+          </a:prstGeom>
+          <a:solidFill>
+            <a:srgbClr val="171D2D"/>
+          </a:solidFill>
+          <a:ln>
+            <a:noFill/>
+          </a:ln>
+        </p:spPr>
+        <p:style>
+          <a:lnRef idx="2">
+            <a:schemeClr val="accent1">
+              <a:shade val="50000"/>
+            </a:schemeClr>
+          </a:lnRef>
+          <a:fillRef idx="1">
+            <a:schemeClr val="accent1"/>
+          </a:fillRef>
+          <a:effectRef idx="0">
+            <a:schemeClr val="accent1"/>
+          </a:effectRef>
+          <a:fontRef idx="minor">
+            <a:schemeClr val="lt1"/>
+          </a:fontRef>
+        </p:style>
+        <p:txBody>
+          <a:bodyPr rtlCol="0" anchor="ctr"/>
+          <a:lstStyle/>
+          <a:p>
+            <a:pPr algn="ctr"/>
+            <a:endParaRPr lang="en-US"/>
+          </a:p>
+        </p:txBody>
+      </p:sp>
+      <p:sp>
+        <p:nvSpPr>
+          <p:cNvPr id="14" name="TextBox 13">
+            <a:extLst>
+              <a:ext uri="{FF2B5EF4-FFF2-40B4-BE49-F238E27FC236}">
+                <a16:creationId xmlns:a16="http://schemas.microsoft.com/office/drawing/2014/main" id="{DA3B01C4-1AD2-4960-9753-B6179C011EBA}"/>
+              </a:ext>
+            </a:extLst>
+          </p:cNvPr>
+          <p:cNvSpPr txBox="1"/>
+          <p:nvPr/>
+        </p:nvSpPr>
+        <p:spPr>
+          <a:xfrm>
+            <a:off x="974844" y="123122"/>
+            <a:ext cx="5022167" cy="707886"/>
+          </a:xfrm>
+          <a:prstGeom prst="rect">
+            <a:avLst/>
+          </a:prstGeom>
+          <a:noFill/>
+          <a:effectLst>
+            <a:glow rad="63500">
+              <a:schemeClr val="accent5">
+                <a:satMod val="175000"/>
+                <a:alpha val="40000"/>
+              </a:schemeClr>
+            </a:glow>
+          </a:effectLst>
+        </p:spPr>
+        <p:txBody>
+          <a:bodyPr wrap="square" rtlCol="0">
+            <a:spAutoFit/>
+          </a:bodyPr>
+          <a:lstStyle/>
+          <a:p>
+            <a:r>
+              <a:rPr lang="en-US" sz="4000" dirty="0">
+                <a:solidFill>
+                  <a:srgbClr val="92979B"/>
+                </a:solidFill>
+                <a:latin typeface="Bahnschrift Light Condensed" panose="020B0502040204020203" pitchFamily="34" charset="0"/>
+              </a:rPr>
+              <a:t>VHDL For FPGA</a:t>
+            </a:r>
+          </a:p>
+        </p:txBody>
+      </p:sp>
+      <p:sp>
+        <p:nvSpPr>
+          <p:cNvPr id="15" name="TextBox 14">
+            <a:extLst>
+              <a:ext uri="{FF2B5EF4-FFF2-40B4-BE49-F238E27FC236}">
+                <a16:creationId xmlns:a16="http://schemas.microsoft.com/office/drawing/2014/main" id="{193D71E9-5D38-4315-9435-07EF7717787D}"/>
+              </a:ext>
+            </a:extLst>
+          </p:cNvPr>
+          <p:cNvSpPr txBox="1"/>
+          <p:nvPr/>
+        </p:nvSpPr>
+        <p:spPr>
+          <a:xfrm>
+            <a:off x="661182" y="1043757"/>
+            <a:ext cx="6808763" cy="584775"/>
+          </a:xfrm>
+          <a:prstGeom prst="rect">
+            <a:avLst/>
+          </a:prstGeom>
+          <a:noFill/>
+        </p:spPr>
+        <p:txBody>
+          <a:bodyPr wrap="square" rtlCol="0">
+            <a:spAutoFit/>
+          </a:bodyPr>
+          <a:lstStyle/>
+          <a:p>
+            <a:r>
+              <a:rPr lang="en-US" sz="3200" dirty="0">
+                <a:solidFill>
+                  <a:srgbClr val="C00000"/>
+                </a:solidFill>
+                <a:latin typeface="Bahnschrift Light Condensed" panose="020B0502040204020203" pitchFamily="34" charset="0"/>
+              </a:rPr>
+              <a:t>7-segment DECODER (outputs &gt;= inputs)</a:t>
+            </a:r>
+          </a:p>
+        </p:txBody>
+      </p:sp>
+      <p:sp>
+        <p:nvSpPr>
+          <p:cNvPr id="8" name="TextBox 7">
+            <a:extLst>
+              <a:ext uri="{FF2B5EF4-FFF2-40B4-BE49-F238E27FC236}">
+                <a16:creationId xmlns:a16="http://schemas.microsoft.com/office/drawing/2014/main" id="{D6F4B2D2-E70A-4EE9-9FA4-C8E0402EB868}"/>
+              </a:ext>
+            </a:extLst>
+          </p:cNvPr>
+          <p:cNvSpPr txBox="1"/>
+          <p:nvPr/>
+        </p:nvSpPr>
+        <p:spPr>
+          <a:xfrm>
+            <a:off x="4442275" y="1837652"/>
+            <a:ext cx="6966624" cy="707886"/>
+          </a:xfrm>
+          <a:prstGeom prst="rect">
+            <a:avLst/>
+          </a:prstGeom>
+          <a:noFill/>
+        </p:spPr>
+        <p:txBody>
+          <a:bodyPr wrap="square">
+            <a:spAutoFit/>
+          </a:bodyPr>
+          <a:lstStyle/>
+          <a:p>
+            <a:pPr marL="285750" indent="-285750">
+              <a:buFont typeface="Wingdings" panose="05000000000000000000" pitchFamily="2" charset="2"/>
+              <a:buChar char="§"/>
+            </a:pPr>
+            <a:r>
+              <a:rPr lang="en-US" sz="2000" dirty="0">
+                <a:solidFill>
+                  <a:srgbClr val="171C2F"/>
+                </a:solidFill>
+                <a:latin typeface="Arial" panose="020B0604020202020204" pitchFamily="34" charset="0"/>
+                <a:cs typeface="Arial" panose="020B0604020202020204" pitchFamily="34" charset="0"/>
+              </a:rPr>
+              <a:t>Selected Signal Assignment (</a:t>
+            </a:r>
+            <a:r>
+              <a:rPr lang="en-US" sz="2000" dirty="0">
+                <a:solidFill>
+                  <a:srgbClr val="171C2F"/>
+                </a:solidFill>
+                <a:highlight>
+                  <a:srgbClr val="00FF00"/>
+                </a:highlight>
+                <a:latin typeface="Courier New" panose="02070309020205020404" pitchFamily="49" charset="0"/>
+                <a:cs typeface="Courier New" panose="02070309020205020404" pitchFamily="49" charset="0"/>
+              </a:rPr>
+              <a:t>WITH – SELECT</a:t>
+            </a:r>
+            <a:r>
+              <a:rPr lang="en-US" sz="2000" dirty="0">
+                <a:solidFill>
+                  <a:srgbClr val="171C2F"/>
+                </a:solidFill>
+                <a:latin typeface="Arial" panose="020B0604020202020204" pitchFamily="34" charset="0"/>
+                <a:cs typeface="Arial" panose="020B0604020202020204" pitchFamily="34" charset="0"/>
+              </a:rPr>
+              <a:t>):</a:t>
+            </a:r>
+          </a:p>
+          <a:p>
+            <a:pPr marL="285750" indent="-285750">
+              <a:buFont typeface="Wingdings" panose="05000000000000000000" pitchFamily="2" charset="2"/>
+              <a:buChar char="§"/>
+            </a:pPr>
+            <a:r>
+              <a:rPr lang="en-US" sz="2000" dirty="0">
+                <a:solidFill>
+                  <a:srgbClr val="171C2F"/>
+                </a:solidFill>
+                <a:latin typeface="Arial" panose="020B0604020202020204" pitchFamily="34" charset="0"/>
+                <a:cs typeface="Arial" panose="020B0604020202020204" pitchFamily="34" charset="0"/>
+              </a:rPr>
+              <a:t>Selected Signal Assignment (</a:t>
+            </a:r>
+            <a:r>
+              <a:rPr lang="en-US" sz="2000" dirty="0">
+                <a:solidFill>
+                  <a:srgbClr val="171C2F"/>
+                </a:solidFill>
+                <a:highlight>
+                  <a:srgbClr val="00FF00"/>
+                </a:highlight>
+                <a:latin typeface="Courier New" panose="02070309020205020404" pitchFamily="49" charset="0"/>
+                <a:cs typeface="Courier New" panose="02070309020205020404" pitchFamily="49" charset="0"/>
+              </a:rPr>
+              <a:t>WHEN – ELSE</a:t>
+            </a:r>
+            <a:r>
+              <a:rPr lang="en-US" sz="2000" dirty="0">
+                <a:solidFill>
+                  <a:srgbClr val="171C2F"/>
+                </a:solidFill>
+                <a:latin typeface="Arial" panose="020B0604020202020204" pitchFamily="34" charset="0"/>
+                <a:cs typeface="Arial" panose="020B0604020202020204" pitchFamily="34" charset="0"/>
+              </a:rPr>
+              <a:t>):</a:t>
+            </a:r>
+          </a:p>
+        </p:txBody>
+      </p:sp>
+      <p:pic>
+        <p:nvPicPr>
+          <p:cNvPr id="3" name="Picture 2">
+            <a:extLst>
+              <a:ext uri="{FF2B5EF4-FFF2-40B4-BE49-F238E27FC236}">
+                <a16:creationId xmlns:a16="http://schemas.microsoft.com/office/drawing/2014/main" id="{ADB8D1C3-2F5E-4366-AB68-2F840489A7D2}"/>
+              </a:ext>
+            </a:extLst>
+          </p:cNvPr>
+          <p:cNvPicPr>
+            <a:picLocks noChangeAspect="1"/>
+          </p:cNvPicPr>
+          <p:nvPr/>
+        </p:nvPicPr>
+        <p:blipFill>
+          <a:blip r:embed="rId2"/>
+          <a:stretch>
+            <a:fillRect/>
+          </a:stretch>
+        </p:blipFill>
+        <p:spPr>
+          <a:xfrm>
+            <a:off x="661182" y="1833085"/>
+            <a:ext cx="3432516" cy="1955409"/>
+          </a:xfrm>
+          <a:prstGeom prst="rect">
+            <a:avLst/>
+          </a:prstGeom>
+        </p:spPr>
+      </p:pic>
+      <p:pic>
+        <p:nvPicPr>
+          <p:cNvPr id="7" name="Picture 6">
+            <a:extLst>
+              <a:ext uri="{FF2B5EF4-FFF2-40B4-BE49-F238E27FC236}">
+                <a16:creationId xmlns:a16="http://schemas.microsoft.com/office/drawing/2014/main" id="{0F7A9DCE-9113-41C0-BC09-DEEDBB8DD85D}"/>
+              </a:ext>
+            </a:extLst>
+          </p:cNvPr>
+          <p:cNvPicPr>
+            <a:picLocks noChangeAspect="1"/>
+          </p:cNvPicPr>
+          <p:nvPr/>
+        </p:nvPicPr>
+        <p:blipFill>
+          <a:blip r:embed="rId3"/>
+          <a:stretch>
+            <a:fillRect/>
+          </a:stretch>
+        </p:blipFill>
+        <p:spPr>
+          <a:xfrm>
+            <a:off x="4667982" y="3152555"/>
+            <a:ext cx="6246163" cy="552890"/>
+          </a:xfrm>
+          <a:prstGeom prst="rect">
+            <a:avLst/>
+          </a:prstGeom>
+        </p:spPr>
+      </p:pic>
+      <p:pic>
+        <p:nvPicPr>
+          <p:cNvPr id="4098" name="Picture 2" descr="7-segment Display and Driving a 7-segment Display">
+            <a:extLst>
+              <a:ext uri="{FF2B5EF4-FFF2-40B4-BE49-F238E27FC236}">
+                <a16:creationId xmlns:a16="http://schemas.microsoft.com/office/drawing/2014/main" id="{53AF9A26-195B-499B-B1FA-E82AC4EC9722}"/>
+              </a:ext>
+            </a:extLst>
+          </p:cNvPr>
+          <p:cNvPicPr>
+            <a:picLocks noChangeAspect="1" noChangeArrowheads="1"/>
+          </p:cNvPicPr>
+          <p:nvPr/>
+        </p:nvPicPr>
+        <p:blipFill>
+          <a:blip r:embed="rId4">
+            <a:extLst>
+              <a:ext uri="{28A0092B-C50C-407E-A947-70E740481C1C}">
+                <a14:useLocalDpi xmlns:a14="http://schemas.microsoft.com/office/drawing/2010/main" val="0"/>
+              </a:ext>
+            </a:extLst>
+          </a:blip>
+          <a:srcRect/>
+          <a:stretch>
+            <a:fillRect/>
+          </a:stretch>
+        </p:blipFill>
+        <p:spPr bwMode="auto">
+          <a:xfrm>
+            <a:off x="8243666" y="4037269"/>
+            <a:ext cx="2883877" cy="2457022"/>
+          </a:xfrm>
+          <a:prstGeom prst="rect">
+            <a:avLst/>
+          </a:prstGeom>
+          <a:noFill/>
+          <a:extLst>
+            <a:ext uri="{909E8E84-426E-40DD-AFC4-6F175D3DCCD1}">
+              <a14:hiddenFill xmlns:a14="http://schemas.microsoft.com/office/drawing/2010/main">
+                <a:solidFill>
+                  <a:srgbClr val="FFFFFF"/>
+                </a:solidFill>
+              </a14:hiddenFill>
+            </a:ext>
+          </a:extLst>
+        </p:spPr>
+      </p:pic>
+      <p:pic>
+        <p:nvPicPr>
+          <p:cNvPr id="11" name="Picture 10">
+            <a:extLst>
+              <a:ext uri="{FF2B5EF4-FFF2-40B4-BE49-F238E27FC236}">
+                <a16:creationId xmlns:a16="http://schemas.microsoft.com/office/drawing/2014/main" id="{5A194D55-782A-40CE-A4C1-C88B9BC76B4D}"/>
+              </a:ext>
+            </a:extLst>
+          </p:cNvPr>
+          <p:cNvPicPr>
+            <a:picLocks noChangeAspect="1"/>
+          </p:cNvPicPr>
+          <p:nvPr/>
+        </p:nvPicPr>
+        <p:blipFill rotWithShape="1">
+          <a:blip r:embed="rId5"/>
+          <a:srcRect l="4489"/>
+          <a:stretch/>
+        </p:blipFill>
+        <p:spPr>
+          <a:xfrm>
+            <a:off x="4193543" y="4094116"/>
+            <a:ext cx="3597520" cy="2400175"/>
+          </a:xfrm>
+          <a:prstGeom prst="rect">
+            <a:avLst/>
+          </a:prstGeom>
+        </p:spPr>
+      </p:pic>
+    </p:spTree>
+    <p:extLst>
+      <p:ext uri="{BB962C8B-B14F-4D97-AF65-F5344CB8AC3E}">
+        <p14:creationId xmlns:p14="http://schemas.microsoft.com/office/powerpoint/2010/main" val="3599260528"/>
+      </p:ext>
+    </p:extLst>
+  </p:cSld>
+  <p:clrMapOvr>
+    <a:masterClrMapping/>
+  </p:clrMapOvr>
+</p:sld>
+</file>
+
+<file path=ppt/slides/slide16.xml><?xml version="1.0" encoding="utf-8"?>
+<p:sld xmlns:a="http://schemas.openxmlformats.org/drawingml/2006/main" xmlns:r="http://schemas.openxmlformats.org/officeDocument/2006/relationships" xmlns:p="http://schemas.openxmlformats.org/presentationml/2006/main">
+  <p:cSld>
+    <p:spTree>
+      <p:nvGrpSpPr>
+        <p:cNvPr id="1" name=""/>
+        <p:cNvGrpSpPr/>
+        <p:nvPr/>
+      </p:nvGrpSpPr>
+      <p:grpSpPr>
+        <a:xfrm>
+          <a:off x="0" y="0"/>
+          <a:ext cx="0" cy="0"/>
+          <a:chOff x="0" y="0"/>
+          <a:chExt cx="0" cy="0"/>
+        </a:xfrm>
+      </p:grpSpPr>
+      <p:sp>
+        <p:nvSpPr>
+          <p:cNvPr id="4" name="Rectangle 3">
+            <a:extLst>
+              <a:ext uri="{FF2B5EF4-FFF2-40B4-BE49-F238E27FC236}">
+                <a16:creationId xmlns:a16="http://schemas.microsoft.com/office/drawing/2014/main" id="{7CB94DAC-7193-402A-8EEC-0275470A2AA8}"/>
+              </a:ext>
+            </a:extLst>
+          </p:cNvPr>
+          <p:cNvSpPr/>
+          <p:nvPr/>
+        </p:nvSpPr>
+        <p:spPr>
+          <a:xfrm>
+            <a:off x="0" y="-2"/>
+            <a:ext cx="12192000" cy="923330"/>
+          </a:xfrm>
+          <a:prstGeom prst="rect">
+            <a:avLst/>
+          </a:prstGeom>
+          <a:solidFill>
+            <a:srgbClr val="171D2D"/>
+          </a:solidFill>
+          <a:ln>
+            <a:noFill/>
+          </a:ln>
+        </p:spPr>
+        <p:style>
+          <a:lnRef idx="2">
+            <a:schemeClr val="accent1">
+              <a:shade val="50000"/>
+            </a:schemeClr>
+          </a:lnRef>
+          <a:fillRef idx="1">
+            <a:schemeClr val="accent1"/>
+          </a:fillRef>
+          <a:effectRef idx="0">
+            <a:schemeClr val="accent1"/>
+          </a:effectRef>
+          <a:fontRef idx="minor">
+            <a:schemeClr val="lt1"/>
+          </a:fontRef>
+        </p:style>
+        <p:txBody>
+          <a:bodyPr rtlCol="0" anchor="ctr"/>
+          <a:lstStyle/>
+          <a:p>
+            <a:pPr algn="ctr"/>
+            <a:endParaRPr lang="en-US"/>
+          </a:p>
+        </p:txBody>
+      </p:sp>
+      <p:sp>
+        <p:nvSpPr>
+          <p:cNvPr id="14" name="TextBox 13">
+            <a:extLst>
+              <a:ext uri="{FF2B5EF4-FFF2-40B4-BE49-F238E27FC236}">
+                <a16:creationId xmlns:a16="http://schemas.microsoft.com/office/drawing/2014/main" id="{DA3B01C4-1AD2-4960-9753-B6179C011EBA}"/>
+              </a:ext>
+            </a:extLst>
+          </p:cNvPr>
+          <p:cNvSpPr txBox="1"/>
+          <p:nvPr/>
+        </p:nvSpPr>
+        <p:spPr>
+          <a:xfrm>
+            <a:off x="974844" y="123122"/>
+            <a:ext cx="5022167" cy="707886"/>
+          </a:xfrm>
+          <a:prstGeom prst="rect">
+            <a:avLst/>
+          </a:prstGeom>
+          <a:noFill/>
+          <a:effectLst>
+            <a:glow rad="63500">
+              <a:schemeClr val="accent5">
+                <a:satMod val="175000"/>
+                <a:alpha val="40000"/>
+              </a:schemeClr>
+            </a:glow>
+          </a:effectLst>
+        </p:spPr>
+        <p:txBody>
+          <a:bodyPr wrap="square" rtlCol="0">
+            <a:spAutoFit/>
+          </a:bodyPr>
+          <a:lstStyle/>
+          <a:p>
+            <a:r>
+              <a:rPr lang="en-US" sz="4000" dirty="0">
+                <a:solidFill>
+                  <a:srgbClr val="92979B"/>
+                </a:solidFill>
+                <a:latin typeface="Bahnschrift Light Condensed" panose="020B0502040204020203" pitchFamily="34" charset="0"/>
+              </a:rPr>
+              <a:t>VHDL For FPGA</a:t>
+            </a:r>
+          </a:p>
+        </p:txBody>
+      </p:sp>
+      <p:sp>
+        <p:nvSpPr>
+          <p:cNvPr id="15" name="TextBox 14">
+            <a:extLst>
+              <a:ext uri="{FF2B5EF4-FFF2-40B4-BE49-F238E27FC236}">
+                <a16:creationId xmlns:a16="http://schemas.microsoft.com/office/drawing/2014/main" id="{193D71E9-5D38-4315-9435-07EF7717787D}"/>
+              </a:ext>
+            </a:extLst>
+          </p:cNvPr>
+          <p:cNvSpPr txBox="1"/>
+          <p:nvPr/>
+        </p:nvSpPr>
+        <p:spPr>
+          <a:xfrm>
+            <a:off x="661182" y="1043757"/>
+            <a:ext cx="5022167" cy="584775"/>
+          </a:xfrm>
+          <a:prstGeom prst="rect">
+            <a:avLst/>
+          </a:prstGeom>
+          <a:noFill/>
+        </p:spPr>
+        <p:txBody>
+          <a:bodyPr wrap="square" rtlCol="0">
+            <a:spAutoFit/>
+          </a:bodyPr>
+          <a:lstStyle/>
+          <a:p>
+            <a:r>
+              <a:rPr lang="en-US" sz="3200" dirty="0">
+                <a:solidFill>
+                  <a:srgbClr val="C00000"/>
+                </a:solidFill>
+                <a:latin typeface="Bahnschrift Light Condensed" panose="020B0502040204020203" pitchFamily="34" charset="0"/>
+              </a:rPr>
+              <a:t>Decoder 2-to-4 with enable:</a:t>
+            </a:r>
+          </a:p>
+        </p:txBody>
+      </p:sp>
+      <p:pic>
+        <p:nvPicPr>
+          <p:cNvPr id="3" name="Picture 2">
+            <a:extLst>
+              <a:ext uri="{FF2B5EF4-FFF2-40B4-BE49-F238E27FC236}">
+                <a16:creationId xmlns:a16="http://schemas.microsoft.com/office/drawing/2014/main" id="{95BD2ED6-C221-4EF4-BB20-F1FC0B97EC85}"/>
+              </a:ext>
+            </a:extLst>
+          </p:cNvPr>
+          <p:cNvPicPr>
+            <a:picLocks noChangeAspect="1"/>
+          </p:cNvPicPr>
+          <p:nvPr/>
+        </p:nvPicPr>
+        <p:blipFill>
+          <a:blip r:embed="rId2"/>
+          <a:stretch>
+            <a:fillRect/>
+          </a:stretch>
+        </p:blipFill>
+        <p:spPr>
+          <a:xfrm>
+            <a:off x="813066" y="1877856"/>
+            <a:ext cx="2943010" cy="1718001"/>
+          </a:xfrm>
+          <a:prstGeom prst="rect">
+            <a:avLst/>
+          </a:prstGeom>
+        </p:spPr>
+      </p:pic>
+      <p:sp>
+        <p:nvSpPr>
+          <p:cNvPr id="9" name="TextBox 8">
+            <a:extLst>
+              <a:ext uri="{FF2B5EF4-FFF2-40B4-BE49-F238E27FC236}">
+                <a16:creationId xmlns:a16="http://schemas.microsoft.com/office/drawing/2014/main" id="{ED9ED6CC-3A48-4803-A7E0-E1FA367D9D9B}"/>
+              </a:ext>
+            </a:extLst>
+          </p:cNvPr>
+          <p:cNvSpPr txBox="1"/>
+          <p:nvPr/>
+        </p:nvSpPr>
+        <p:spPr>
+          <a:xfrm>
+            <a:off x="4442275" y="1837652"/>
+            <a:ext cx="6966624" cy="707886"/>
+          </a:xfrm>
+          <a:prstGeom prst="rect">
+            <a:avLst/>
+          </a:prstGeom>
+          <a:noFill/>
+        </p:spPr>
+        <p:txBody>
+          <a:bodyPr wrap="square">
+            <a:spAutoFit/>
+          </a:bodyPr>
+          <a:lstStyle/>
+          <a:p>
+            <a:pPr marL="285750" indent="-285750">
+              <a:buFont typeface="Wingdings" panose="05000000000000000000" pitchFamily="2" charset="2"/>
+              <a:buChar char="§"/>
+            </a:pPr>
+            <a:r>
+              <a:rPr lang="en-US" sz="2000" dirty="0">
+                <a:solidFill>
+                  <a:srgbClr val="171C2F"/>
+                </a:solidFill>
+                <a:latin typeface="Arial" panose="020B0604020202020204" pitchFamily="34" charset="0"/>
+                <a:cs typeface="Arial" panose="020B0604020202020204" pitchFamily="34" charset="0"/>
+              </a:rPr>
+              <a:t>Selected Signal Assignment (</a:t>
+            </a:r>
+            <a:r>
+              <a:rPr lang="en-US" sz="2000" dirty="0">
+                <a:solidFill>
+                  <a:srgbClr val="171C2F"/>
+                </a:solidFill>
+                <a:highlight>
+                  <a:srgbClr val="00FF00"/>
+                </a:highlight>
+                <a:latin typeface="Courier New" panose="02070309020205020404" pitchFamily="49" charset="0"/>
+                <a:cs typeface="Courier New" panose="02070309020205020404" pitchFamily="49" charset="0"/>
+              </a:rPr>
+              <a:t>WITH – SELECT</a:t>
+            </a:r>
+            <a:r>
+              <a:rPr lang="en-US" sz="2000" dirty="0">
+                <a:solidFill>
+                  <a:srgbClr val="171C2F"/>
+                </a:solidFill>
+                <a:latin typeface="Arial" panose="020B0604020202020204" pitchFamily="34" charset="0"/>
+                <a:cs typeface="Arial" panose="020B0604020202020204" pitchFamily="34" charset="0"/>
+              </a:rPr>
+              <a:t>):</a:t>
+            </a:r>
+          </a:p>
+          <a:p>
+            <a:pPr marL="285750" indent="-285750">
+              <a:buFont typeface="Wingdings" panose="05000000000000000000" pitchFamily="2" charset="2"/>
+              <a:buChar char="§"/>
+            </a:pPr>
+            <a:r>
+              <a:rPr lang="en-US" sz="2000" dirty="0">
+                <a:solidFill>
+                  <a:srgbClr val="171C2F"/>
+                </a:solidFill>
+                <a:latin typeface="Arial" panose="020B0604020202020204" pitchFamily="34" charset="0"/>
+                <a:cs typeface="Arial" panose="020B0604020202020204" pitchFamily="34" charset="0"/>
+              </a:rPr>
+              <a:t>Selected Signal Assignment (</a:t>
+            </a:r>
+            <a:r>
+              <a:rPr lang="en-US" sz="2000" dirty="0">
+                <a:solidFill>
+                  <a:srgbClr val="171C2F"/>
+                </a:solidFill>
+                <a:highlight>
+                  <a:srgbClr val="00FF00"/>
+                </a:highlight>
+                <a:latin typeface="Courier New" panose="02070309020205020404" pitchFamily="49" charset="0"/>
+                <a:cs typeface="Courier New" panose="02070309020205020404" pitchFamily="49" charset="0"/>
+              </a:rPr>
+              <a:t>WHEN – ELSE</a:t>
+            </a:r>
+            <a:r>
+              <a:rPr lang="en-US" sz="2000" dirty="0">
+                <a:solidFill>
+                  <a:srgbClr val="171C2F"/>
+                </a:solidFill>
+                <a:latin typeface="Arial" panose="020B0604020202020204" pitchFamily="34" charset="0"/>
+                <a:cs typeface="Arial" panose="020B0604020202020204" pitchFamily="34" charset="0"/>
+              </a:rPr>
+              <a:t>):</a:t>
+            </a:r>
+          </a:p>
+        </p:txBody>
+      </p:sp>
+      <p:pic>
+        <p:nvPicPr>
+          <p:cNvPr id="6" name="Picture 5">
+            <a:extLst>
+              <a:ext uri="{FF2B5EF4-FFF2-40B4-BE49-F238E27FC236}">
+                <a16:creationId xmlns:a16="http://schemas.microsoft.com/office/drawing/2014/main" id="{0DAF6837-8787-4BC3-84C8-D5E6D1F70FB3}"/>
+              </a:ext>
+            </a:extLst>
+          </p:cNvPr>
+          <p:cNvPicPr>
+            <a:picLocks noChangeAspect="1"/>
+          </p:cNvPicPr>
+          <p:nvPr/>
+        </p:nvPicPr>
+        <p:blipFill>
+          <a:blip r:embed="rId3"/>
+          <a:stretch>
+            <a:fillRect/>
+          </a:stretch>
+        </p:blipFill>
+        <p:spPr>
+          <a:xfrm>
+            <a:off x="4579766" y="3159179"/>
+            <a:ext cx="4157647" cy="1847843"/>
+          </a:xfrm>
+          <a:prstGeom prst="rect">
+            <a:avLst/>
+          </a:prstGeom>
+        </p:spPr>
+      </p:pic>
+    </p:spTree>
+    <p:extLst>
+      <p:ext uri="{BB962C8B-B14F-4D97-AF65-F5344CB8AC3E}">
+        <p14:creationId xmlns:p14="http://schemas.microsoft.com/office/powerpoint/2010/main" val="2106996085"/>
+      </p:ext>
+    </p:extLst>
+  </p:cSld>
+  <p:clrMapOvr>
+    <a:masterClrMapping/>
+  </p:clrMapOvr>
+</p:sld>
+</file>
+
+<file path=ppt/slides/slide17.xml><?xml version="1.0" encoding="utf-8"?>
+<p:sld xmlns:a="http://schemas.openxmlformats.org/drawingml/2006/main" xmlns:r="http://schemas.openxmlformats.org/officeDocument/2006/relationships" xmlns:p="http://schemas.openxmlformats.org/presentationml/2006/main">
+  <p:cSld>
+    <p:spTree>
+      <p:nvGrpSpPr>
+        <p:cNvPr id="1" name=""/>
+        <p:cNvGrpSpPr/>
+        <p:nvPr/>
+      </p:nvGrpSpPr>
+      <p:grpSpPr>
+        <a:xfrm>
+          <a:off x="0" y="0"/>
+          <a:ext cx="0" cy="0"/>
+          <a:chOff x="0" y="0"/>
+          <a:chExt cx="0" cy="0"/>
+        </a:xfrm>
+      </p:grpSpPr>
+      <p:sp>
+        <p:nvSpPr>
+          <p:cNvPr id="4" name="Rectangle 3">
+            <a:extLst>
+              <a:ext uri="{FF2B5EF4-FFF2-40B4-BE49-F238E27FC236}">
+                <a16:creationId xmlns:a16="http://schemas.microsoft.com/office/drawing/2014/main" id="{7CB94DAC-7193-402A-8EEC-0275470A2AA8}"/>
+              </a:ext>
+            </a:extLst>
+          </p:cNvPr>
+          <p:cNvSpPr/>
+          <p:nvPr/>
+        </p:nvSpPr>
+        <p:spPr>
+          <a:xfrm>
+            <a:off x="0" y="-2"/>
+            <a:ext cx="12192000" cy="923330"/>
+          </a:xfrm>
+          <a:prstGeom prst="rect">
+            <a:avLst/>
+          </a:prstGeom>
+          <a:solidFill>
+            <a:srgbClr val="171D2D"/>
+          </a:solidFill>
+          <a:ln>
+            <a:noFill/>
+          </a:ln>
+        </p:spPr>
+        <p:style>
+          <a:lnRef idx="2">
+            <a:schemeClr val="accent1">
+              <a:shade val="50000"/>
+            </a:schemeClr>
+          </a:lnRef>
+          <a:fillRef idx="1">
+            <a:schemeClr val="accent1"/>
+          </a:fillRef>
+          <a:effectRef idx="0">
+            <a:schemeClr val="accent1"/>
+          </a:effectRef>
+          <a:fontRef idx="minor">
+            <a:schemeClr val="lt1"/>
+          </a:fontRef>
+        </p:style>
+        <p:txBody>
+          <a:bodyPr rtlCol="0" anchor="ctr"/>
+          <a:lstStyle/>
+          <a:p>
+            <a:pPr algn="ctr"/>
+            <a:endParaRPr lang="en-US"/>
+          </a:p>
+        </p:txBody>
+      </p:sp>
+      <p:sp>
+        <p:nvSpPr>
+          <p:cNvPr id="14" name="TextBox 13">
+            <a:extLst>
+              <a:ext uri="{FF2B5EF4-FFF2-40B4-BE49-F238E27FC236}">
+                <a16:creationId xmlns:a16="http://schemas.microsoft.com/office/drawing/2014/main" id="{DA3B01C4-1AD2-4960-9753-B6179C011EBA}"/>
+              </a:ext>
+            </a:extLst>
+          </p:cNvPr>
+          <p:cNvSpPr txBox="1"/>
+          <p:nvPr/>
+        </p:nvSpPr>
+        <p:spPr>
+          <a:xfrm>
+            <a:off x="974844" y="123122"/>
+            <a:ext cx="5022167" cy="707886"/>
+          </a:xfrm>
+          <a:prstGeom prst="rect">
+            <a:avLst/>
+          </a:prstGeom>
+          <a:noFill/>
+          <a:effectLst>
+            <a:glow rad="63500">
+              <a:schemeClr val="accent5">
+                <a:satMod val="175000"/>
+                <a:alpha val="40000"/>
+              </a:schemeClr>
+            </a:glow>
+          </a:effectLst>
+        </p:spPr>
+        <p:txBody>
+          <a:bodyPr wrap="square" rtlCol="0">
+            <a:spAutoFit/>
+          </a:bodyPr>
+          <a:lstStyle/>
+          <a:p>
+            <a:r>
+              <a:rPr lang="en-US" sz="4000" dirty="0">
+                <a:solidFill>
+                  <a:srgbClr val="92979B"/>
+                </a:solidFill>
+                <a:latin typeface="Bahnschrift Light Condensed" panose="020B0502040204020203" pitchFamily="34" charset="0"/>
+              </a:rPr>
+              <a:t>VHDL For FPGA</a:t>
+            </a:r>
+          </a:p>
+        </p:txBody>
+      </p:sp>
+      <p:sp>
+        <p:nvSpPr>
+          <p:cNvPr id="15" name="TextBox 14">
+            <a:extLst>
+              <a:ext uri="{FF2B5EF4-FFF2-40B4-BE49-F238E27FC236}">
+                <a16:creationId xmlns:a16="http://schemas.microsoft.com/office/drawing/2014/main" id="{193D71E9-5D38-4315-9435-07EF7717787D}"/>
+              </a:ext>
+            </a:extLst>
+          </p:cNvPr>
+          <p:cNvSpPr txBox="1"/>
+          <p:nvPr/>
+        </p:nvSpPr>
+        <p:spPr>
+          <a:xfrm>
+            <a:off x="661182" y="1043757"/>
+            <a:ext cx="5022167" cy="584775"/>
+          </a:xfrm>
+          <a:prstGeom prst="rect">
+            <a:avLst/>
+          </a:prstGeom>
+          <a:noFill/>
+        </p:spPr>
+        <p:txBody>
+          <a:bodyPr wrap="square" rtlCol="0">
+            <a:spAutoFit/>
+          </a:bodyPr>
+          <a:lstStyle/>
+          <a:p>
+            <a:r>
+              <a:rPr lang="en-US" sz="3200" dirty="0">
+                <a:solidFill>
+                  <a:srgbClr val="C00000"/>
+                </a:solidFill>
+                <a:latin typeface="Bahnschrift Light Condensed" panose="020B0502040204020203" pitchFamily="34" charset="0"/>
+              </a:rPr>
+              <a:t>Priority Encoder 4-to-2</a:t>
+            </a:r>
+          </a:p>
+        </p:txBody>
+      </p:sp>
+      <p:sp>
+        <p:nvSpPr>
+          <p:cNvPr id="9" name="TextBox 8">
+            <a:extLst>
+              <a:ext uri="{FF2B5EF4-FFF2-40B4-BE49-F238E27FC236}">
+                <a16:creationId xmlns:a16="http://schemas.microsoft.com/office/drawing/2014/main" id="{ED9ED6CC-3A48-4803-A7E0-E1FA367D9D9B}"/>
+              </a:ext>
+            </a:extLst>
+          </p:cNvPr>
+          <p:cNvSpPr txBox="1"/>
+          <p:nvPr/>
+        </p:nvSpPr>
+        <p:spPr>
+          <a:xfrm>
+            <a:off x="4428207" y="1472601"/>
+            <a:ext cx="6966624" cy="400110"/>
+          </a:xfrm>
+          <a:prstGeom prst="rect">
+            <a:avLst/>
+          </a:prstGeom>
+          <a:noFill/>
+        </p:spPr>
+        <p:txBody>
+          <a:bodyPr wrap="square">
+            <a:spAutoFit/>
+          </a:bodyPr>
+          <a:lstStyle/>
+          <a:p>
+            <a:pPr marL="285750" indent="-285750">
+              <a:buFont typeface="Wingdings" panose="05000000000000000000" pitchFamily="2" charset="2"/>
+              <a:buChar char="§"/>
+            </a:pPr>
+            <a:r>
+              <a:rPr lang="en-US" sz="2000" dirty="0">
+                <a:solidFill>
+                  <a:srgbClr val="171C2F"/>
+                </a:solidFill>
+                <a:latin typeface="Arial" panose="020B0604020202020204" pitchFamily="34" charset="0"/>
+                <a:cs typeface="Arial" panose="020B0604020202020204" pitchFamily="34" charset="0"/>
+              </a:rPr>
+              <a:t>Selected Signal Assignment (</a:t>
+            </a:r>
+            <a:r>
+              <a:rPr lang="en-US" sz="2000" dirty="0">
+                <a:solidFill>
+                  <a:srgbClr val="171C2F"/>
+                </a:solidFill>
+                <a:highlight>
+                  <a:srgbClr val="00FF00"/>
+                </a:highlight>
+                <a:latin typeface="Courier New" panose="02070309020205020404" pitchFamily="49" charset="0"/>
+                <a:cs typeface="Courier New" panose="02070309020205020404" pitchFamily="49" charset="0"/>
+              </a:rPr>
+              <a:t>WHEN – ELSE</a:t>
+            </a:r>
+            <a:r>
+              <a:rPr lang="en-US" sz="2000" dirty="0">
+                <a:solidFill>
+                  <a:srgbClr val="171C2F"/>
+                </a:solidFill>
+                <a:latin typeface="Arial" panose="020B0604020202020204" pitchFamily="34" charset="0"/>
+                <a:cs typeface="Arial" panose="020B0604020202020204" pitchFamily="34" charset="0"/>
+              </a:rPr>
+              <a:t> statement):</a:t>
+            </a:r>
+          </a:p>
+        </p:txBody>
+      </p:sp>
+      <p:pic>
+        <p:nvPicPr>
+          <p:cNvPr id="5" name="Picture 4">
+            <a:extLst>
+              <a:ext uri="{FF2B5EF4-FFF2-40B4-BE49-F238E27FC236}">
+                <a16:creationId xmlns:a16="http://schemas.microsoft.com/office/drawing/2014/main" id="{53836942-6D49-4BB1-A650-2AF1026BE19B}"/>
+              </a:ext>
+            </a:extLst>
+          </p:cNvPr>
+          <p:cNvPicPr>
+            <a:picLocks noChangeAspect="1"/>
+          </p:cNvPicPr>
+          <p:nvPr/>
+        </p:nvPicPr>
+        <p:blipFill>
+          <a:blip r:embed="rId2"/>
+          <a:stretch>
+            <a:fillRect/>
+          </a:stretch>
+        </p:blipFill>
+        <p:spPr>
+          <a:xfrm>
+            <a:off x="797169" y="1704864"/>
+            <a:ext cx="2910311" cy="3794943"/>
+          </a:xfrm>
+          <a:prstGeom prst="rect">
+            <a:avLst/>
+          </a:prstGeom>
+        </p:spPr>
+      </p:pic>
+      <p:sp>
+        <p:nvSpPr>
+          <p:cNvPr id="11" name="TextBox 10">
+            <a:extLst>
+              <a:ext uri="{FF2B5EF4-FFF2-40B4-BE49-F238E27FC236}">
+                <a16:creationId xmlns:a16="http://schemas.microsoft.com/office/drawing/2014/main" id="{84D0582C-B4B7-44F0-8FF4-603ED6B610AE}"/>
+              </a:ext>
+            </a:extLst>
+          </p:cNvPr>
+          <p:cNvSpPr txBox="1"/>
+          <p:nvPr/>
+        </p:nvSpPr>
+        <p:spPr>
+          <a:xfrm>
+            <a:off x="540048" y="6205011"/>
+            <a:ext cx="5264433" cy="369332"/>
+          </a:xfrm>
+          <a:prstGeom prst="rect">
+            <a:avLst/>
+          </a:prstGeom>
+          <a:noFill/>
+        </p:spPr>
+        <p:txBody>
+          <a:bodyPr wrap="square">
+            <a:spAutoFit/>
+          </a:bodyPr>
+          <a:lstStyle/>
+          <a:p>
+            <a:r>
+              <a:rPr lang="en-US" b="1" dirty="0">
+                <a:solidFill>
+                  <a:srgbClr val="171C2F"/>
+                </a:solidFill>
+                <a:highlight>
+                  <a:srgbClr val="FFFF00"/>
+                </a:highlight>
+                <a:latin typeface="Courier New" panose="02070309020205020404" pitchFamily="49" charset="0"/>
+                <a:cs typeface="Courier New" panose="02070309020205020404" pitchFamily="49" charset="0"/>
+              </a:rPr>
+              <a:t>Write Code for: Priority Encoder 8to3</a:t>
+            </a:r>
+            <a:endParaRPr lang="en-US" b="1" dirty="0">
+              <a:highlight>
+                <a:srgbClr val="FFFF00"/>
+              </a:highlight>
+            </a:endParaRPr>
+          </a:p>
+        </p:txBody>
+      </p:sp>
+      <p:pic>
+        <p:nvPicPr>
+          <p:cNvPr id="10" name="Picture 9">
+            <a:extLst>
+              <a:ext uri="{FF2B5EF4-FFF2-40B4-BE49-F238E27FC236}">
+                <a16:creationId xmlns:a16="http://schemas.microsoft.com/office/drawing/2014/main" id="{1527E78A-B5E7-4813-8BF1-1A3C7550A47A}"/>
+              </a:ext>
+            </a:extLst>
+          </p:cNvPr>
+          <p:cNvPicPr>
+            <a:picLocks noChangeAspect="1"/>
+          </p:cNvPicPr>
+          <p:nvPr/>
+        </p:nvPicPr>
+        <p:blipFill>
+          <a:blip r:embed="rId3"/>
+          <a:stretch>
+            <a:fillRect/>
+          </a:stretch>
+        </p:blipFill>
+        <p:spPr>
+          <a:xfrm>
+            <a:off x="4797400" y="2019300"/>
+            <a:ext cx="4265758" cy="1378168"/>
+          </a:xfrm>
+          <a:prstGeom prst="rect">
+            <a:avLst/>
+          </a:prstGeom>
+        </p:spPr>
+      </p:pic>
+      <p:pic>
+        <p:nvPicPr>
+          <p:cNvPr id="17410" name="Picture 2" descr="priority encoder">
+            <a:extLst>
+              <a:ext uri="{FF2B5EF4-FFF2-40B4-BE49-F238E27FC236}">
+                <a16:creationId xmlns:a16="http://schemas.microsoft.com/office/drawing/2014/main" id="{43DD9376-E3DD-4B0B-A274-98B905A4D9A2}"/>
+              </a:ext>
+            </a:extLst>
+          </p:cNvPr>
+          <p:cNvPicPr>
+            <a:picLocks noChangeAspect="1" noChangeArrowheads="1"/>
+          </p:cNvPicPr>
+          <p:nvPr/>
+        </p:nvPicPr>
+        <p:blipFill>
+          <a:blip r:embed="rId4">
+            <a:extLst>
+              <a:ext uri="{28A0092B-C50C-407E-A947-70E740481C1C}">
+                <a14:useLocalDpi xmlns:a14="http://schemas.microsoft.com/office/drawing/2010/main" val="0"/>
+              </a:ext>
+            </a:extLst>
+          </a:blip>
+          <a:srcRect/>
+          <a:stretch>
+            <a:fillRect/>
+          </a:stretch>
+        </p:blipFill>
+        <p:spPr bwMode="auto">
+          <a:xfrm>
+            <a:off x="6681656" y="3872059"/>
+            <a:ext cx="4927032" cy="2154944"/>
+          </a:xfrm>
+          <a:prstGeom prst="rect">
+            <a:avLst/>
+          </a:prstGeom>
+          <a:noFill/>
+          <a:extLst>
+            <a:ext uri="{909E8E84-426E-40DD-AFC4-6F175D3DCCD1}">
+              <a14:hiddenFill xmlns:a14="http://schemas.microsoft.com/office/drawing/2010/main">
+                <a:solidFill>
+                  <a:srgbClr val="FFFFFF"/>
+                </a:solidFill>
+              </a14:hiddenFill>
+            </a:ext>
+          </a:extLst>
+        </p:spPr>
+      </p:pic>
+      <p:sp>
+        <p:nvSpPr>
+          <p:cNvPr id="16" name="TextBox 15">
+            <a:extLst>
+              <a:ext uri="{FF2B5EF4-FFF2-40B4-BE49-F238E27FC236}">
+                <a16:creationId xmlns:a16="http://schemas.microsoft.com/office/drawing/2014/main" id="{9BDC20D8-3A35-4212-B9D2-8687E4907136}"/>
+              </a:ext>
+            </a:extLst>
+          </p:cNvPr>
+          <p:cNvSpPr txBox="1"/>
+          <p:nvPr/>
+        </p:nvSpPr>
+        <p:spPr>
+          <a:xfrm>
+            <a:off x="6096000" y="6027003"/>
+            <a:ext cx="6098344" cy="830997"/>
+          </a:xfrm>
+          <a:prstGeom prst="rect">
+            <a:avLst/>
+          </a:prstGeom>
+          <a:noFill/>
+        </p:spPr>
+        <p:txBody>
+          <a:bodyPr wrap="square">
+            <a:spAutoFit/>
+          </a:bodyPr>
+          <a:lstStyle/>
+          <a:p>
+            <a:pPr marL="285750" indent="-285750">
+              <a:buFont typeface="Arial" panose="020B0604020202020204" pitchFamily="34" charset="0"/>
+              <a:buChar char="•"/>
+            </a:pPr>
+            <a:r>
+              <a:rPr lang="en-US" sz="1600" b="0" i="1" dirty="0">
+                <a:solidFill>
+                  <a:srgbClr val="414042"/>
+                </a:solidFill>
+                <a:effectLst/>
+                <a:latin typeface="Lato" panose="020F0502020204030203" pitchFamily="34" charset="0"/>
+              </a:rPr>
+              <a:t>An “n-bit” binary encoder has </a:t>
+            </a:r>
+            <a:r>
+              <a:rPr lang="en-US" sz="1600" b="0" i="1" u="none" strike="noStrike" dirty="0">
+                <a:solidFill>
+                  <a:srgbClr val="414143"/>
+                </a:solidFill>
+                <a:effectLst/>
+                <a:latin typeface="Lato" panose="020F0502020204030203" pitchFamily="34" charset="0"/>
+              </a:rPr>
+              <a:t>2</a:t>
+            </a:r>
+            <a:r>
+              <a:rPr lang="en-US" sz="1600" b="0" i="1" u="none" strike="noStrike" baseline="30000" dirty="0">
+                <a:solidFill>
+                  <a:srgbClr val="414143"/>
+                </a:solidFill>
+                <a:effectLst/>
+                <a:latin typeface="Lato" panose="020F0502020204030203" pitchFamily="34" charset="0"/>
+              </a:rPr>
+              <a:t>n</a:t>
+            </a:r>
+            <a:r>
+              <a:rPr lang="en-US" sz="1600" b="0" i="1" dirty="0">
+                <a:solidFill>
+                  <a:srgbClr val="414042"/>
+                </a:solidFill>
+                <a:effectLst/>
+                <a:latin typeface="Lato" panose="020F0502020204030203" pitchFamily="34" charset="0"/>
+              </a:rPr>
+              <a:t> input lines and </a:t>
+            </a:r>
+            <a:r>
+              <a:rPr lang="en-US" sz="1600" b="0" i="1" u="none" strike="noStrike" dirty="0">
+                <a:solidFill>
+                  <a:srgbClr val="414143"/>
+                </a:solidFill>
+                <a:effectLst/>
+                <a:latin typeface="Lato" panose="020F0502020204030203" pitchFamily="34" charset="0"/>
+              </a:rPr>
+              <a:t>n-bit</a:t>
+            </a:r>
+            <a:r>
+              <a:rPr lang="en-US" sz="1600" b="0" i="1" dirty="0">
+                <a:solidFill>
+                  <a:srgbClr val="414042"/>
+                </a:solidFill>
+                <a:effectLst/>
+                <a:latin typeface="Lato" panose="020F0502020204030203" pitchFamily="34" charset="0"/>
+              </a:rPr>
+              <a:t> output lines with common types that include 4-to-2, 8-to-3 and 16-to-4 line configurations.</a:t>
+            </a:r>
+            <a:endParaRPr lang="en-US" sz="1600" i="1" dirty="0"/>
+          </a:p>
+        </p:txBody>
+      </p:sp>
+    </p:spTree>
+    <p:extLst>
+      <p:ext uri="{BB962C8B-B14F-4D97-AF65-F5344CB8AC3E}">
+        <p14:creationId xmlns:p14="http://schemas.microsoft.com/office/powerpoint/2010/main" val="1259835062"/>
+      </p:ext>
+    </p:extLst>
+  </p:cSld>
+  <p:clrMapOvr>
+    <a:masterClrMapping/>
+  </p:clrMapOvr>
+</p:sld>
+</file>
+
+<file path=ppt/slides/slide18.xml><?xml version="1.0" encoding="utf-8"?>
+<p:sld xmlns:a="http://schemas.openxmlformats.org/drawingml/2006/main" xmlns:r="http://schemas.openxmlformats.org/officeDocument/2006/relationships" xmlns:p="http://schemas.openxmlformats.org/presentationml/2006/main">
+  <p:cSld>
+    <p:spTree>
+      <p:nvGrpSpPr>
+        <p:cNvPr id="1" name=""/>
+        <p:cNvGrpSpPr/>
+        <p:nvPr/>
+      </p:nvGrpSpPr>
+      <p:grpSpPr>
+        <a:xfrm>
+          <a:off x="0" y="0"/>
+          <a:ext cx="0" cy="0"/>
+          <a:chOff x="0" y="0"/>
+          <a:chExt cx="0" cy="0"/>
+        </a:xfrm>
+      </p:grpSpPr>
+      <p:sp>
+        <p:nvSpPr>
+          <p:cNvPr id="4" name="Rectangle 3">
+            <a:extLst>
+              <a:ext uri="{FF2B5EF4-FFF2-40B4-BE49-F238E27FC236}">
+                <a16:creationId xmlns:a16="http://schemas.microsoft.com/office/drawing/2014/main" id="{7CB94DAC-7193-402A-8EEC-0275470A2AA8}"/>
+              </a:ext>
+            </a:extLst>
+          </p:cNvPr>
+          <p:cNvSpPr/>
+          <p:nvPr/>
+        </p:nvSpPr>
+        <p:spPr>
+          <a:xfrm>
+            <a:off x="0" y="-2"/>
+            <a:ext cx="12192000" cy="923330"/>
+          </a:xfrm>
+          <a:prstGeom prst="rect">
+            <a:avLst/>
+          </a:prstGeom>
+          <a:solidFill>
+            <a:srgbClr val="171D2D"/>
+          </a:solidFill>
+          <a:ln>
+            <a:noFill/>
+          </a:ln>
+        </p:spPr>
+        <p:style>
+          <a:lnRef idx="2">
+            <a:schemeClr val="accent1">
+              <a:shade val="50000"/>
+            </a:schemeClr>
+          </a:lnRef>
+          <a:fillRef idx="1">
+            <a:schemeClr val="accent1"/>
+          </a:fillRef>
+          <a:effectRef idx="0">
+            <a:schemeClr val="accent1"/>
+          </a:effectRef>
+          <a:fontRef idx="minor">
+            <a:schemeClr val="lt1"/>
+          </a:fontRef>
+        </p:style>
+        <p:txBody>
+          <a:bodyPr rtlCol="0" anchor="ctr"/>
+          <a:lstStyle/>
+          <a:p>
+            <a:pPr algn="ctr"/>
+            <a:endParaRPr lang="en-US"/>
+          </a:p>
+        </p:txBody>
+      </p:sp>
+      <p:sp>
+        <p:nvSpPr>
+          <p:cNvPr id="14" name="TextBox 13">
+            <a:extLst>
+              <a:ext uri="{FF2B5EF4-FFF2-40B4-BE49-F238E27FC236}">
+                <a16:creationId xmlns:a16="http://schemas.microsoft.com/office/drawing/2014/main" id="{DA3B01C4-1AD2-4960-9753-B6179C011EBA}"/>
+              </a:ext>
+            </a:extLst>
+          </p:cNvPr>
+          <p:cNvSpPr txBox="1"/>
+          <p:nvPr/>
+        </p:nvSpPr>
+        <p:spPr>
+          <a:xfrm>
+            <a:off x="974844" y="123122"/>
+            <a:ext cx="5022167" cy="707886"/>
+          </a:xfrm>
+          <a:prstGeom prst="rect">
+            <a:avLst/>
+          </a:prstGeom>
+          <a:noFill/>
+          <a:effectLst>
+            <a:glow rad="63500">
+              <a:schemeClr val="accent5">
+                <a:satMod val="175000"/>
+                <a:alpha val="40000"/>
+              </a:schemeClr>
+            </a:glow>
+          </a:effectLst>
+        </p:spPr>
+        <p:txBody>
+          <a:bodyPr wrap="square" rtlCol="0">
+            <a:spAutoFit/>
+          </a:bodyPr>
+          <a:lstStyle/>
+          <a:p>
+            <a:r>
+              <a:rPr lang="en-US" sz="4000" dirty="0">
+                <a:solidFill>
+                  <a:srgbClr val="92979B"/>
+                </a:solidFill>
+                <a:latin typeface="Bahnschrift Light Condensed" panose="020B0502040204020203" pitchFamily="34" charset="0"/>
+              </a:rPr>
+              <a:t>VHDL For FPGA</a:t>
+            </a:r>
+          </a:p>
+        </p:txBody>
+      </p:sp>
+      <p:sp>
+        <p:nvSpPr>
+          <p:cNvPr id="15" name="TextBox 14">
+            <a:extLst>
+              <a:ext uri="{FF2B5EF4-FFF2-40B4-BE49-F238E27FC236}">
+                <a16:creationId xmlns:a16="http://schemas.microsoft.com/office/drawing/2014/main" id="{193D71E9-5D38-4315-9435-07EF7717787D}"/>
+              </a:ext>
+            </a:extLst>
+          </p:cNvPr>
+          <p:cNvSpPr txBox="1"/>
+          <p:nvPr/>
+        </p:nvSpPr>
+        <p:spPr>
+          <a:xfrm>
+            <a:off x="661182" y="1043757"/>
+            <a:ext cx="5022167" cy="584775"/>
+          </a:xfrm>
+          <a:prstGeom prst="rect">
+            <a:avLst/>
+          </a:prstGeom>
+          <a:noFill/>
+        </p:spPr>
+        <p:txBody>
+          <a:bodyPr wrap="square" rtlCol="0">
+            <a:spAutoFit/>
+          </a:bodyPr>
+          <a:lstStyle/>
+          <a:p>
+            <a:r>
+              <a:rPr lang="en-US" sz="3200" dirty="0">
+                <a:solidFill>
+                  <a:srgbClr val="C00000"/>
+                </a:solidFill>
+                <a:latin typeface="Bahnschrift Light Condensed" panose="020B0502040204020203" pitchFamily="34" charset="0"/>
+              </a:rPr>
+              <a:t>Demultiplexer</a:t>
+            </a:r>
+          </a:p>
+        </p:txBody>
+      </p:sp>
+      <p:sp>
+        <p:nvSpPr>
+          <p:cNvPr id="9" name="TextBox 8">
+            <a:extLst>
+              <a:ext uri="{FF2B5EF4-FFF2-40B4-BE49-F238E27FC236}">
+                <a16:creationId xmlns:a16="http://schemas.microsoft.com/office/drawing/2014/main" id="{ED9ED6CC-3A48-4803-A7E0-E1FA367D9D9B}"/>
+              </a:ext>
+            </a:extLst>
+          </p:cNvPr>
+          <p:cNvSpPr txBox="1"/>
+          <p:nvPr/>
+        </p:nvSpPr>
+        <p:spPr>
+          <a:xfrm>
+            <a:off x="4456343" y="1548906"/>
+            <a:ext cx="6192900" cy="400110"/>
+          </a:xfrm>
+          <a:prstGeom prst="rect">
+            <a:avLst/>
+          </a:prstGeom>
+          <a:noFill/>
+        </p:spPr>
+        <p:txBody>
+          <a:bodyPr wrap="square">
+            <a:spAutoFit/>
+          </a:bodyPr>
+          <a:lstStyle/>
+          <a:p>
+            <a:pPr marL="285750" indent="-285750">
+              <a:buFont typeface="Wingdings" panose="05000000000000000000" pitchFamily="2" charset="2"/>
+              <a:buChar char="§"/>
+            </a:pPr>
+            <a:r>
+              <a:rPr lang="en-US" sz="2000" dirty="0">
+                <a:solidFill>
+                  <a:srgbClr val="171C2F"/>
+                </a:solidFill>
+                <a:latin typeface="Arial" panose="020B0604020202020204" pitchFamily="34" charset="0"/>
+                <a:cs typeface="Arial" panose="020B0604020202020204" pitchFamily="34" charset="0"/>
+              </a:rPr>
+              <a:t>Selected Signal Assignment (</a:t>
+            </a:r>
+            <a:r>
+              <a:rPr lang="en-US" sz="2000" dirty="0">
+                <a:solidFill>
+                  <a:srgbClr val="171C2F"/>
+                </a:solidFill>
+                <a:highlight>
+                  <a:srgbClr val="00FF00"/>
+                </a:highlight>
+                <a:latin typeface="Courier New" panose="02070309020205020404" pitchFamily="49" charset="0"/>
+                <a:cs typeface="Courier New" panose="02070309020205020404" pitchFamily="49" charset="0"/>
+              </a:rPr>
+              <a:t>WHEN – ELSE</a:t>
+            </a:r>
+            <a:r>
+              <a:rPr lang="en-US" sz="2000" dirty="0">
+                <a:solidFill>
+                  <a:srgbClr val="171C2F"/>
+                </a:solidFill>
+                <a:latin typeface="Arial" panose="020B0604020202020204" pitchFamily="34" charset="0"/>
+                <a:cs typeface="Arial" panose="020B0604020202020204" pitchFamily="34" charset="0"/>
+              </a:rPr>
+              <a:t>):</a:t>
+            </a:r>
+          </a:p>
+        </p:txBody>
+      </p:sp>
+      <p:pic>
+        <p:nvPicPr>
+          <p:cNvPr id="5" name="Picture 4">
+            <a:extLst>
+              <a:ext uri="{FF2B5EF4-FFF2-40B4-BE49-F238E27FC236}">
+                <a16:creationId xmlns:a16="http://schemas.microsoft.com/office/drawing/2014/main" id="{839F4B38-FB0B-41A4-A4C2-C0F4250823BF}"/>
+              </a:ext>
+            </a:extLst>
+          </p:cNvPr>
+          <p:cNvPicPr>
+            <a:picLocks noChangeAspect="1"/>
+          </p:cNvPicPr>
+          <p:nvPr/>
+        </p:nvPicPr>
+        <p:blipFill>
+          <a:blip r:embed="rId2"/>
+          <a:stretch>
+            <a:fillRect/>
+          </a:stretch>
+        </p:blipFill>
+        <p:spPr>
+          <a:xfrm>
+            <a:off x="974844" y="1949016"/>
+            <a:ext cx="1768356" cy="2693851"/>
+          </a:xfrm>
+          <a:prstGeom prst="rect">
+            <a:avLst/>
+          </a:prstGeom>
+        </p:spPr>
+      </p:pic>
+      <p:sp>
+        <p:nvSpPr>
+          <p:cNvPr id="10" name="TextBox 9">
+            <a:extLst>
+              <a:ext uri="{FF2B5EF4-FFF2-40B4-BE49-F238E27FC236}">
+                <a16:creationId xmlns:a16="http://schemas.microsoft.com/office/drawing/2014/main" id="{8D2260AE-1701-4A4C-8F87-3A808F070CD1}"/>
+              </a:ext>
+            </a:extLst>
+          </p:cNvPr>
+          <p:cNvSpPr txBox="1"/>
+          <p:nvPr/>
+        </p:nvSpPr>
+        <p:spPr>
+          <a:xfrm>
+            <a:off x="540048" y="6205011"/>
+            <a:ext cx="5264433" cy="369332"/>
+          </a:xfrm>
+          <a:prstGeom prst="rect">
+            <a:avLst/>
+          </a:prstGeom>
+          <a:noFill/>
+        </p:spPr>
+        <p:txBody>
+          <a:bodyPr wrap="square">
+            <a:spAutoFit/>
+          </a:bodyPr>
+          <a:lstStyle/>
+          <a:p>
+            <a:r>
+              <a:rPr lang="en-US" b="1" dirty="0">
+                <a:solidFill>
+                  <a:srgbClr val="171C2F"/>
+                </a:solidFill>
+                <a:highlight>
+                  <a:srgbClr val="FFFF00"/>
+                </a:highlight>
+                <a:latin typeface="Courier New" panose="02070309020205020404" pitchFamily="49" charset="0"/>
+                <a:cs typeface="Courier New" panose="02070309020205020404" pitchFamily="49" charset="0"/>
+              </a:rPr>
+              <a:t>Write Code for: 1to8 </a:t>
+            </a:r>
+            <a:r>
+              <a:rPr lang="en-US" b="1" dirty="0" err="1">
+                <a:solidFill>
+                  <a:srgbClr val="171C2F"/>
+                </a:solidFill>
+                <a:highlight>
+                  <a:srgbClr val="FFFF00"/>
+                </a:highlight>
+                <a:latin typeface="Courier New" panose="02070309020205020404" pitchFamily="49" charset="0"/>
+                <a:cs typeface="Courier New" panose="02070309020205020404" pitchFamily="49" charset="0"/>
+              </a:rPr>
+              <a:t>DeMux</a:t>
+            </a:r>
+            <a:endParaRPr lang="en-US" b="1" dirty="0">
+              <a:highlight>
+                <a:srgbClr val="FFFF00"/>
+              </a:highlight>
+            </a:endParaRPr>
+          </a:p>
+        </p:txBody>
+      </p:sp>
+      <p:pic>
+        <p:nvPicPr>
+          <p:cNvPr id="8" name="Picture 7">
+            <a:extLst>
+              <a:ext uri="{FF2B5EF4-FFF2-40B4-BE49-F238E27FC236}">
+                <a16:creationId xmlns:a16="http://schemas.microsoft.com/office/drawing/2014/main" id="{740A62EB-42DB-45F9-B3E1-1ECEB8AD3036}"/>
+              </a:ext>
+            </a:extLst>
+          </p:cNvPr>
+          <p:cNvPicPr>
+            <a:picLocks noChangeAspect="1"/>
+          </p:cNvPicPr>
+          <p:nvPr/>
+        </p:nvPicPr>
+        <p:blipFill>
+          <a:blip r:embed="rId3"/>
+          <a:stretch>
+            <a:fillRect/>
+          </a:stretch>
+        </p:blipFill>
+        <p:spPr>
+          <a:xfrm>
+            <a:off x="4740738" y="2549122"/>
+            <a:ext cx="4249490" cy="1125839"/>
+          </a:xfrm>
+          <a:prstGeom prst="rect">
+            <a:avLst/>
+          </a:prstGeom>
+        </p:spPr>
+      </p:pic>
+      <p:sp>
+        <p:nvSpPr>
+          <p:cNvPr id="16" name="TextBox 15">
+            <a:extLst>
+              <a:ext uri="{FF2B5EF4-FFF2-40B4-BE49-F238E27FC236}">
+                <a16:creationId xmlns:a16="http://schemas.microsoft.com/office/drawing/2014/main" id="{F8648EF8-8513-4C1C-A9E2-0B0941BEB53E}"/>
+              </a:ext>
+            </a:extLst>
+          </p:cNvPr>
+          <p:cNvSpPr txBox="1"/>
+          <p:nvPr/>
+        </p:nvSpPr>
+        <p:spPr>
+          <a:xfrm>
+            <a:off x="4550899" y="3866194"/>
+            <a:ext cx="6098344" cy="369332"/>
+          </a:xfrm>
+          <a:prstGeom prst="rect">
+            <a:avLst/>
+          </a:prstGeom>
+          <a:noFill/>
+        </p:spPr>
+        <p:txBody>
+          <a:bodyPr wrap="square">
+            <a:spAutoFit/>
+          </a:bodyPr>
+          <a:lstStyle/>
+          <a:p>
+            <a:pPr marL="285750" indent="-285750">
+              <a:buFont typeface="Wingdings" panose="05000000000000000000" pitchFamily="2" charset="2"/>
+              <a:buChar char="Ø"/>
+            </a:pPr>
+            <a:r>
+              <a:rPr lang="en-US" sz="1800" b="1" i="0" u="none" strike="noStrike" baseline="0" dirty="0">
+                <a:solidFill>
+                  <a:srgbClr val="000000"/>
+                </a:solidFill>
+                <a:latin typeface="Arial" panose="020B0604020202020204" pitchFamily="34" charset="0"/>
+                <a:cs typeface="Arial" panose="020B0604020202020204" pitchFamily="34" charset="0"/>
+              </a:rPr>
+              <a:t>Note</a:t>
+            </a:r>
+            <a:r>
+              <a:rPr lang="en-US" sz="1800" b="0" i="0" u="none" strike="noStrike" baseline="0" dirty="0">
+                <a:solidFill>
+                  <a:srgbClr val="000000"/>
+                </a:solidFill>
+                <a:latin typeface="Arial" panose="020B0604020202020204" pitchFamily="34" charset="0"/>
+                <a:cs typeface="Arial" panose="020B0604020202020204" pitchFamily="34" charset="0"/>
+              </a:rPr>
+              <a:t> that the order of the statements is not relevant.</a:t>
+            </a:r>
+          </a:p>
+        </p:txBody>
+      </p:sp>
+    </p:spTree>
+    <p:extLst>
+      <p:ext uri="{BB962C8B-B14F-4D97-AF65-F5344CB8AC3E}">
+        <p14:creationId xmlns:p14="http://schemas.microsoft.com/office/powerpoint/2010/main" val="1759374988"/>
+      </p:ext>
+    </p:extLst>
+  </p:cSld>
+  <p:clrMapOvr>
+    <a:masterClrMapping/>
+  </p:clrMapOvr>
+</p:sld>
+</file>
+
+<file path=ppt/slides/slide19.xml><?xml version="1.0" encoding="utf-8"?>
+<p:sld xmlns:a="http://schemas.openxmlformats.org/drawingml/2006/main" xmlns:r="http://schemas.openxmlformats.org/officeDocument/2006/relationships" xmlns:p="http://schemas.openxmlformats.org/presentationml/2006/main">
+  <p:cSld>
+    <p:spTree>
+      <p:nvGrpSpPr>
+        <p:cNvPr id="1" name=""/>
+        <p:cNvGrpSpPr/>
+        <p:nvPr/>
+      </p:nvGrpSpPr>
+      <p:grpSpPr>
+        <a:xfrm>
+          <a:off x="0" y="0"/>
+          <a:ext cx="0" cy="0"/>
+          <a:chOff x="0" y="0"/>
+          <a:chExt cx="0" cy="0"/>
+        </a:xfrm>
+      </p:grpSpPr>
+      <p:sp>
+        <p:nvSpPr>
+          <p:cNvPr id="4" name="Rectangle 3">
+            <a:extLst>
+              <a:ext uri="{FF2B5EF4-FFF2-40B4-BE49-F238E27FC236}">
+                <a16:creationId xmlns:a16="http://schemas.microsoft.com/office/drawing/2014/main" id="{7CB94DAC-7193-402A-8EEC-0275470A2AA8}"/>
+              </a:ext>
+            </a:extLst>
+          </p:cNvPr>
+          <p:cNvSpPr/>
+          <p:nvPr/>
+        </p:nvSpPr>
+        <p:spPr>
+          <a:xfrm>
+            <a:off x="0" y="-2"/>
+            <a:ext cx="12192000" cy="923330"/>
+          </a:xfrm>
+          <a:prstGeom prst="rect">
+            <a:avLst/>
+          </a:prstGeom>
+          <a:solidFill>
+            <a:srgbClr val="171D2D"/>
+          </a:solidFill>
+          <a:ln>
+            <a:noFill/>
+          </a:ln>
+        </p:spPr>
+        <p:style>
+          <a:lnRef idx="2">
+            <a:schemeClr val="accent1">
+              <a:shade val="50000"/>
+            </a:schemeClr>
+          </a:lnRef>
+          <a:fillRef idx="1">
+            <a:schemeClr val="accent1"/>
+          </a:fillRef>
+          <a:effectRef idx="0">
+            <a:schemeClr val="accent1"/>
+          </a:effectRef>
+          <a:fontRef idx="minor">
+            <a:schemeClr val="lt1"/>
+          </a:fontRef>
+        </p:style>
+        <p:txBody>
+          <a:bodyPr rtlCol="0" anchor="ctr"/>
+          <a:lstStyle/>
+          <a:p>
+            <a:pPr algn="ctr"/>
+            <a:endParaRPr lang="en-US"/>
+          </a:p>
+        </p:txBody>
+      </p:sp>
+      <p:sp>
+        <p:nvSpPr>
+          <p:cNvPr id="14" name="TextBox 13">
+            <a:extLst>
+              <a:ext uri="{FF2B5EF4-FFF2-40B4-BE49-F238E27FC236}">
+                <a16:creationId xmlns:a16="http://schemas.microsoft.com/office/drawing/2014/main" id="{DA3B01C4-1AD2-4960-9753-B6179C011EBA}"/>
+              </a:ext>
+            </a:extLst>
+          </p:cNvPr>
+          <p:cNvSpPr txBox="1"/>
+          <p:nvPr/>
+        </p:nvSpPr>
+        <p:spPr>
+          <a:xfrm>
+            <a:off x="974844" y="123122"/>
+            <a:ext cx="5022167" cy="707886"/>
+          </a:xfrm>
+          <a:prstGeom prst="rect">
+            <a:avLst/>
+          </a:prstGeom>
+          <a:noFill/>
+          <a:effectLst>
+            <a:glow rad="63500">
+              <a:schemeClr val="accent5">
+                <a:satMod val="175000"/>
+                <a:alpha val="40000"/>
+              </a:schemeClr>
+            </a:glow>
+          </a:effectLst>
+        </p:spPr>
+        <p:txBody>
+          <a:bodyPr wrap="square" rtlCol="0">
+            <a:spAutoFit/>
+          </a:bodyPr>
+          <a:lstStyle/>
+          <a:p>
+            <a:r>
+              <a:rPr lang="en-US" sz="4000" dirty="0">
+                <a:solidFill>
+                  <a:srgbClr val="92979B"/>
+                </a:solidFill>
+                <a:latin typeface="Bahnschrift Light Condensed" panose="020B0502040204020203" pitchFamily="34" charset="0"/>
+              </a:rPr>
+              <a:t>VHDL For FPGA</a:t>
+            </a:r>
+          </a:p>
+        </p:txBody>
+      </p:sp>
+      <p:sp>
+        <p:nvSpPr>
+          <p:cNvPr id="15" name="TextBox 14">
+            <a:extLst>
+              <a:ext uri="{FF2B5EF4-FFF2-40B4-BE49-F238E27FC236}">
+                <a16:creationId xmlns:a16="http://schemas.microsoft.com/office/drawing/2014/main" id="{193D71E9-5D38-4315-9435-07EF7717787D}"/>
+              </a:ext>
+            </a:extLst>
+          </p:cNvPr>
+          <p:cNvSpPr txBox="1"/>
+          <p:nvPr/>
+        </p:nvSpPr>
+        <p:spPr>
+          <a:xfrm>
+            <a:off x="661182" y="1043757"/>
+            <a:ext cx="5022167" cy="584775"/>
+          </a:xfrm>
+          <a:prstGeom prst="rect">
+            <a:avLst/>
+          </a:prstGeom>
+          <a:noFill/>
+        </p:spPr>
+        <p:txBody>
+          <a:bodyPr wrap="square" rtlCol="0">
+            <a:spAutoFit/>
+          </a:bodyPr>
+          <a:lstStyle/>
+          <a:p>
+            <a:r>
+              <a:rPr lang="en-US" sz="3200" dirty="0">
+                <a:solidFill>
+                  <a:srgbClr val="C00000"/>
+                </a:solidFill>
+                <a:latin typeface="Bahnschrift Light Condensed" panose="020B0502040204020203" pitchFamily="34" charset="0"/>
+              </a:rPr>
+              <a:t>Bidirectional Port</a:t>
+            </a:r>
+          </a:p>
+        </p:txBody>
+      </p:sp>
+      <p:sp>
+        <p:nvSpPr>
+          <p:cNvPr id="9" name="TextBox 8">
+            <a:extLst>
+              <a:ext uri="{FF2B5EF4-FFF2-40B4-BE49-F238E27FC236}">
+                <a16:creationId xmlns:a16="http://schemas.microsoft.com/office/drawing/2014/main" id="{ED9ED6CC-3A48-4803-A7E0-E1FA367D9D9B}"/>
+              </a:ext>
+            </a:extLst>
+          </p:cNvPr>
+          <p:cNvSpPr txBox="1"/>
+          <p:nvPr/>
+        </p:nvSpPr>
+        <p:spPr>
+          <a:xfrm>
+            <a:off x="4564194" y="1428477"/>
+            <a:ext cx="6966624" cy="400110"/>
+          </a:xfrm>
+          <a:prstGeom prst="rect">
+            <a:avLst/>
+          </a:prstGeom>
+          <a:noFill/>
+        </p:spPr>
+        <p:txBody>
+          <a:bodyPr wrap="square">
+            <a:spAutoFit/>
+          </a:bodyPr>
+          <a:lstStyle/>
+          <a:p>
+            <a:pPr marL="285750" indent="-285750">
+              <a:buFont typeface="Wingdings" panose="05000000000000000000" pitchFamily="2" charset="2"/>
+              <a:buChar char="§"/>
+            </a:pPr>
+            <a:r>
+              <a:rPr lang="en-US" sz="2000" dirty="0">
+                <a:solidFill>
+                  <a:srgbClr val="171C2F"/>
+                </a:solidFill>
+                <a:latin typeface="Arial" panose="020B0604020202020204" pitchFamily="34" charset="0"/>
+                <a:cs typeface="Arial" panose="020B0604020202020204" pitchFamily="34" charset="0"/>
+              </a:rPr>
+              <a:t>Selected Signal Assignment (</a:t>
+            </a:r>
+            <a:r>
+              <a:rPr lang="en-US" sz="2000" dirty="0">
+                <a:solidFill>
+                  <a:srgbClr val="171C2F"/>
+                </a:solidFill>
+                <a:highlight>
+                  <a:srgbClr val="00FF00"/>
+                </a:highlight>
+                <a:latin typeface="Courier New" panose="02070309020205020404" pitchFamily="49" charset="0"/>
+                <a:cs typeface="Courier New" panose="02070309020205020404" pitchFamily="49" charset="0"/>
+              </a:rPr>
+              <a:t>WHEN – ELSE</a:t>
+            </a:r>
+            <a:r>
+              <a:rPr lang="en-US" sz="2000" dirty="0">
+                <a:solidFill>
+                  <a:srgbClr val="171C2F"/>
+                </a:solidFill>
+                <a:latin typeface="Arial" panose="020B0604020202020204" pitchFamily="34" charset="0"/>
+                <a:cs typeface="Arial" panose="020B0604020202020204" pitchFamily="34" charset="0"/>
+              </a:rPr>
+              <a:t>):</a:t>
+            </a:r>
+          </a:p>
+        </p:txBody>
+      </p:sp>
+      <p:pic>
+        <p:nvPicPr>
+          <p:cNvPr id="3" name="Picture 2">
+            <a:extLst>
+              <a:ext uri="{FF2B5EF4-FFF2-40B4-BE49-F238E27FC236}">
+                <a16:creationId xmlns:a16="http://schemas.microsoft.com/office/drawing/2014/main" id="{DBE35AA6-4518-45D5-998D-7AD9A58C5C27}"/>
+              </a:ext>
+            </a:extLst>
+          </p:cNvPr>
+          <p:cNvPicPr>
+            <a:picLocks noChangeAspect="1"/>
+          </p:cNvPicPr>
+          <p:nvPr/>
+        </p:nvPicPr>
+        <p:blipFill>
+          <a:blip r:embed="rId2"/>
+          <a:stretch>
+            <a:fillRect/>
+          </a:stretch>
+        </p:blipFill>
+        <p:spPr>
+          <a:xfrm>
+            <a:off x="661182" y="2083478"/>
+            <a:ext cx="4586910" cy="1690688"/>
+          </a:xfrm>
+          <a:prstGeom prst="rect">
+            <a:avLst/>
+          </a:prstGeom>
+        </p:spPr>
+      </p:pic>
+      <p:pic>
+        <p:nvPicPr>
+          <p:cNvPr id="6" name="Picture 5">
+            <a:extLst>
+              <a:ext uri="{FF2B5EF4-FFF2-40B4-BE49-F238E27FC236}">
+                <a16:creationId xmlns:a16="http://schemas.microsoft.com/office/drawing/2014/main" id="{31998F04-130D-412A-B87D-8B85290BDA66}"/>
+              </a:ext>
+            </a:extLst>
+          </p:cNvPr>
+          <p:cNvPicPr>
+            <a:picLocks noChangeAspect="1"/>
+          </p:cNvPicPr>
+          <p:nvPr/>
+        </p:nvPicPr>
+        <p:blipFill>
+          <a:blip r:embed="rId3"/>
+          <a:stretch>
+            <a:fillRect/>
+          </a:stretch>
+        </p:blipFill>
+        <p:spPr>
+          <a:xfrm>
+            <a:off x="5539593" y="2628844"/>
+            <a:ext cx="5991225" cy="466725"/>
+          </a:xfrm>
+          <a:prstGeom prst="rect">
+            <a:avLst/>
+          </a:prstGeom>
+        </p:spPr>
+      </p:pic>
+      <p:pic>
+        <p:nvPicPr>
+          <p:cNvPr id="8" name="Picture 7">
+            <a:extLst>
+              <a:ext uri="{FF2B5EF4-FFF2-40B4-BE49-F238E27FC236}">
+                <a16:creationId xmlns:a16="http://schemas.microsoft.com/office/drawing/2014/main" id="{78FB6283-58E2-43AF-AB43-7C706B78A478}"/>
+              </a:ext>
+            </a:extLst>
+          </p:cNvPr>
+          <p:cNvPicPr>
+            <a:picLocks noChangeAspect="1"/>
+          </p:cNvPicPr>
+          <p:nvPr/>
+        </p:nvPicPr>
+        <p:blipFill>
+          <a:blip r:embed="rId4"/>
+          <a:stretch>
+            <a:fillRect/>
+          </a:stretch>
+        </p:blipFill>
+        <p:spPr>
+          <a:xfrm>
+            <a:off x="661182" y="4229112"/>
+            <a:ext cx="8231047" cy="2084031"/>
+          </a:xfrm>
+          <a:prstGeom prst="rect">
+            <a:avLst/>
+          </a:prstGeom>
+        </p:spPr>
+      </p:pic>
+      <p:sp>
+        <p:nvSpPr>
+          <p:cNvPr id="13" name="TextBox 12">
+            <a:extLst>
+              <a:ext uri="{FF2B5EF4-FFF2-40B4-BE49-F238E27FC236}">
+                <a16:creationId xmlns:a16="http://schemas.microsoft.com/office/drawing/2014/main" id="{47A5F2C7-F71F-46CC-9BCA-DB76A380376D}"/>
+              </a:ext>
+            </a:extLst>
+          </p:cNvPr>
+          <p:cNvSpPr txBox="1"/>
+          <p:nvPr/>
+        </p:nvSpPr>
+        <p:spPr>
+          <a:xfrm>
+            <a:off x="8892229" y="4670962"/>
+            <a:ext cx="3160541" cy="1200329"/>
+          </a:xfrm>
+          <a:prstGeom prst="rect">
+            <a:avLst/>
+          </a:prstGeom>
+          <a:noFill/>
+          <a:ln>
+            <a:solidFill>
+              <a:srgbClr val="E3AE8A"/>
+            </a:solidFill>
+          </a:ln>
+        </p:spPr>
+        <p:txBody>
+          <a:bodyPr wrap="square">
+            <a:spAutoFit/>
+          </a:bodyPr>
+          <a:lstStyle/>
+          <a:p>
+            <a:r>
+              <a:rPr lang="en-US" sz="1800" b="0" i="0" u="none" strike="noStrike" baseline="0" dirty="0">
+                <a:solidFill>
+                  <a:srgbClr val="000000"/>
+                </a:solidFill>
+                <a:latin typeface="Tahoma" panose="020B0604030504040204" pitchFamily="34" charset="0"/>
+              </a:rPr>
+              <a:t>To avoid </a:t>
+            </a:r>
+            <a:r>
+              <a:rPr lang="en-US" sz="1800" b="1" i="0" u="none" strike="noStrike" baseline="0" dirty="0">
+                <a:solidFill>
+                  <a:srgbClr val="000000"/>
+                </a:solidFill>
+                <a:latin typeface="Tahoma" panose="020B0604030504040204" pitchFamily="34" charset="0"/>
+              </a:rPr>
+              <a:t>data contention</a:t>
+            </a:r>
+            <a:r>
+              <a:rPr lang="en-US" sz="1800" b="0" i="0" u="none" strike="noStrike" baseline="0" dirty="0">
+                <a:solidFill>
+                  <a:srgbClr val="000000"/>
+                </a:solidFill>
+                <a:latin typeface="Tahoma" panose="020B0604030504040204" pitchFamily="34" charset="0"/>
+              </a:rPr>
+              <a:t>, make sure that </a:t>
+            </a:r>
+            <a:r>
+              <a:rPr lang="en-US" sz="1800" b="1" i="0" u="none" strike="noStrike" baseline="0" dirty="0">
+                <a:solidFill>
+                  <a:srgbClr val="000000"/>
+                </a:solidFill>
+                <a:highlight>
+                  <a:srgbClr val="E3AE8A"/>
+                </a:highlight>
+                <a:latin typeface="Courier New" panose="02070309020205020404" pitchFamily="49" charset="0"/>
+              </a:rPr>
+              <a:t>DATA = Z </a:t>
+            </a:r>
+            <a:r>
+              <a:rPr lang="en-US" sz="1800" b="0" i="0" u="none" strike="noStrike" baseline="0" dirty="0">
+                <a:solidFill>
+                  <a:srgbClr val="000000"/>
+                </a:solidFill>
+                <a:latin typeface="Tahoma" panose="020B0604030504040204" pitchFamily="34" charset="0"/>
+              </a:rPr>
+              <a:t>when </a:t>
+            </a:r>
+            <a:r>
+              <a:rPr lang="en-US" sz="1800" b="1" i="0" u="none" strike="noStrike" baseline="0" dirty="0">
+                <a:solidFill>
+                  <a:srgbClr val="000000"/>
+                </a:solidFill>
+                <a:highlight>
+                  <a:srgbClr val="E3AE8A"/>
+                </a:highlight>
+                <a:latin typeface="Courier New" panose="02070309020205020404" pitchFamily="49" charset="0"/>
+              </a:rPr>
+              <a:t>DATA</a:t>
+            </a:r>
+            <a:r>
+              <a:rPr lang="en-US" sz="1800" b="1" i="0" u="none" strike="noStrike" baseline="0" dirty="0">
+                <a:solidFill>
+                  <a:srgbClr val="000000"/>
+                </a:solidFill>
+                <a:latin typeface="Courier New" panose="02070309020205020404" pitchFamily="49" charset="0"/>
+              </a:rPr>
+              <a:t> </a:t>
+            </a:r>
+            <a:r>
+              <a:rPr lang="en-US" sz="1800" b="0" i="0" u="none" strike="noStrike" baseline="0" dirty="0">
+                <a:solidFill>
+                  <a:srgbClr val="000000"/>
+                </a:solidFill>
+                <a:latin typeface="Tahoma" panose="020B0604030504040204" pitchFamily="34" charset="0"/>
+              </a:rPr>
+              <a:t>is to be an output.</a:t>
+            </a:r>
+            <a:endParaRPr lang="en-US" dirty="0"/>
+          </a:p>
+        </p:txBody>
+      </p:sp>
+    </p:spTree>
+    <p:extLst>
+      <p:ext uri="{BB962C8B-B14F-4D97-AF65-F5344CB8AC3E}">
+        <p14:creationId xmlns:p14="http://schemas.microsoft.com/office/powerpoint/2010/main" val="498582974"/>
+      </p:ext>
+    </p:extLst>
+  </p:cSld>
+  <p:clrMapOvr>
+    <a:masterClrMapping/>
+  </p:clrMapOvr>
+</p:sld>
+</file>
+
+<file path=ppt/slides/slide2.xml><?xml version="1.0" encoding="utf-8"?>
+<p:sld xmlns:a="http://schemas.openxmlformats.org/drawingml/2006/main" xmlns:r="http://schemas.openxmlformats.org/officeDocument/2006/relationships" xmlns:p="http://schemas.openxmlformats.org/presentationml/2006/main">
+  <p:cSld>
+    <p:spTree>
+      <p:nvGrpSpPr>
+        <p:cNvPr id="1" name=""/>
+        <p:cNvGrpSpPr/>
+        <p:nvPr/>
+      </p:nvGrpSpPr>
+      <p:grpSpPr>
+        <a:xfrm>
+          <a:off x="0" y="0"/>
+          <a:ext cx="0" cy="0"/>
+          <a:chOff x="0" y="0"/>
+          <a:chExt cx="0" cy="0"/>
+        </a:xfrm>
+      </p:grpSpPr>
+      <p:pic>
+        <p:nvPicPr>
           <p:cNvPr id="1028" name="Picture 4" descr="FPGA Hardware Design | Microchip Technology">
             <a:extLst>
               <a:ext uri="{FF2B5EF4-FFF2-40B4-BE49-F238E27FC236}">
@@ -3930,109 +7938,32 @@
           </a:sp3d>
         </p:spPr>
       </p:pic>
-    </p:spTree>
-    <p:extLst>
-      <p:ext uri="{BB962C8B-B14F-4D97-AF65-F5344CB8AC3E}">
-        <p14:creationId xmlns:p14="http://schemas.microsoft.com/office/powerpoint/2010/main" val="3452887125"/>
-      </p:ext>
-    </p:extLst>
-  </p:cSld>
-  <p:clrMapOvr>
-    <a:masterClrMapping/>
-  </p:clrMapOvr>
-</p:sld>
-</file>
-
-<file path=ppt/slides/slide10.xml><?xml version="1.0" encoding="utf-8"?>
-<p:sld xmlns:a="http://schemas.openxmlformats.org/drawingml/2006/main" xmlns:r="http://schemas.openxmlformats.org/officeDocument/2006/relationships" xmlns:p="http://schemas.openxmlformats.org/presentationml/2006/main">
-  <p:cSld>
-    <p:spTree>
-      <p:nvGrpSpPr>
-        <p:cNvPr id="1" name=""/>
-        <p:cNvGrpSpPr/>
-        <p:nvPr/>
-      </p:nvGrpSpPr>
-      <p:grpSpPr>
-        <a:xfrm>
-          <a:off x="0" y="0"/>
-          <a:ext cx="0" cy="0"/>
-          <a:chOff x="0" y="0"/>
-          <a:chExt cx="0" cy="0"/>
-        </a:xfrm>
-      </p:grpSpPr>
-      <p:sp>
-        <p:nvSpPr>
-          <p:cNvPr id="6" name="Rectangle 5">
-            <a:extLst>
-              <a:ext uri="{FF2B5EF4-FFF2-40B4-BE49-F238E27FC236}">
-                <a16:creationId xmlns:a16="http://schemas.microsoft.com/office/drawing/2014/main" id="{6065C712-A711-4B62-9B9F-4831D4AC878F}"/>
-              </a:ext>
-            </a:extLst>
-          </p:cNvPr>
-          <p:cNvSpPr/>
-          <p:nvPr/>
-        </p:nvSpPr>
-        <p:spPr>
-          <a:xfrm>
-            <a:off x="0" y="2285415"/>
-            <a:ext cx="12192000" cy="1627330"/>
-          </a:xfrm>
-          <a:prstGeom prst="rect">
-            <a:avLst/>
-          </a:prstGeom>
-          <a:solidFill>
-            <a:srgbClr val="171D2D"/>
-          </a:solidFill>
+      <p:sp>
+        <p:nvSpPr>
+          <p:cNvPr id="6" name="TextBox 5">
+            <a:extLst>
+              <a:ext uri="{FF2B5EF4-FFF2-40B4-BE49-F238E27FC236}">
+                <a16:creationId xmlns:a16="http://schemas.microsoft.com/office/drawing/2014/main" id="{4452DB8D-9ECB-4EBB-BDF0-A13E2511D70A}"/>
+              </a:ext>
+            </a:extLst>
+          </p:cNvPr>
+          <p:cNvSpPr txBox="1"/>
+          <p:nvPr/>
+        </p:nvSpPr>
+        <p:spPr>
+          <a:xfrm>
+            <a:off x="2168055" y="1122586"/>
+            <a:ext cx="8095450" cy="646331"/>
+          </a:xfrm>
+          <a:prstGeom prst="rect">
+            <a:avLst/>
+          </a:prstGeom>
+          <a:noFill/>
           <a:ln>
-            <a:noFill/>
+            <a:solidFill>
+              <a:schemeClr val="accent1"/>
+            </a:solidFill>
           </a:ln>
-        </p:spPr>
-        <p:style>
-          <a:lnRef idx="2">
-            <a:schemeClr val="accent1">
-              <a:shade val="50000"/>
-            </a:schemeClr>
-          </a:lnRef>
-          <a:fillRef idx="1">
-            <a:schemeClr val="accent1"/>
-          </a:fillRef>
-          <a:effectRef idx="0">
-            <a:schemeClr val="accent1"/>
-          </a:effectRef>
-          <a:fontRef idx="minor">
-            <a:schemeClr val="lt1"/>
-          </a:fontRef>
-        </p:style>
-        <p:txBody>
-          <a:bodyPr rtlCol="0" anchor="ctr"/>
-          <a:lstStyle/>
-          <a:p>
-            <a:pPr algn="ctr"/>
-            <a:endParaRPr lang="en-US"/>
-          </a:p>
-        </p:txBody>
-      </p:sp>
-      <p:sp>
-        <p:nvSpPr>
-          <p:cNvPr id="4" name="TextBox 3">
-            <a:extLst>
-              <a:ext uri="{FF2B5EF4-FFF2-40B4-BE49-F238E27FC236}">
-                <a16:creationId xmlns:a16="http://schemas.microsoft.com/office/drawing/2014/main" id="{94F88A39-6281-4558-B08B-8FC2DC9F139D}"/>
-              </a:ext>
-            </a:extLst>
-          </p:cNvPr>
-          <p:cNvSpPr txBox="1"/>
-          <p:nvPr/>
-        </p:nvSpPr>
-        <p:spPr>
-          <a:xfrm>
-            <a:off x="3338215" y="2545082"/>
-            <a:ext cx="5022167" cy="1107996"/>
-          </a:xfrm>
-          <a:prstGeom prst="rect">
-            <a:avLst/>
-          </a:prstGeom>
-          <a:noFill/>
           <a:effectLst>
             <a:glow rad="63500">
               <a:schemeClr val="accent5">
@@ -4050,14 +7981,14 @@
           <a:p>
             <a:pPr algn="ctr"/>
             <a:r>
-              <a:rPr lang="en-US" sz="6600" dirty="0">
-                <a:solidFill>
-                  <a:srgbClr val="8F9799"/>
+              <a:rPr lang="en-US" sz="3600" b="1" dirty="0">
+                <a:solidFill>
+                  <a:srgbClr val="596495"/>
                 </a:solidFill>
                 <a:latin typeface="Courier New" panose="02070309020205020404" pitchFamily="49" charset="0"/>
                 <a:cs typeface="Courier New" panose="02070309020205020404" pitchFamily="49" charset="0"/>
               </a:rPr>
-              <a:t>UNIT 2</a:t>
+              <a:t>VHDL FOR FPGA: FUNDAMENTALS</a:t>
             </a:r>
           </a:p>
         </p:txBody>
@@ -4065,3883 +7996,7 @@
     </p:spTree>
     <p:extLst>
       <p:ext uri="{BB962C8B-B14F-4D97-AF65-F5344CB8AC3E}">
-        <p14:creationId xmlns:p14="http://schemas.microsoft.com/office/powerpoint/2010/main" val="3108557970"/>
-      </p:ext>
-    </p:extLst>
-  </p:cSld>
-  <p:clrMapOvr>
-    <a:masterClrMapping/>
-  </p:clrMapOvr>
-</p:sld>
-</file>
-
-<file path=ppt/slides/slide11.xml><?xml version="1.0" encoding="utf-8"?>
-<p:sld xmlns:a="http://schemas.openxmlformats.org/drawingml/2006/main" xmlns:r="http://schemas.openxmlformats.org/officeDocument/2006/relationships" xmlns:p="http://schemas.openxmlformats.org/presentationml/2006/main">
-  <p:cSld>
-    <p:spTree>
-      <p:nvGrpSpPr>
-        <p:cNvPr id="1" name=""/>
-        <p:cNvGrpSpPr/>
-        <p:nvPr/>
-      </p:nvGrpSpPr>
-      <p:grpSpPr>
-        <a:xfrm>
-          <a:off x="0" y="0"/>
-          <a:ext cx="0" cy="0"/>
-          <a:chOff x="0" y="0"/>
-          <a:chExt cx="0" cy="0"/>
-        </a:xfrm>
-      </p:grpSpPr>
-      <p:sp>
-        <p:nvSpPr>
-          <p:cNvPr id="4" name="Rectangle 3">
-            <a:extLst>
-              <a:ext uri="{FF2B5EF4-FFF2-40B4-BE49-F238E27FC236}">
-                <a16:creationId xmlns:a16="http://schemas.microsoft.com/office/drawing/2014/main" id="{7CB94DAC-7193-402A-8EEC-0275470A2AA8}"/>
-              </a:ext>
-            </a:extLst>
-          </p:cNvPr>
-          <p:cNvSpPr/>
-          <p:nvPr/>
-        </p:nvSpPr>
-        <p:spPr>
-          <a:xfrm>
-            <a:off x="0" y="-2"/>
-            <a:ext cx="12192000" cy="923330"/>
-          </a:xfrm>
-          <a:prstGeom prst="rect">
-            <a:avLst/>
-          </a:prstGeom>
-          <a:solidFill>
-            <a:srgbClr val="171D2D"/>
-          </a:solidFill>
-          <a:ln>
-            <a:noFill/>
-          </a:ln>
-        </p:spPr>
-        <p:style>
-          <a:lnRef idx="2">
-            <a:schemeClr val="accent1">
-              <a:shade val="50000"/>
-            </a:schemeClr>
-          </a:lnRef>
-          <a:fillRef idx="1">
-            <a:schemeClr val="accent1"/>
-          </a:fillRef>
-          <a:effectRef idx="0">
-            <a:schemeClr val="accent1"/>
-          </a:effectRef>
-          <a:fontRef idx="minor">
-            <a:schemeClr val="lt1"/>
-          </a:fontRef>
-        </p:style>
-        <p:txBody>
-          <a:bodyPr rtlCol="0" anchor="ctr"/>
-          <a:lstStyle/>
-          <a:p>
-            <a:pPr algn="ctr"/>
-            <a:endParaRPr lang="en-US"/>
-          </a:p>
-        </p:txBody>
-      </p:sp>
-      <p:sp>
-        <p:nvSpPr>
-          <p:cNvPr id="14" name="TextBox 13">
-            <a:extLst>
-              <a:ext uri="{FF2B5EF4-FFF2-40B4-BE49-F238E27FC236}">
-                <a16:creationId xmlns:a16="http://schemas.microsoft.com/office/drawing/2014/main" id="{DA3B01C4-1AD2-4960-9753-B6179C011EBA}"/>
-              </a:ext>
-            </a:extLst>
-          </p:cNvPr>
-          <p:cNvSpPr txBox="1"/>
-          <p:nvPr/>
-        </p:nvSpPr>
-        <p:spPr>
-          <a:xfrm>
-            <a:off x="974844" y="123122"/>
-            <a:ext cx="5022167" cy="707886"/>
-          </a:xfrm>
-          <a:prstGeom prst="rect">
-            <a:avLst/>
-          </a:prstGeom>
-          <a:noFill/>
-          <a:effectLst>
-            <a:glow rad="63500">
-              <a:schemeClr val="accent5">
-                <a:satMod val="175000"/>
-                <a:alpha val="40000"/>
-              </a:schemeClr>
-            </a:glow>
-          </a:effectLst>
-        </p:spPr>
-        <p:txBody>
-          <a:bodyPr wrap="square" rtlCol="0">
-            <a:spAutoFit/>
-          </a:bodyPr>
-          <a:lstStyle/>
-          <a:p>
-            <a:r>
-              <a:rPr lang="en-US" sz="4000" dirty="0">
-                <a:solidFill>
-                  <a:srgbClr val="92979B"/>
-                </a:solidFill>
-                <a:latin typeface="Bahnschrift Light Condensed" panose="020B0502040204020203" pitchFamily="34" charset="0"/>
-              </a:rPr>
-              <a:t>VHDL For FPGA</a:t>
-            </a:r>
-          </a:p>
-        </p:txBody>
-      </p:sp>
-      <p:sp>
-        <p:nvSpPr>
-          <p:cNvPr id="15" name="TextBox 14">
-            <a:extLst>
-              <a:ext uri="{FF2B5EF4-FFF2-40B4-BE49-F238E27FC236}">
-                <a16:creationId xmlns:a16="http://schemas.microsoft.com/office/drawing/2014/main" id="{193D71E9-5D38-4315-9435-07EF7717787D}"/>
-              </a:ext>
-            </a:extLst>
-          </p:cNvPr>
-          <p:cNvSpPr txBox="1"/>
-          <p:nvPr/>
-        </p:nvSpPr>
-        <p:spPr>
-          <a:xfrm>
-            <a:off x="661182" y="1043757"/>
-            <a:ext cx="5022167" cy="584775"/>
-          </a:xfrm>
-          <a:prstGeom prst="rect">
-            <a:avLst/>
-          </a:prstGeom>
-          <a:noFill/>
-        </p:spPr>
-        <p:txBody>
-          <a:bodyPr wrap="square" rtlCol="0">
-            <a:spAutoFit/>
-          </a:bodyPr>
-          <a:lstStyle/>
-          <a:p>
-            <a:r>
-              <a:rPr lang="en-US" sz="3200" dirty="0">
-                <a:solidFill>
-                  <a:srgbClr val="C00000"/>
-                </a:solidFill>
-                <a:latin typeface="Bahnschrift Light Condensed" panose="020B0502040204020203" pitchFamily="34" charset="0"/>
-              </a:rPr>
-              <a:t>UNIT II: CONCURRENT DESCRIPTION</a:t>
-            </a:r>
-          </a:p>
-        </p:txBody>
-      </p:sp>
-      <p:sp>
-        <p:nvSpPr>
-          <p:cNvPr id="8" name="TextBox 7">
-            <a:extLst>
-              <a:ext uri="{FF2B5EF4-FFF2-40B4-BE49-F238E27FC236}">
-                <a16:creationId xmlns:a16="http://schemas.microsoft.com/office/drawing/2014/main" id="{D6F4B2D2-E70A-4EE9-9FA4-C8E0402EB868}"/>
-              </a:ext>
-            </a:extLst>
-          </p:cNvPr>
-          <p:cNvSpPr txBox="1"/>
-          <p:nvPr/>
-        </p:nvSpPr>
-        <p:spPr>
-          <a:xfrm>
-            <a:off x="661182" y="1628532"/>
-            <a:ext cx="11014218" cy="4708981"/>
-          </a:xfrm>
-          <a:prstGeom prst="rect">
-            <a:avLst/>
-          </a:prstGeom>
-          <a:noFill/>
-        </p:spPr>
-        <p:txBody>
-          <a:bodyPr wrap="square">
-            <a:spAutoFit/>
-          </a:bodyPr>
-          <a:lstStyle/>
-          <a:p>
-            <a:pPr marL="285750" indent="-285750">
-              <a:buFont typeface="Wingdings" panose="05000000000000000000" pitchFamily="2" charset="2"/>
-              <a:buChar char="§"/>
-            </a:pPr>
-            <a:r>
-              <a:rPr lang="en-US" sz="2000" dirty="0">
-                <a:solidFill>
-                  <a:srgbClr val="171C2F"/>
-                </a:solidFill>
-                <a:latin typeface="Arial" panose="020B0604020202020204" pitchFamily="34" charset="0"/>
-                <a:cs typeface="Arial" panose="020B0604020202020204" pitchFamily="34" charset="0"/>
-              </a:rPr>
-              <a:t>‘</a:t>
-            </a:r>
-            <a:r>
-              <a:rPr lang="en-US" sz="2000" dirty="0">
-                <a:solidFill>
-                  <a:srgbClr val="171C2F"/>
-                </a:solidFill>
-                <a:highlight>
-                  <a:srgbClr val="FFFF00"/>
-                </a:highlight>
-                <a:latin typeface="Courier New" panose="02070309020205020404" pitchFamily="49" charset="0"/>
-                <a:cs typeface="Courier New" panose="02070309020205020404" pitchFamily="49" charset="0"/>
-              </a:rPr>
-              <a:t>with select</a:t>
-            </a:r>
-            <a:r>
-              <a:rPr lang="en-US" sz="2000" dirty="0">
-                <a:solidFill>
-                  <a:srgbClr val="171C2F"/>
-                </a:solidFill>
-                <a:latin typeface="Arial" panose="020B0604020202020204" pitchFamily="34" charset="0"/>
-                <a:cs typeface="Arial" panose="020B0604020202020204" pitchFamily="34" charset="0"/>
-              </a:rPr>
-              <a:t>’, </a:t>
-            </a:r>
-            <a:r>
-              <a:rPr lang="en-US" sz="2000" dirty="0">
-                <a:solidFill>
-                  <a:srgbClr val="171C2F"/>
-                </a:solidFill>
-                <a:latin typeface="Courier New" panose="02070309020205020404" pitchFamily="49" charset="0"/>
-                <a:cs typeface="Courier New" panose="02070309020205020404" pitchFamily="49" charset="0"/>
-              </a:rPr>
-              <a:t>‘</a:t>
-            </a:r>
-            <a:r>
-              <a:rPr lang="en-US" sz="2000" dirty="0">
-                <a:solidFill>
-                  <a:srgbClr val="171C2F"/>
-                </a:solidFill>
-                <a:highlight>
-                  <a:srgbClr val="FFFF00"/>
-                </a:highlight>
-                <a:latin typeface="Courier New" panose="02070309020205020404" pitchFamily="49" charset="0"/>
-                <a:cs typeface="Courier New" panose="02070309020205020404" pitchFamily="49" charset="0"/>
-              </a:rPr>
-              <a:t>when else</a:t>
-            </a:r>
-            <a:r>
-              <a:rPr lang="en-US" sz="2000" dirty="0">
-                <a:solidFill>
-                  <a:srgbClr val="171C2F"/>
-                </a:solidFill>
-                <a:latin typeface="Arial" panose="020B0604020202020204" pitchFamily="34" charset="0"/>
-                <a:cs typeface="Arial" panose="020B0604020202020204" pitchFamily="34" charset="0"/>
-              </a:rPr>
-              <a:t>’ statements</a:t>
-            </a:r>
-          </a:p>
-          <a:p>
-            <a:pPr marL="285750" indent="-285750">
-              <a:buFont typeface="Wingdings" panose="05000000000000000000" pitchFamily="2" charset="2"/>
-              <a:buChar char="§"/>
-            </a:pPr>
-            <a:r>
-              <a:rPr lang="en-US" sz="2000" dirty="0">
-                <a:solidFill>
-                  <a:srgbClr val="171C2F"/>
-                </a:solidFill>
-                <a:latin typeface="Arial" panose="020B0604020202020204" pitchFamily="34" charset="0"/>
-                <a:cs typeface="Arial" panose="020B0604020202020204" pitchFamily="34" charset="0"/>
-              </a:rPr>
-              <a:t>Arithmetic expressions, integer type, type conversions.</a:t>
-            </a:r>
-          </a:p>
-          <a:p>
-            <a:pPr marL="285750" indent="-285750">
-              <a:buFont typeface="Wingdings" panose="05000000000000000000" pitchFamily="2" charset="2"/>
-              <a:buChar char="§"/>
-            </a:pPr>
-            <a:r>
-              <a:rPr lang="en-US" sz="2000" b="1" dirty="0">
-                <a:solidFill>
-                  <a:srgbClr val="171C2F"/>
-                </a:solidFill>
-                <a:latin typeface="Arial" panose="020B0604020202020204" pitchFamily="34" charset="0"/>
-                <a:cs typeface="Arial" panose="020B0604020202020204" pitchFamily="34" charset="0"/>
-              </a:rPr>
-              <a:t>Examples</a:t>
-            </a:r>
-            <a:r>
-              <a:rPr lang="en-US" sz="2000" dirty="0">
-                <a:solidFill>
-                  <a:srgbClr val="171C2F"/>
-                </a:solidFill>
-                <a:latin typeface="Arial" panose="020B0604020202020204" pitchFamily="34" charset="0"/>
-                <a:cs typeface="Arial" panose="020B0604020202020204" pitchFamily="34" charset="0"/>
-              </a:rPr>
-              <a:t>: multiplexor, LUT, decoder, tri-state buffer</a:t>
-            </a:r>
-          </a:p>
-          <a:p>
-            <a:pPr marL="285750" indent="-285750">
-              <a:buFont typeface="Wingdings" panose="05000000000000000000" pitchFamily="2" charset="2"/>
-              <a:buChar char="§"/>
-            </a:pPr>
-            <a:endParaRPr lang="en-US" sz="2000" dirty="0">
-              <a:solidFill>
-                <a:srgbClr val="171C2F"/>
-              </a:solidFill>
-              <a:latin typeface="Arial" panose="020B0604020202020204" pitchFamily="34" charset="0"/>
-              <a:cs typeface="Arial" panose="020B0604020202020204" pitchFamily="34" charset="0"/>
-            </a:endParaRPr>
-          </a:p>
-          <a:p>
-            <a:pPr marL="285750" indent="-285750">
-              <a:buFont typeface="Wingdings" panose="05000000000000000000" pitchFamily="2" charset="2"/>
-              <a:buChar char="§"/>
-            </a:pPr>
-            <a:r>
-              <a:rPr lang="en-US" sz="2000" dirty="0">
-                <a:solidFill>
-                  <a:srgbClr val="171C2F"/>
-                </a:solidFill>
-                <a:latin typeface="Arial" panose="020B0604020202020204" pitchFamily="34" charset="0"/>
-                <a:cs typeface="Arial" panose="020B0604020202020204" pitchFamily="34" charset="0"/>
-              </a:rPr>
-              <a:t>In this description, the </a:t>
-            </a:r>
-            <a:r>
-              <a:rPr lang="en-US" sz="2000" dirty="0">
-                <a:solidFill>
-                  <a:srgbClr val="171C2F"/>
-                </a:solidFill>
-                <a:highlight>
-                  <a:srgbClr val="E3AE8A"/>
-                </a:highlight>
-                <a:latin typeface="Arial" panose="020B0604020202020204" pitchFamily="34" charset="0"/>
-                <a:cs typeface="Arial" panose="020B0604020202020204" pitchFamily="34" charset="0"/>
-              </a:rPr>
-              <a:t>order of the statements is irrelevant</a:t>
-            </a:r>
-            <a:r>
-              <a:rPr lang="en-US" sz="2000" dirty="0">
-                <a:solidFill>
-                  <a:srgbClr val="171C2F"/>
-                </a:solidFill>
-                <a:latin typeface="Arial" panose="020B0604020202020204" pitchFamily="34" charset="0"/>
-                <a:cs typeface="Arial" panose="020B0604020202020204" pitchFamily="34" charset="0"/>
-              </a:rPr>
-              <a:t>: all the statements represent circuits that are working at the same time. </a:t>
-            </a:r>
-          </a:p>
-          <a:p>
-            <a:pPr marL="285750" indent="-285750">
-              <a:buFont typeface="Wingdings" panose="05000000000000000000" pitchFamily="2" charset="2"/>
-              <a:buChar char="§"/>
-            </a:pPr>
-            <a:r>
-              <a:rPr lang="en-US" sz="2000" dirty="0">
-                <a:solidFill>
-                  <a:srgbClr val="171C2F"/>
-                </a:solidFill>
-                <a:latin typeface="Arial" panose="020B0604020202020204" pitchFamily="34" charset="0"/>
-                <a:cs typeface="Arial" panose="020B0604020202020204" pitchFamily="34" charset="0"/>
-              </a:rPr>
-              <a:t>This type of description is well suited for </a:t>
-            </a:r>
-            <a:r>
-              <a:rPr lang="en-US" sz="2000" dirty="0">
-                <a:solidFill>
-                  <a:srgbClr val="171C2F"/>
-                </a:solidFill>
-                <a:highlight>
-                  <a:srgbClr val="E3AE8A"/>
-                </a:highlight>
-                <a:latin typeface="Arial" panose="020B0604020202020204" pitchFamily="34" charset="0"/>
-                <a:cs typeface="Arial" panose="020B0604020202020204" pitchFamily="34" charset="0"/>
-              </a:rPr>
-              <a:t>combinatorial circuits</a:t>
-            </a:r>
-            <a:r>
-              <a:rPr lang="en-US" sz="2000" dirty="0">
-                <a:solidFill>
-                  <a:srgbClr val="171C2F"/>
-                </a:solidFill>
-                <a:latin typeface="Arial" panose="020B0604020202020204" pitchFamily="34" charset="0"/>
-                <a:cs typeface="Arial" panose="020B0604020202020204" pitchFamily="34" charset="0"/>
-              </a:rPr>
-              <a:t>.</a:t>
-            </a:r>
-          </a:p>
-          <a:p>
-            <a:pPr marL="285750" indent="-285750">
-              <a:buFont typeface="Wingdings" panose="05000000000000000000" pitchFamily="2" charset="2"/>
-              <a:buChar char="§"/>
-            </a:pPr>
-            <a:r>
-              <a:rPr lang="en-US" sz="2000" dirty="0">
-                <a:solidFill>
-                  <a:srgbClr val="171C2F"/>
-                </a:solidFill>
-                <a:latin typeface="Arial" panose="020B0604020202020204" pitchFamily="34" charset="0"/>
-                <a:cs typeface="Arial" panose="020B0604020202020204" pitchFamily="34" charset="0"/>
-              </a:rPr>
-              <a:t>The use of sentences with ‘</a:t>
-            </a:r>
-            <a:r>
-              <a:rPr lang="en-US" sz="2000" dirty="0">
-                <a:solidFill>
-                  <a:srgbClr val="171C2F"/>
-                </a:solidFill>
-                <a:highlight>
-                  <a:srgbClr val="FFFF00"/>
-                </a:highlight>
-                <a:latin typeface="Courier New" panose="02070309020205020404" pitchFamily="49" charset="0"/>
-                <a:cs typeface="Courier New" panose="02070309020205020404" pitchFamily="49" charset="0"/>
-              </a:rPr>
-              <a:t>and</a:t>
-            </a:r>
-            <a:r>
-              <a:rPr lang="en-US" sz="2000" dirty="0">
-                <a:solidFill>
-                  <a:srgbClr val="171C2F"/>
-                </a:solidFill>
-                <a:latin typeface="Arial" panose="020B0604020202020204" pitchFamily="34" charset="0"/>
-                <a:cs typeface="Arial" panose="020B0604020202020204" pitchFamily="34" charset="0"/>
-              </a:rPr>
-              <a:t>’, ‘</a:t>
-            </a:r>
-            <a:r>
-              <a:rPr lang="en-US" sz="2000" dirty="0">
-                <a:solidFill>
-                  <a:srgbClr val="171C2F"/>
-                </a:solidFill>
-                <a:highlight>
-                  <a:srgbClr val="FFFF00"/>
-                </a:highlight>
-                <a:latin typeface="Courier New" panose="02070309020205020404" pitchFamily="49" charset="0"/>
-                <a:cs typeface="Courier New" panose="02070309020205020404" pitchFamily="49" charset="0"/>
-              </a:rPr>
-              <a:t>or</a:t>
-            </a:r>
-            <a:r>
-              <a:rPr lang="en-US" sz="2000" dirty="0">
-                <a:solidFill>
-                  <a:srgbClr val="171C2F"/>
-                </a:solidFill>
-                <a:latin typeface="Arial" panose="020B0604020202020204" pitchFamily="34" charset="0"/>
-                <a:cs typeface="Arial" panose="020B0604020202020204" pitchFamily="34" charset="0"/>
-              </a:rPr>
-              <a:t>’, ‘ </a:t>
-            </a:r>
-            <a:r>
-              <a:rPr lang="en-US" sz="2000" dirty="0" err="1">
-                <a:solidFill>
-                  <a:srgbClr val="171C2F"/>
-                </a:solidFill>
-                <a:highlight>
-                  <a:srgbClr val="FFFF00"/>
-                </a:highlight>
-                <a:latin typeface="Courier New" panose="02070309020205020404" pitchFamily="49" charset="0"/>
-                <a:cs typeface="Courier New" panose="02070309020205020404" pitchFamily="49" charset="0"/>
-              </a:rPr>
-              <a:t>xor</a:t>
-            </a:r>
-            <a:r>
-              <a:rPr lang="en-US" sz="2000" dirty="0">
-                <a:solidFill>
-                  <a:srgbClr val="171C2F"/>
-                </a:solidFill>
-                <a:latin typeface="Arial" panose="020B0604020202020204" pitchFamily="34" charset="0"/>
-                <a:cs typeface="Arial" panose="020B0604020202020204" pitchFamily="34" charset="0"/>
-              </a:rPr>
-              <a:t> ’, </a:t>
-            </a:r>
-            <a:r>
-              <a:rPr lang="en-US" sz="2000" dirty="0" err="1">
-                <a:solidFill>
-                  <a:srgbClr val="171C2F"/>
-                </a:solidFill>
-                <a:highlight>
-                  <a:srgbClr val="FFFF00"/>
-                </a:highlight>
-                <a:latin typeface="Courier New" panose="02070309020205020404" pitchFamily="49" charset="0"/>
-                <a:cs typeface="Courier New" panose="02070309020205020404" pitchFamily="49" charset="0"/>
-              </a:rPr>
-              <a:t>nand</a:t>
-            </a:r>
-            <a:r>
-              <a:rPr lang="en-US" sz="2000" dirty="0">
-                <a:solidFill>
-                  <a:srgbClr val="171C2F"/>
-                </a:solidFill>
-                <a:latin typeface="Arial" panose="020B0604020202020204" pitchFamily="34" charset="0"/>
-                <a:cs typeface="Arial" panose="020B0604020202020204" pitchFamily="34" charset="0"/>
-              </a:rPr>
-              <a:t> ’, ‘</a:t>
-            </a:r>
-            <a:r>
-              <a:rPr lang="en-US" sz="2000" dirty="0">
-                <a:solidFill>
-                  <a:srgbClr val="171C2F"/>
-                </a:solidFill>
-                <a:highlight>
-                  <a:srgbClr val="FFFF00"/>
-                </a:highlight>
-                <a:latin typeface="Courier New" panose="02070309020205020404" pitchFamily="49" charset="0"/>
-                <a:cs typeface="Courier New" panose="02070309020205020404" pitchFamily="49" charset="0"/>
-              </a:rPr>
-              <a:t>nor</a:t>
-            </a:r>
-            <a:r>
-              <a:rPr lang="en-US" sz="2000" dirty="0">
-                <a:solidFill>
-                  <a:srgbClr val="171C2F"/>
-                </a:solidFill>
-                <a:latin typeface="Arial" panose="020B0604020202020204" pitchFamily="34" charset="0"/>
-                <a:cs typeface="Arial" panose="020B0604020202020204" pitchFamily="34" charset="0"/>
-              </a:rPr>
-              <a:t>’, </a:t>
-            </a:r>
-            <a:r>
-              <a:rPr lang="en-US" sz="2000" dirty="0" err="1">
-                <a:solidFill>
-                  <a:srgbClr val="171C2F"/>
-                </a:solidFill>
-                <a:highlight>
-                  <a:srgbClr val="FFFF00"/>
-                </a:highlight>
-                <a:latin typeface="Courier New" panose="02070309020205020404" pitchFamily="49" charset="0"/>
-                <a:cs typeface="Courier New" panose="02070309020205020404" pitchFamily="49" charset="0"/>
-              </a:rPr>
-              <a:t>xnor</a:t>
-            </a:r>
-            <a:r>
-              <a:rPr lang="en-US" sz="2000" dirty="0">
-                <a:solidFill>
-                  <a:srgbClr val="171C2F"/>
-                </a:solidFill>
-                <a:latin typeface="Arial" panose="020B0604020202020204" pitchFamily="34" charset="0"/>
-                <a:cs typeface="Arial" panose="020B0604020202020204" pitchFamily="34" charset="0"/>
-              </a:rPr>
-              <a:t> ’, and ‘</a:t>
-            </a:r>
-            <a:r>
-              <a:rPr lang="en-US" sz="2000" dirty="0">
-                <a:solidFill>
-                  <a:srgbClr val="171C2F"/>
-                </a:solidFill>
-                <a:highlight>
-                  <a:srgbClr val="FFFF00"/>
-                </a:highlight>
-                <a:latin typeface="Courier New" panose="02070309020205020404" pitchFamily="49" charset="0"/>
-                <a:cs typeface="Courier New" panose="02070309020205020404" pitchFamily="49" charset="0"/>
-              </a:rPr>
-              <a:t>not</a:t>
-            </a:r>
-            <a:r>
-              <a:rPr lang="en-US" sz="2000" dirty="0">
-                <a:solidFill>
-                  <a:srgbClr val="171C2F"/>
-                </a:solidFill>
-                <a:latin typeface="Arial" panose="020B0604020202020204" pitchFamily="34" charset="0"/>
-                <a:cs typeface="Arial" panose="020B0604020202020204" pitchFamily="34" charset="0"/>
-              </a:rPr>
-              <a:t>’ is a basic instance of the concurrent description. It is sometimes called </a:t>
-            </a:r>
-            <a:r>
-              <a:rPr lang="en-US" sz="2000" dirty="0">
-                <a:solidFill>
-                  <a:srgbClr val="171C2F"/>
-                </a:solidFill>
-                <a:highlight>
-                  <a:srgbClr val="E3AE8A"/>
-                </a:highlight>
-                <a:latin typeface="Arial" panose="020B0604020202020204" pitchFamily="34" charset="0"/>
-                <a:cs typeface="Arial" panose="020B0604020202020204" pitchFamily="34" charset="0"/>
-              </a:rPr>
-              <a:t>‘horizontal description</a:t>
-            </a:r>
-            <a:r>
-              <a:rPr lang="en-US" sz="2000" dirty="0">
-                <a:solidFill>
-                  <a:srgbClr val="171C2F"/>
-                </a:solidFill>
-                <a:latin typeface="Arial" panose="020B0604020202020204" pitchFamily="34" charset="0"/>
-                <a:cs typeface="Arial" panose="020B0604020202020204" pitchFamily="34" charset="0"/>
-              </a:rPr>
-              <a:t>’.</a:t>
-            </a:r>
-          </a:p>
-          <a:p>
-            <a:pPr marL="285750" indent="-285750">
-              <a:buFont typeface="Wingdings" panose="05000000000000000000" pitchFamily="2" charset="2"/>
-              <a:buChar char="§"/>
-            </a:pPr>
-            <a:endParaRPr lang="en-US" sz="2000" dirty="0">
-              <a:solidFill>
-                <a:srgbClr val="171C2F"/>
-              </a:solidFill>
-              <a:latin typeface="Arial" panose="020B0604020202020204" pitchFamily="34" charset="0"/>
-              <a:cs typeface="Arial" panose="020B0604020202020204" pitchFamily="34" charset="0"/>
-            </a:endParaRPr>
-          </a:p>
-          <a:p>
-            <a:pPr marL="285750" indent="-285750">
-              <a:buFont typeface="Wingdings" panose="05000000000000000000" pitchFamily="2" charset="2"/>
-              <a:buChar char="§"/>
-            </a:pPr>
-            <a:r>
-              <a:rPr lang="en-US" sz="2000" dirty="0">
-                <a:solidFill>
-                  <a:srgbClr val="171C2F"/>
-                </a:solidFill>
-                <a:latin typeface="Arial" panose="020B0604020202020204" pitchFamily="34" charset="0"/>
-                <a:cs typeface="Arial" panose="020B0604020202020204" pitchFamily="34" charset="0"/>
-              </a:rPr>
-              <a:t>In Unit 4, the so called ‘structural description’ is just a generalization of the concurrent description. </a:t>
-            </a:r>
-          </a:p>
-          <a:p>
-            <a:pPr marL="285750" indent="-285750">
-              <a:buFont typeface="Wingdings" panose="05000000000000000000" pitchFamily="2" charset="2"/>
-              <a:buChar char="§"/>
-            </a:pPr>
-            <a:r>
-              <a:rPr lang="en-US" sz="2000" dirty="0">
-                <a:solidFill>
-                  <a:srgbClr val="171C2F"/>
-                </a:solidFill>
-                <a:latin typeface="Arial" panose="020B0604020202020204" pitchFamily="34" charset="0"/>
-                <a:cs typeface="Arial" panose="020B0604020202020204" pitchFamily="34" charset="0"/>
-              </a:rPr>
-              <a:t>Since we already know how to build circuits based on logic gates, we now present two concurrent assignment statements ( </a:t>
-            </a:r>
-            <a:r>
-              <a:rPr lang="en-US" sz="2000" dirty="0">
-                <a:solidFill>
-                  <a:srgbClr val="171C2F"/>
-                </a:solidFill>
-                <a:highlight>
-                  <a:srgbClr val="00FF00"/>
-                </a:highlight>
-                <a:latin typeface="Courier New" panose="02070309020205020404" pitchFamily="49" charset="0"/>
-                <a:cs typeface="Courier New" panose="02070309020205020404" pitchFamily="49" charset="0"/>
-              </a:rPr>
-              <a:t>with select, when else </a:t>
-            </a:r>
-            <a:r>
-              <a:rPr lang="en-US" sz="2000" dirty="0">
-                <a:solidFill>
-                  <a:srgbClr val="171C2F"/>
-                </a:solidFill>
-                <a:latin typeface="Arial" panose="020B0604020202020204" pitchFamily="34" charset="0"/>
-                <a:cs typeface="Arial" panose="020B0604020202020204" pitchFamily="34" charset="0"/>
-              </a:rPr>
-              <a:t>), which are far more powerful than the statements with logic gates when it comes to describe complex circuits.</a:t>
-            </a:r>
-          </a:p>
-        </p:txBody>
-      </p:sp>
-    </p:spTree>
-    <p:extLst>
-      <p:ext uri="{BB962C8B-B14F-4D97-AF65-F5344CB8AC3E}">
-        <p14:creationId xmlns:p14="http://schemas.microsoft.com/office/powerpoint/2010/main" val="1766038263"/>
-      </p:ext>
-    </p:extLst>
-  </p:cSld>
-  <p:clrMapOvr>
-    <a:masterClrMapping/>
-  </p:clrMapOvr>
-</p:sld>
-</file>
-
-<file path=ppt/slides/slide12.xml><?xml version="1.0" encoding="utf-8"?>
-<p:sld xmlns:a="http://schemas.openxmlformats.org/drawingml/2006/main" xmlns:r="http://schemas.openxmlformats.org/officeDocument/2006/relationships" xmlns:p="http://schemas.openxmlformats.org/presentationml/2006/main">
-  <p:cSld>
-    <p:spTree>
-      <p:nvGrpSpPr>
-        <p:cNvPr id="1" name=""/>
-        <p:cNvGrpSpPr/>
-        <p:nvPr/>
-      </p:nvGrpSpPr>
-      <p:grpSpPr>
-        <a:xfrm>
-          <a:off x="0" y="0"/>
-          <a:ext cx="0" cy="0"/>
-          <a:chOff x="0" y="0"/>
-          <a:chExt cx="0" cy="0"/>
-        </a:xfrm>
-      </p:grpSpPr>
-      <p:sp>
-        <p:nvSpPr>
-          <p:cNvPr id="4" name="Rectangle 3">
-            <a:extLst>
-              <a:ext uri="{FF2B5EF4-FFF2-40B4-BE49-F238E27FC236}">
-                <a16:creationId xmlns:a16="http://schemas.microsoft.com/office/drawing/2014/main" id="{7CB94DAC-7193-402A-8EEC-0275470A2AA8}"/>
-              </a:ext>
-            </a:extLst>
-          </p:cNvPr>
-          <p:cNvSpPr/>
-          <p:nvPr/>
-        </p:nvSpPr>
-        <p:spPr>
-          <a:xfrm>
-            <a:off x="0" y="-2"/>
-            <a:ext cx="12192000" cy="923330"/>
-          </a:xfrm>
-          <a:prstGeom prst="rect">
-            <a:avLst/>
-          </a:prstGeom>
-          <a:solidFill>
-            <a:srgbClr val="171D2D"/>
-          </a:solidFill>
-          <a:ln>
-            <a:noFill/>
-          </a:ln>
-        </p:spPr>
-        <p:style>
-          <a:lnRef idx="2">
-            <a:schemeClr val="accent1">
-              <a:shade val="50000"/>
-            </a:schemeClr>
-          </a:lnRef>
-          <a:fillRef idx="1">
-            <a:schemeClr val="accent1"/>
-          </a:fillRef>
-          <a:effectRef idx="0">
-            <a:schemeClr val="accent1"/>
-          </a:effectRef>
-          <a:fontRef idx="minor">
-            <a:schemeClr val="lt1"/>
-          </a:fontRef>
-        </p:style>
-        <p:txBody>
-          <a:bodyPr rtlCol="0" anchor="ctr"/>
-          <a:lstStyle/>
-          <a:p>
-            <a:pPr algn="ctr"/>
-            <a:endParaRPr lang="en-US"/>
-          </a:p>
-        </p:txBody>
-      </p:sp>
-      <p:sp>
-        <p:nvSpPr>
-          <p:cNvPr id="14" name="TextBox 13">
-            <a:extLst>
-              <a:ext uri="{FF2B5EF4-FFF2-40B4-BE49-F238E27FC236}">
-                <a16:creationId xmlns:a16="http://schemas.microsoft.com/office/drawing/2014/main" id="{DA3B01C4-1AD2-4960-9753-B6179C011EBA}"/>
-              </a:ext>
-            </a:extLst>
-          </p:cNvPr>
-          <p:cNvSpPr txBox="1"/>
-          <p:nvPr/>
-        </p:nvSpPr>
-        <p:spPr>
-          <a:xfrm>
-            <a:off x="974844" y="123122"/>
-            <a:ext cx="5022167" cy="707886"/>
-          </a:xfrm>
-          <a:prstGeom prst="rect">
-            <a:avLst/>
-          </a:prstGeom>
-          <a:noFill/>
-          <a:effectLst>
-            <a:glow rad="63500">
-              <a:schemeClr val="accent5">
-                <a:satMod val="175000"/>
-                <a:alpha val="40000"/>
-              </a:schemeClr>
-            </a:glow>
-          </a:effectLst>
-        </p:spPr>
-        <p:txBody>
-          <a:bodyPr wrap="square" rtlCol="0">
-            <a:spAutoFit/>
-          </a:bodyPr>
-          <a:lstStyle/>
-          <a:p>
-            <a:r>
-              <a:rPr lang="en-US" sz="4000" dirty="0">
-                <a:solidFill>
-                  <a:srgbClr val="92979B"/>
-                </a:solidFill>
-                <a:latin typeface="Bahnschrift Light Condensed" panose="020B0502040204020203" pitchFamily="34" charset="0"/>
-              </a:rPr>
-              <a:t>VHDL For FPGA</a:t>
-            </a:r>
-          </a:p>
-        </p:txBody>
-      </p:sp>
-      <p:sp>
-        <p:nvSpPr>
-          <p:cNvPr id="15" name="TextBox 14">
-            <a:extLst>
-              <a:ext uri="{FF2B5EF4-FFF2-40B4-BE49-F238E27FC236}">
-                <a16:creationId xmlns:a16="http://schemas.microsoft.com/office/drawing/2014/main" id="{193D71E9-5D38-4315-9435-07EF7717787D}"/>
-              </a:ext>
-            </a:extLst>
-          </p:cNvPr>
-          <p:cNvSpPr txBox="1"/>
-          <p:nvPr/>
-        </p:nvSpPr>
-        <p:spPr>
-          <a:xfrm>
-            <a:off x="661182" y="1043757"/>
-            <a:ext cx="5022167" cy="584775"/>
-          </a:xfrm>
-          <a:prstGeom prst="rect">
-            <a:avLst/>
-          </a:prstGeom>
-          <a:noFill/>
-        </p:spPr>
-        <p:txBody>
-          <a:bodyPr wrap="square" rtlCol="0">
-            <a:spAutoFit/>
-          </a:bodyPr>
-          <a:lstStyle/>
-          <a:p>
-            <a:r>
-              <a:rPr lang="en-US" sz="3200" dirty="0">
-                <a:solidFill>
-                  <a:srgbClr val="C00000"/>
-                </a:solidFill>
-                <a:latin typeface="Bahnschrift Light Condensed" panose="020B0502040204020203" pitchFamily="34" charset="0"/>
-              </a:rPr>
-              <a:t>MUX 8-to-1:</a:t>
-            </a:r>
-          </a:p>
-        </p:txBody>
-      </p:sp>
-      <p:sp>
-        <p:nvSpPr>
-          <p:cNvPr id="8" name="TextBox 7">
-            <a:extLst>
-              <a:ext uri="{FF2B5EF4-FFF2-40B4-BE49-F238E27FC236}">
-                <a16:creationId xmlns:a16="http://schemas.microsoft.com/office/drawing/2014/main" id="{D6F4B2D2-E70A-4EE9-9FA4-C8E0402EB868}"/>
-              </a:ext>
-            </a:extLst>
-          </p:cNvPr>
-          <p:cNvSpPr txBox="1"/>
-          <p:nvPr/>
-        </p:nvSpPr>
-        <p:spPr>
-          <a:xfrm>
-            <a:off x="3767026" y="1428477"/>
-            <a:ext cx="6966624" cy="707886"/>
-          </a:xfrm>
-          <a:prstGeom prst="rect">
-            <a:avLst/>
-          </a:prstGeom>
-          <a:noFill/>
-        </p:spPr>
-        <p:txBody>
-          <a:bodyPr wrap="square">
-            <a:spAutoFit/>
-          </a:bodyPr>
-          <a:lstStyle/>
-          <a:p>
-            <a:pPr marL="285750" indent="-285750">
-              <a:buFont typeface="Wingdings" panose="05000000000000000000" pitchFamily="2" charset="2"/>
-              <a:buChar char="§"/>
-            </a:pPr>
-            <a:r>
-              <a:rPr lang="en-US" sz="2000" dirty="0">
-                <a:solidFill>
-                  <a:srgbClr val="171C2F"/>
-                </a:solidFill>
-                <a:latin typeface="Arial" panose="020B0604020202020204" pitchFamily="34" charset="0"/>
-                <a:cs typeface="Arial" panose="020B0604020202020204" pitchFamily="34" charset="0"/>
-              </a:rPr>
-              <a:t>Selected Signal Assignment (</a:t>
-            </a:r>
-            <a:r>
-              <a:rPr lang="en-US" sz="2000" dirty="0">
-                <a:solidFill>
-                  <a:srgbClr val="171C2F"/>
-                </a:solidFill>
-                <a:highlight>
-                  <a:srgbClr val="00FF00"/>
-                </a:highlight>
-                <a:latin typeface="Courier New" panose="02070309020205020404" pitchFamily="49" charset="0"/>
-                <a:cs typeface="Courier New" panose="02070309020205020404" pitchFamily="49" charset="0"/>
-              </a:rPr>
-              <a:t>WITH – SELECT</a:t>
-            </a:r>
-            <a:r>
-              <a:rPr lang="en-US" sz="2000" dirty="0">
-                <a:solidFill>
-                  <a:srgbClr val="171C2F"/>
-                </a:solidFill>
-                <a:latin typeface="Arial" panose="020B0604020202020204" pitchFamily="34" charset="0"/>
-                <a:cs typeface="Arial" panose="020B0604020202020204" pitchFamily="34" charset="0"/>
-              </a:rPr>
-              <a:t>):</a:t>
-            </a:r>
-          </a:p>
-          <a:p>
-            <a:pPr marL="285750" indent="-285750">
-              <a:buFont typeface="Wingdings" panose="05000000000000000000" pitchFamily="2" charset="2"/>
-              <a:buChar char="§"/>
-            </a:pPr>
-            <a:r>
-              <a:rPr lang="en-US" sz="2000" dirty="0">
-                <a:solidFill>
-                  <a:srgbClr val="171C2F"/>
-                </a:solidFill>
-                <a:latin typeface="Arial" panose="020B0604020202020204" pitchFamily="34" charset="0"/>
-                <a:cs typeface="Arial" panose="020B0604020202020204" pitchFamily="34" charset="0"/>
-              </a:rPr>
-              <a:t>Selected Signal Assignment (</a:t>
-            </a:r>
-            <a:r>
-              <a:rPr lang="en-US" sz="2000" dirty="0">
-                <a:solidFill>
-                  <a:srgbClr val="171C2F"/>
-                </a:solidFill>
-                <a:highlight>
-                  <a:srgbClr val="00FF00"/>
-                </a:highlight>
-                <a:latin typeface="Courier New" panose="02070309020205020404" pitchFamily="49" charset="0"/>
-                <a:cs typeface="Courier New" panose="02070309020205020404" pitchFamily="49" charset="0"/>
-              </a:rPr>
-              <a:t>WHEN – ELSE</a:t>
-            </a:r>
-            <a:r>
-              <a:rPr lang="en-US" sz="2000" dirty="0">
-                <a:solidFill>
-                  <a:srgbClr val="171C2F"/>
-                </a:solidFill>
-                <a:latin typeface="Arial" panose="020B0604020202020204" pitchFamily="34" charset="0"/>
-                <a:cs typeface="Arial" panose="020B0604020202020204" pitchFamily="34" charset="0"/>
-              </a:rPr>
-              <a:t>):</a:t>
-            </a:r>
-          </a:p>
-        </p:txBody>
-      </p:sp>
-      <p:pic>
-        <p:nvPicPr>
-          <p:cNvPr id="3" name="Picture 2">
-            <a:extLst>
-              <a:ext uri="{FF2B5EF4-FFF2-40B4-BE49-F238E27FC236}">
-                <a16:creationId xmlns:a16="http://schemas.microsoft.com/office/drawing/2014/main" id="{8EF4205F-4E25-415F-8884-25A54EE70D11}"/>
-              </a:ext>
-            </a:extLst>
-          </p:cNvPr>
-          <p:cNvPicPr>
-            <a:picLocks noChangeAspect="1"/>
-          </p:cNvPicPr>
-          <p:nvPr/>
-        </p:nvPicPr>
-        <p:blipFill>
-          <a:blip r:embed="rId2"/>
-          <a:stretch>
-            <a:fillRect/>
-          </a:stretch>
-        </p:blipFill>
-        <p:spPr>
-          <a:xfrm>
-            <a:off x="1270264" y="1828587"/>
-            <a:ext cx="1585477" cy="3615800"/>
-          </a:xfrm>
-          <a:prstGeom prst="rect">
-            <a:avLst/>
-          </a:prstGeom>
-        </p:spPr>
-      </p:pic>
-      <p:pic>
-        <p:nvPicPr>
-          <p:cNvPr id="6" name="Picture 5">
-            <a:extLst>
-              <a:ext uri="{FF2B5EF4-FFF2-40B4-BE49-F238E27FC236}">
-                <a16:creationId xmlns:a16="http://schemas.microsoft.com/office/drawing/2014/main" id="{CDD5C30A-FE1C-4B27-A74A-876786CD36F4}"/>
-              </a:ext>
-            </a:extLst>
-          </p:cNvPr>
-          <p:cNvPicPr>
-            <a:picLocks noChangeAspect="1"/>
-          </p:cNvPicPr>
-          <p:nvPr/>
-        </p:nvPicPr>
-        <p:blipFill>
-          <a:blip r:embed="rId3"/>
-          <a:stretch>
-            <a:fillRect/>
-          </a:stretch>
-        </p:blipFill>
-        <p:spPr>
-          <a:xfrm>
-            <a:off x="4132015" y="2540480"/>
-            <a:ext cx="2621605" cy="2192014"/>
-          </a:xfrm>
-          <a:prstGeom prst="rect">
-            <a:avLst/>
-          </a:prstGeom>
-        </p:spPr>
-      </p:pic>
-      <p:pic>
-        <p:nvPicPr>
-          <p:cNvPr id="5" name="Picture 4">
-            <a:extLst>
-              <a:ext uri="{FF2B5EF4-FFF2-40B4-BE49-F238E27FC236}">
-                <a16:creationId xmlns:a16="http://schemas.microsoft.com/office/drawing/2014/main" id="{1B5F5478-C621-4D0D-A122-D6D8375D721A}"/>
-              </a:ext>
-            </a:extLst>
-          </p:cNvPr>
-          <p:cNvPicPr>
-            <a:picLocks noChangeAspect="1"/>
-          </p:cNvPicPr>
-          <p:nvPr/>
-        </p:nvPicPr>
-        <p:blipFill>
-          <a:blip r:embed="rId4"/>
-          <a:stretch>
-            <a:fillRect/>
-          </a:stretch>
-        </p:blipFill>
-        <p:spPr>
-          <a:xfrm>
-            <a:off x="7115772" y="2735484"/>
-            <a:ext cx="3617878" cy="1930488"/>
-          </a:xfrm>
-          <a:prstGeom prst="rect">
-            <a:avLst/>
-          </a:prstGeom>
-        </p:spPr>
-      </p:pic>
-    </p:spTree>
-    <p:extLst>
-      <p:ext uri="{BB962C8B-B14F-4D97-AF65-F5344CB8AC3E}">
-        <p14:creationId xmlns:p14="http://schemas.microsoft.com/office/powerpoint/2010/main" val="3174361014"/>
-      </p:ext>
-    </p:extLst>
-  </p:cSld>
-  <p:clrMapOvr>
-    <a:masterClrMapping/>
-  </p:clrMapOvr>
-</p:sld>
-</file>
-
-<file path=ppt/slides/slide13.xml><?xml version="1.0" encoding="utf-8"?>
-<p:sld xmlns:a="http://schemas.openxmlformats.org/drawingml/2006/main" xmlns:r="http://schemas.openxmlformats.org/officeDocument/2006/relationships" xmlns:p="http://schemas.openxmlformats.org/presentationml/2006/main">
-  <p:cSld>
-    <p:spTree>
-      <p:nvGrpSpPr>
-        <p:cNvPr id="1" name=""/>
-        <p:cNvGrpSpPr/>
-        <p:nvPr/>
-      </p:nvGrpSpPr>
-      <p:grpSpPr>
-        <a:xfrm>
-          <a:off x="0" y="0"/>
-          <a:ext cx="0" cy="0"/>
-          <a:chOff x="0" y="0"/>
-          <a:chExt cx="0" cy="0"/>
-        </a:xfrm>
-      </p:grpSpPr>
-      <p:sp>
-        <p:nvSpPr>
-          <p:cNvPr id="4" name="Rectangle 3">
-            <a:extLst>
-              <a:ext uri="{FF2B5EF4-FFF2-40B4-BE49-F238E27FC236}">
-                <a16:creationId xmlns:a16="http://schemas.microsoft.com/office/drawing/2014/main" id="{7CB94DAC-7193-402A-8EEC-0275470A2AA8}"/>
-              </a:ext>
-            </a:extLst>
-          </p:cNvPr>
-          <p:cNvSpPr/>
-          <p:nvPr/>
-        </p:nvSpPr>
-        <p:spPr>
-          <a:xfrm>
-            <a:off x="0" y="-2"/>
-            <a:ext cx="12192000" cy="923330"/>
-          </a:xfrm>
-          <a:prstGeom prst="rect">
-            <a:avLst/>
-          </a:prstGeom>
-          <a:solidFill>
-            <a:srgbClr val="171D2D"/>
-          </a:solidFill>
-          <a:ln>
-            <a:noFill/>
-          </a:ln>
-        </p:spPr>
-        <p:style>
-          <a:lnRef idx="2">
-            <a:schemeClr val="accent1">
-              <a:shade val="50000"/>
-            </a:schemeClr>
-          </a:lnRef>
-          <a:fillRef idx="1">
-            <a:schemeClr val="accent1"/>
-          </a:fillRef>
-          <a:effectRef idx="0">
-            <a:schemeClr val="accent1"/>
-          </a:effectRef>
-          <a:fontRef idx="minor">
-            <a:schemeClr val="lt1"/>
-          </a:fontRef>
-        </p:style>
-        <p:txBody>
-          <a:bodyPr rtlCol="0" anchor="ctr"/>
-          <a:lstStyle/>
-          <a:p>
-            <a:pPr algn="ctr"/>
-            <a:endParaRPr lang="en-US"/>
-          </a:p>
-        </p:txBody>
-      </p:sp>
-      <p:sp>
-        <p:nvSpPr>
-          <p:cNvPr id="14" name="TextBox 13">
-            <a:extLst>
-              <a:ext uri="{FF2B5EF4-FFF2-40B4-BE49-F238E27FC236}">
-                <a16:creationId xmlns:a16="http://schemas.microsoft.com/office/drawing/2014/main" id="{DA3B01C4-1AD2-4960-9753-B6179C011EBA}"/>
-              </a:ext>
-            </a:extLst>
-          </p:cNvPr>
-          <p:cNvSpPr txBox="1"/>
-          <p:nvPr/>
-        </p:nvSpPr>
-        <p:spPr>
-          <a:xfrm>
-            <a:off x="974844" y="123122"/>
-            <a:ext cx="5022167" cy="707886"/>
-          </a:xfrm>
-          <a:prstGeom prst="rect">
-            <a:avLst/>
-          </a:prstGeom>
-          <a:noFill/>
-          <a:effectLst>
-            <a:glow rad="63500">
-              <a:schemeClr val="accent5">
-                <a:satMod val="175000"/>
-                <a:alpha val="40000"/>
-              </a:schemeClr>
-            </a:glow>
-          </a:effectLst>
-        </p:spPr>
-        <p:txBody>
-          <a:bodyPr wrap="square" rtlCol="0">
-            <a:spAutoFit/>
-          </a:bodyPr>
-          <a:lstStyle/>
-          <a:p>
-            <a:r>
-              <a:rPr lang="en-US" sz="4000" dirty="0">
-                <a:solidFill>
-                  <a:srgbClr val="92979B"/>
-                </a:solidFill>
-                <a:latin typeface="Bahnschrift Light Condensed" panose="020B0502040204020203" pitchFamily="34" charset="0"/>
-              </a:rPr>
-              <a:t>VHDL For FPGA</a:t>
-            </a:r>
-          </a:p>
-        </p:txBody>
-      </p:sp>
-      <p:sp>
-        <p:nvSpPr>
-          <p:cNvPr id="15" name="TextBox 14">
-            <a:extLst>
-              <a:ext uri="{FF2B5EF4-FFF2-40B4-BE49-F238E27FC236}">
-                <a16:creationId xmlns:a16="http://schemas.microsoft.com/office/drawing/2014/main" id="{193D71E9-5D38-4315-9435-07EF7717787D}"/>
-              </a:ext>
-            </a:extLst>
-          </p:cNvPr>
-          <p:cNvSpPr txBox="1"/>
-          <p:nvPr/>
-        </p:nvSpPr>
-        <p:spPr>
-          <a:xfrm>
-            <a:off x="661182" y="1043757"/>
-            <a:ext cx="5022167" cy="584775"/>
-          </a:xfrm>
-          <a:prstGeom prst="rect">
-            <a:avLst/>
-          </a:prstGeom>
-          <a:noFill/>
-        </p:spPr>
-        <p:txBody>
-          <a:bodyPr wrap="square" rtlCol="0">
-            <a:spAutoFit/>
-          </a:bodyPr>
-          <a:lstStyle/>
-          <a:p>
-            <a:r>
-              <a:rPr lang="en-US" sz="3200" dirty="0">
-                <a:solidFill>
-                  <a:srgbClr val="C00000"/>
-                </a:solidFill>
-                <a:latin typeface="Bahnschrift Light Condensed" panose="020B0502040204020203" pitchFamily="34" charset="0"/>
-              </a:rPr>
-              <a:t>MUX 8-to-1:</a:t>
-            </a:r>
-          </a:p>
-        </p:txBody>
-      </p:sp>
-      <p:sp>
-        <p:nvSpPr>
-          <p:cNvPr id="8" name="TextBox 7">
-            <a:extLst>
-              <a:ext uri="{FF2B5EF4-FFF2-40B4-BE49-F238E27FC236}">
-                <a16:creationId xmlns:a16="http://schemas.microsoft.com/office/drawing/2014/main" id="{D6F4B2D2-E70A-4EE9-9FA4-C8E0402EB868}"/>
-              </a:ext>
-            </a:extLst>
-          </p:cNvPr>
-          <p:cNvSpPr txBox="1"/>
-          <p:nvPr/>
-        </p:nvSpPr>
-        <p:spPr>
-          <a:xfrm>
-            <a:off x="3767026" y="1428477"/>
-            <a:ext cx="6966624" cy="707886"/>
-          </a:xfrm>
-          <a:prstGeom prst="rect">
-            <a:avLst/>
-          </a:prstGeom>
-          <a:noFill/>
-        </p:spPr>
-        <p:txBody>
-          <a:bodyPr wrap="square">
-            <a:spAutoFit/>
-          </a:bodyPr>
-          <a:lstStyle/>
-          <a:p>
-            <a:pPr marL="285750" indent="-285750">
-              <a:buFont typeface="Wingdings" panose="05000000000000000000" pitchFamily="2" charset="2"/>
-              <a:buChar char="§"/>
-            </a:pPr>
-            <a:r>
-              <a:rPr lang="en-US" sz="2000" dirty="0">
-                <a:solidFill>
-                  <a:srgbClr val="171C2F"/>
-                </a:solidFill>
-                <a:latin typeface="Arial" panose="020B0604020202020204" pitchFamily="34" charset="0"/>
-                <a:cs typeface="Arial" panose="020B0604020202020204" pitchFamily="34" charset="0"/>
-              </a:rPr>
-              <a:t>Selected Signal Assignment (</a:t>
-            </a:r>
-            <a:r>
-              <a:rPr lang="en-US" sz="2000" dirty="0">
-                <a:solidFill>
-                  <a:srgbClr val="171C2F"/>
-                </a:solidFill>
-                <a:highlight>
-                  <a:srgbClr val="00FF00"/>
-                </a:highlight>
-                <a:latin typeface="Courier New" panose="02070309020205020404" pitchFamily="49" charset="0"/>
-                <a:cs typeface="Courier New" panose="02070309020205020404" pitchFamily="49" charset="0"/>
-              </a:rPr>
-              <a:t>WITH – SELECT</a:t>
-            </a:r>
-            <a:r>
-              <a:rPr lang="en-US" sz="2000" dirty="0">
-                <a:solidFill>
-                  <a:srgbClr val="171C2F"/>
-                </a:solidFill>
-                <a:latin typeface="Arial" panose="020B0604020202020204" pitchFamily="34" charset="0"/>
-                <a:cs typeface="Arial" panose="020B0604020202020204" pitchFamily="34" charset="0"/>
-              </a:rPr>
-              <a:t>):</a:t>
-            </a:r>
-          </a:p>
-          <a:p>
-            <a:pPr marL="285750" indent="-285750">
-              <a:buFont typeface="Wingdings" panose="05000000000000000000" pitchFamily="2" charset="2"/>
-              <a:buChar char="§"/>
-            </a:pPr>
-            <a:r>
-              <a:rPr lang="en-US" sz="2000" dirty="0">
-                <a:solidFill>
-                  <a:srgbClr val="171C2F"/>
-                </a:solidFill>
-                <a:latin typeface="Arial" panose="020B0604020202020204" pitchFamily="34" charset="0"/>
-                <a:cs typeface="Arial" panose="020B0604020202020204" pitchFamily="34" charset="0"/>
-              </a:rPr>
-              <a:t>Selected Signal Assignment (</a:t>
-            </a:r>
-            <a:r>
-              <a:rPr lang="en-US" sz="2000" dirty="0">
-                <a:solidFill>
-                  <a:srgbClr val="171C2F"/>
-                </a:solidFill>
-                <a:highlight>
-                  <a:srgbClr val="00FF00"/>
-                </a:highlight>
-                <a:latin typeface="Courier New" panose="02070309020205020404" pitchFamily="49" charset="0"/>
-                <a:cs typeface="Courier New" panose="02070309020205020404" pitchFamily="49" charset="0"/>
-              </a:rPr>
-              <a:t>WHEN – ELSE</a:t>
-            </a:r>
-            <a:r>
-              <a:rPr lang="en-US" sz="2000" dirty="0">
-                <a:solidFill>
-                  <a:srgbClr val="171C2F"/>
-                </a:solidFill>
-                <a:latin typeface="Arial" panose="020B0604020202020204" pitchFamily="34" charset="0"/>
-                <a:cs typeface="Arial" panose="020B0604020202020204" pitchFamily="34" charset="0"/>
-              </a:rPr>
-              <a:t>):</a:t>
-            </a:r>
-          </a:p>
-        </p:txBody>
-      </p:sp>
-      <p:pic>
-        <p:nvPicPr>
-          <p:cNvPr id="3" name="Picture 2">
-            <a:extLst>
-              <a:ext uri="{FF2B5EF4-FFF2-40B4-BE49-F238E27FC236}">
-                <a16:creationId xmlns:a16="http://schemas.microsoft.com/office/drawing/2014/main" id="{8EF4205F-4E25-415F-8884-25A54EE70D11}"/>
-              </a:ext>
-            </a:extLst>
-          </p:cNvPr>
-          <p:cNvPicPr>
-            <a:picLocks noChangeAspect="1"/>
-          </p:cNvPicPr>
-          <p:nvPr/>
-        </p:nvPicPr>
-        <p:blipFill>
-          <a:blip r:embed="rId2"/>
-          <a:stretch>
-            <a:fillRect/>
-          </a:stretch>
-        </p:blipFill>
-        <p:spPr>
-          <a:xfrm>
-            <a:off x="1270264" y="1828587"/>
-            <a:ext cx="1585477" cy="3615800"/>
-          </a:xfrm>
-          <a:prstGeom prst="rect">
-            <a:avLst/>
-          </a:prstGeom>
-        </p:spPr>
-      </p:pic>
-      <p:pic>
-        <p:nvPicPr>
-          <p:cNvPr id="6" name="Picture 5">
-            <a:extLst>
-              <a:ext uri="{FF2B5EF4-FFF2-40B4-BE49-F238E27FC236}">
-                <a16:creationId xmlns:a16="http://schemas.microsoft.com/office/drawing/2014/main" id="{CDD5C30A-FE1C-4B27-A74A-876786CD36F4}"/>
-              </a:ext>
-            </a:extLst>
-          </p:cNvPr>
-          <p:cNvPicPr>
-            <a:picLocks noChangeAspect="1"/>
-          </p:cNvPicPr>
-          <p:nvPr/>
-        </p:nvPicPr>
-        <p:blipFill>
-          <a:blip r:embed="rId3"/>
-          <a:stretch>
-            <a:fillRect/>
-          </a:stretch>
-        </p:blipFill>
-        <p:spPr>
-          <a:xfrm>
-            <a:off x="4132015" y="2540480"/>
-            <a:ext cx="2621605" cy="2192014"/>
-          </a:xfrm>
-          <a:prstGeom prst="rect">
-            <a:avLst/>
-          </a:prstGeom>
-        </p:spPr>
-      </p:pic>
-    </p:spTree>
-    <p:extLst>
-      <p:ext uri="{BB962C8B-B14F-4D97-AF65-F5344CB8AC3E}">
-        <p14:creationId xmlns:p14="http://schemas.microsoft.com/office/powerpoint/2010/main" val="2388254141"/>
-      </p:ext>
-    </p:extLst>
-  </p:cSld>
-  <p:clrMapOvr>
-    <a:masterClrMapping/>
-  </p:clrMapOvr>
-</p:sld>
-</file>
-
-<file path=ppt/slides/slide14.xml><?xml version="1.0" encoding="utf-8"?>
-<p:sld xmlns:a="http://schemas.openxmlformats.org/drawingml/2006/main" xmlns:r="http://schemas.openxmlformats.org/officeDocument/2006/relationships" xmlns:p="http://schemas.openxmlformats.org/presentationml/2006/main">
-  <p:cSld>
-    <p:spTree>
-      <p:nvGrpSpPr>
-        <p:cNvPr id="1" name=""/>
-        <p:cNvGrpSpPr/>
-        <p:nvPr/>
-      </p:nvGrpSpPr>
-      <p:grpSpPr>
-        <a:xfrm>
-          <a:off x="0" y="0"/>
-          <a:ext cx="0" cy="0"/>
-          <a:chOff x="0" y="0"/>
-          <a:chExt cx="0" cy="0"/>
-        </a:xfrm>
-      </p:grpSpPr>
-      <p:sp>
-        <p:nvSpPr>
-          <p:cNvPr id="4" name="Rectangle 3">
-            <a:extLst>
-              <a:ext uri="{FF2B5EF4-FFF2-40B4-BE49-F238E27FC236}">
-                <a16:creationId xmlns:a16="http://schemas.microsoft.com/office/drawing/2014/main" id="{7CB94DAC-7193-402A-8EEC-0275470A2AA8}"/>
-              </a:ext>
-            </a:extLst>
-          </p:cNvPr>
-          <p:cNvSpPr/>
-          <p:nvPr/>
-        </p:nvSpPr>
-        <p:spPr>
-          <a:xfrm>
-            <a:off x="0" y="-2"/>
-            <a:ext cx="12192000" cy="923330"/>
-          </a:xfrm>
-          <a:prstGeom prst="rect">
-            <a:avLst/>
-          </a:prstGeom>
-          <a:solidFill>
-            <a:srgbClr val="171D2D"/>
-          </a:solidFill>
-          <a:ln>
-            <a:noFill/>
-          </a:ln>
-        </p:spPr>
-        <p:style>
-          <a:lnRef idx="2">
-            <a:schemeClr val="accent1">
-              <a:shade val="50000"/>
-            </a:schemeClr>
-          </a:lnRef>
-          <a:fillRef idx="1">
-            <a:schemeClr val="accent1"/>
-          </a:fillRef>
-          <a:effectRef idx="0">
-            <a:schemeClr val="accent1"/>
-          </a:effectRef>
-          <a:fontRef idx="minor">
-            <a:schemeClr val="lt1"/>
-          </a:fontRef>
-        </p:style>
-        <p:txBody>
-          <a:bodyPr rtlCol="0" anchor="ctr"/>
-          <a:lstStyle/>
-          <a:p>
-            <a:pPr algn="ctr"/>
-            <a:endParaRPr lang="en-US"/>
-          </a:p>
-        </p:txBody>
-      </p:sp>
-      <p:sp>
-        <p:nvSpPr>
-          <p:cNvPr id="14" name="TextBox 13">
-            <a:extLst>
-              <a:ext uri="{FF2B5EF4-FFF2-40B4-BE49-F238E27FC236}">
-                <a16:creationId xmlns:a16="http://schemas.microsoft.com/office/drawing/2014/main" id="{DA3B01C4-1AD2-4960-9753-B6179C011EBA}"/>
-              </a:ext>
-            </a:extLst>
-          </p:cNvPr>
-          <p:cNvSpPr txBox="1"/>
-          <p:nvPr/>
-        </p:nvSpPr>
-        <p:spPr>
-          <a:xfrm>
-            <a:off x="974844" y="123122"/>
-            <a:ext cx="5022167" cy="707886"/>
-          </a:xfrm>
-          <a:prstGeom prst="rect">
-            <a:avLst/>
-          </a:prstGeom>
-          <a:noFill/>
-          <a:effectLst>
-            <a:glow rad="63500">
-              <a:schemeClr val="accent5">
-                <a:satMod val="175000"/>
-                <a:alpha val="40000"/>
-              </a:schemeClr>
-            </a:glow>
-          </a:effectLst>
-        </p:spPr>
-        <p:txBody>
-          <a:bodyPr wrap="square" rtlCol="0">
-            <a:spAutoFit/>
-          </a:bodyPr>
-          <a:lstStyle/>
-          <a:p>
-            <a:r>
-              <a:rPr lang="en-US" sz="4000" dirty="0">
-                <a:solidFill>
-                  <a:srgbClr val="92979B"/>
-                </a:solidFill>
-                <a:latin typeface="Bahnschrift Light Condensed" panose="020B0502040204020203" pitchFamily="34" charset="0"/>
-              </a:rPr>
-              <a:t>VHDL For FPGA</a:t>
-            </a:r>
-          </a:p>
-        </p:txBody>
-      </p:sp>
-      <p:sp>
-        <p:nvSpPr>
-          <p:cNvPr id="15" name="TextBox 14">
-            <a:extLst>
-              <a:ext uri="{FF2B5EF4-FFF2-40B4-BE49-F238E27FC236}">
-                <a16:creationId xmlns:a16="http://schemas.microsoft.com/office/drawing/2014/main" id="{193D71E9-5D38-4315-9435-07EF7717787D}"/>
-              </a:ext>
-            </a:extLst>
-          </p:cNvPr>
-          <p:cNvSpPr txBox="1"/>
-          <p:nvPr/>
-        </p:nvSpPr>
-        <p:spPr>
-          <a:xfrm>
-            <a:off x="661182" y="1043757"/>
-            <a:ext cx="5022167" cy="584775"/>
-          </a:xfrm>
-          <a:prstGeom prst="rect">
-            <a:avLst/>
-          </a:prstGeom>
-          <a:noFill/>
-        </p:spPr>
-        <p:txBody>
-          <a:bodyPr wrap="square" rtlCol="0">
-            <a:spAutoFit/>
-          </a:bodyPr>
-          <a:lstStyle/>
-          <a:p>
-            <a:r>
-              <a:rPr lang="en-US" sz="3200" dirty="0">
-                <a:solidFill>
-                  <a:srgbClr val="C00000"/>
-                </a:solidFill>
-                <a:latin typeface="Bahnschrift Light Condensed" panose="020B0502040204020203" pitchFamily="34" charset="0"/>
-              </a:rPr>
-              <a:t>4-to-1 LUT:</a:t>
-            </a:r>
-          </a:p>
-        </p:txBody>
-      </p:sp>
-      <p:sp>
-        <p:nvSpPr>
-          <p:cNvPr id="8" name="TextBox 7">
-            <a:extLst>
-              <a:ext uri="{FF2B5EF4-FFF2-40B4-BE49-F238E27FC236}">
-                <a16:creationId xmlns:a16="http://schemas.microsoft.com/office/drawing/2014/main" id="{D6F4B2D2-E70A-4EE9-9FA4-C8E0402EB868}"/>
-              </a:ext>
-            </a:extLst>
-          </p:cNvPr>
-          <p:cNvSpPr txBox="1"/>
-          <p:nvPr/>
-        </p:nvSpPr>
-        <p:spPr>
-          <a:xfrm>
-            <a:off x="3767026" y="1428477"/>
-            <a:ext cx="6966624" cy="707886"/>
-          </a:xfrm>
-          <a:prstGeom prst="rect">
-            <a:avLst/>
-          </a:prstGeom>
-          <a:noFill/>
-        </p:spPr>
-        <p:txBody>
-          <a:bodyPr wrap="square">
-            <a:spAutoFit/>
-          </a:bodyPr>
-          <a:lstStyle/>
-          <a:p>
-            <a:pPr marL="285750" indent="-285750">
-              <a:buFont typeface="Wingdings" panose="05000000000000000000" pitchFamily="2" charset="2"/>
-              <a:buChar char="§"/>
-            </a:pPr>
-            <a:r>
-              <a:rPr lang="en-US" sz="2000" dirty="0">
-                <a:solidFill>
-                  <a:srgbClr val="171C2F"/>
-                </a:solidFill>
-                <a:latin typeface="Arial" panose="020B0604020202020204" pitchFamily="34" charset="0"/>
-                <a:cs typeface="Arial" panose="020B0604020202020204" pitchFamily="34" charset="0"/>
-              </a:rPr>
-              <a:t>Selected Signal Assignment (</a:t>
-            </a:r>
-            <a:r>
-              <a:rPr lang="en-US" sz="2000" dirty="0">
-                <a:solidFill>
-                  <a:srgbClr val="171C2F"/>
-                </a:solidFill>
-                <a:highlight>
-                  <a:srgbClr val="00FF00"/>
-                </a:highlight>
-                <a:latin typeface="Courier New" panose="02070309020205020404" pitchFamily="49" charset="0"/>
-                <a:cs typeface="Courier New" panose="02070309020205020404" pitchFamily="49" charset="0"/>
-              </a:rPr>
-              <a:t>WITH – SELECT</a:t>
-            </a:r>
-            <a:r>
-              <a:rPr lang="en-US" sz="2000" dirty="0">
-                <a:solidFill>
-                  <a:srgbClr val="171C2F"/>
-                </a:solidFill>
-                <a:latin typeface="Arial" panose="020B0604020202020204" pitchFamily="34" charset="0"/>
-                <a:cs typeface="Arial" panose="020B0604020202020204" pitchFamily="34" charset="0"/>
-              </a:rPr>
-              <a:t>):</a:t>
-            </a:r>
-          </a:p>
-          <a:p>
-            <a:pPr marL="285750" indent="-285750">
-              <a:buFont typeface="Wingdings" panose="05000000000000000000" pitchFamily="2" charset="2"/>
-              <a:buChar char="§"/>
-            </a:pPr>
-            <a:r>
-              <a:rPr lang="en-US" sz="2000" dirty="0">
-                <a:solidFill>
-                  <a:srgbClr val="171C2F"/>
-                </a:solidFill>
-                <a:latin typeface="Arial" panose="020B0604020202020204" pitchFamily="34" charset="0"/>
-                <a:cs typeface="Arial" panose="020B0604020202020204" pitchFamily="34" charset="0"/>
-              </a:rPr>
-              <a:t>Selected Signal Assignment (</a:t>
-            </a:r>
-            <a:r>
-              <a:rPr lang="en-US" sz="2000" dirty="0">
-                <a:solidFill>
-                  <a:srgbClr val="171C2F"/>
-                </a:solidFill>
-                <a:highlight>
-                  <a:srgbClr val="00FF00"/>
-                </a:highlight>
-                <a:latin typeface="Courier New" panose="02070309020205020404" pitchFamily="49" charset="0"/>
-                <a:cs typeface="Courier New" panose="02070309020205020404" pitchFamily="49" charset="0"/>
-              </a:rPr>
-              <a:t>WHEN – ELSE</a:t>
-            </a:r>
-            <a:r>
-              <a:rPr lang="en-US" sz="2000" dirty="0">
-                <a:solidFill>
-                  <a:srgbClr val="171C2F"/>
-                </a:solidFill>
-                <a:latin typeface="Arial" panose="020B0604020202020204" pitchFamily="34" charset="0"/>
-                <a:cs typeface="Arial" panose="020B0604020202020204" pitchFamily="34" charset="0"/>
-              </a:rPr>
-              <a:t>):</a:t>
-            </a:r>
-          </a:p>
-        </p:txBody>
-      </p:sp>
-      <p:pic>
-        <p:nvPicPr>
-          <p:cNvPr id="5" name="Picture 4">
-            <a:extLst>
-              <a:ext uri="{FF2B5EF4-FFF2-40B4-BE49-F238E27FC236}">
-                <a16:creationId xmlns:a16="http://schemas.microsoft.com/office/drawing/2014/main" id="{599A16AD-1783-4AF5-A70C-AD275D374124}"/>
-              </a:ext>
-            </a:extLst>
-          </p:cNvPr>
-          <p:cNvPicPr>
-            <a:picLocks noChangeAspect="1"/>
-          </p:cNvPicPr>
-          <p:nvPr/>
-        </p:nvPicPr>
-        <p:blipFill>
-          <a:blip r:embed="rId2"/>
-          <a:stretch>
-            <a:fillRect/>
-          </a:stretch>
-        </p:blipFill>
-        <p:spPr>
-          <a:xfrm>
-            <a:off x="779184" y="1782420"/>
-            <a:ext cx="2393081" cy="4141871"/>
-          </a:xfrm>
-          <a:prstGeom prst="rect">
-            <a:avLst/>
-          </a:prstGeom>
-        </p:spPr>
-      </p:pic>
-      <p:pic>
-        <p:nvPicPr>
-          <p:cNvPr id="9" name="Picture 8">
-            <a:extLst>
-              <a:ext uri="{FF2B5EF4-FFF2-40B4-BE49-F238E27FC236}">
-                <a16:creationId xmlns:a16="http://schemas.microsoft.com/office/drawing/2014/main" id="{197524DF-041A-4702-888E-C218E3639BC0}"/>
-              </a:ext>
-            </a:extLst>
-          </p:cNvPr>
-          <p:cNvPicPr>
-            <a:picLocks noChangeAspect="1"/>
-          </p:cNvPicPr>
-          <p:nvPr/>
-        </p:nvPicPr>
-        <p:blipFill>
-          <a:blip r:embed="rId3"/>
-          <a:stretch>
-            <a:fillRect/>
-          </a:stretch>
-        </p:blipFill>
-        <p:spPr>
-          <a:xfrm>
-            <a:off x="4549763" y="2635568"/>
-            <a:ext cx="3092474" cy="3178675"/>
-          </a:xfrm>
-          <a:prstGeom prst="rect">
-            <a:avLst/>
-          </a:prstGeom>
-        </p:spPr>
-      </p:pic>
-    </p:spTree>
-    <p:extLst>
-      <p:ext uri="{BB962C8B-B14F-4D97-AF65-F5344CB8AC3E}">
-        <p14:creationId xmlns:p14="http://schemas.microsoft.com/office/powerpoint/2010/main" val="779186442"/>
-      </p:ext>
-    </p:extLst>
-  </p:cSld>
-  <p:clrMapOvr>
-    <a:masterClrMapping/>
-  </p:clrMapOvr>
-</p:sld>
-</file>
-
-<file path=ppt/slides/slide15.xml><?xml version="1.0" encoding="utf-8"?>
-<p:sld xmlns:a="http://schemas.openxmlformats.org/drawingml/2006/main" xmlns:r="http://schemas.openxmlformats.org/officeDocument/2006/relationships" xmlns:p="http://schemas.openxmlformats.org/presentationml/2006/main">
-  <p:cSld>
-    <p:spTree>
-      <p:nvGrpSpPr>
-        <p:cNvPr id="1" name=""/>
-        <p:cNvGrpSpPr/>
-        <p:nvPr/>
-      </p:nvGrpSpPr>
-      <p:grpSpPr>
-        <a:xfrm>
-          <a:off x="0" y="0"/>
-          <a:ext cx="0" cy="0"/>
-          <a:chOff x="0" y="0"/>
-          <a:chExt cx="0" cy="0"/>
-        </a:xfrm>
-      </p:grpSpPr>
-      <p:sp>
-        <p:nvSpPr>
-          <p:cNvPr id="4" name="Rectangle 3">
-            <a:extLst>
-              <a:ext uri="{FF2B5EF4-FFF2-40B4-BE49-F238E27FC236}">
-                <a16:creationId xmlns:a16="http://schemas.microsoft.com/office/drawing/2014/main" id="{7CB94DAC-7193-402A-8EEC-0275470A2AA8}"/>
-              </a:ext>
-            </a:extLst>
-          </p:cNvPr>
-          <p:cNvSpPr/>
-          <p:nvPr/>
-        </p:nvSpPr>
-        <p:spPr>
-          <a:xfrm>
-            <a:off x="0" y="-2"/>
-            <a:ext cx="12192000" cy="923330"/>
-          </a:xfrm>
-          <a:prstGeom prst="rect">
-            <a:avLst/>
-          </a:prstGeom>
-          <a:solidFill>
-            <a:srgbClr val="171D2D"/>
-          </a:solidFill>
-          <a:ln>
-            <a:noFill/>
-          </a:ln>
-        </p:spPr>
-        <p:style>
-          <a:lnRef idx="2">
-            <a:schemeClr val="accent1">
-              <a:shade val="50000"/>
-            </a:schemeClr>
-          </a:lnRef>
-          <a:fillRef idx="1">
-            <a:schemeClr val="accent1"/>
-          </a:fillRef>
-          <a:effectRef idx="0">
-            <a:schemeClr val="accent1"/>
-          </a:effectRef>
-          <a:fontRef idx="minor">
-            <a:schemeClr val="lt1"/>
-          </a:fontRef>
-        </p:style>
-        <p:txBody>
-          <a:bodyPr rtlCol="0" anchor="ctr"/>
-          <a:lstStyle/>
-          <a:p>
-            <a:pPr algn="ctr"/>
-            <a:endParaRPr lang="en-US"/>
-          </a:p>
-        </p:txBody>
-      </p:sp>
-      <p:sp>
-        <p:nvSpPr>
-          <p:cNvPr id="14" name="TextBox 13">
-            <a:extLst>
-              <a:ext uri="{FF2B5EF4-FFF2-40B4-BE49-F238E27FC236}">
-                <a16:creationId xmlns:a16="http://schemas.microsoft.com/office/drawing/2014/main" id="{DA3B01C4-1AD2-4960-9753-B6179C011EBA}"/>
-              </a:ext>
-            </a:extLst>
-          </p:cNvPr>
-          <p:cNvSpPr txBox="1"/>
-          <p:nvPr/>
-        </p:nvSpPr>
-        <p:spPr>
-          <a:xfrm>
-            <a:off x="974844" y="123122"/>
-            <a:ext cx="5022167" cy="707886"/>
-          </a:xfrm>
-          <a:prstGeom prst="rect">
-            <a:avLst/>
-          </a:prstGeom>
-          <a:noFill/>
-          <a:effectLst>
-            <a:glow rad="63500">
-              <a:schemeClr val="accent5">
-                <a:satMod val="175000"/>
-                <a:alpha val="40000"/>
-              </a:schemeClr>
-            </a:glow>
-          </a:effectLst>
-        </p:spPr>
-        <p:txBody>
-          <a:bodyPr wrap="square" rtlCol="0">
-            <a:spAutoFit/>
-          </a:bodyPr>
-          <a:lstStyle/>
-          <a:p>
-            <a:r>
-              <a:rPr lang="en-US" sz="4000" dirty="0">
-                <a:solidFill>
-                  <a:srgbClr val="92979B"/>
-                </a:solidFill>
-                <a:latin typeface="Bahnschrift Light Condensed" panose="020B0502040204020203" pitchFamily="34" charset="0"/>
-              </a:rPr>
-              <a:t>VHDL For FPGA</a:t>
-            </a:r>
-          </a:p>
-        </p:txBody>
-      </p:sp>
-      <p:sp>
-        <p:nvSpPr>
-          <p:cNvPr id="15" name="TextBox 14">
-            <a:extLst>
-              <a:ext uri="{FF2B5EF4-FFF2-40B4-BE49-F238E27FC236}">
-                <a16:creationId xmlns:a16="http://schemas.microsoft.com/office/drawing/2014/main" id="{193D71E9-5D38-4315-9435-07EF7717787D}"/>
-              </a:ext>
-            </a:extLst>
-          </p:cNvPr>
-          <p:cNvSpPr txBox="1"/>
-          <p:nvPr/>
-        </p:nvSpPr>
-        <p:spPr>
-          <a:xfrm>
-            <a:off x="661182" y="1043757"/>
-            <a:ext cx="6808763" cy="584775"/>
-          </a:xfrm>
-          <a:prstGeom prst="rect">
-            <a:avLst/>
-          </a:prstGeom>
-          <a:noFill/>
-        </p:spPr>
-        <p:txBody>
-          <a:bodyPr wrap="square" rtlCol="0">
-            <a:spAutoFit/>
-          </a:bodyPr>
-          <a:lstStyle/>
-          <a:p>
-            <a:r>
-              <a:rPr lang="en-US" sz="3200" dirty="0">
-                <a:solidFill>
-                  <a:srgbClr val="C00000"/>
-                </a:solidFill>
-                <a:latin typeface="Bahnschrift Light Condensed" panose="020B0502040204020203" pitchFamily="34" charset="0"/>
-              </a:rPr>
-              <a:t>7-segment DECODER (outputs &gt;= inputs)</a:t>
-            </a:r>
-          </a:p>
-        </p:txBody>
-      </p:sp>
-      <p:sp>
-        <p:nvSpPr>
-          <p:cNvPr id="8" name="TextBox 7">
-            <a:extLst>
-              <a:ext uri="{FF2B5EF4-FFF2-40B4-BE49-F238E27FC236}">
-                <a16:creationId xmlns:a16="http://schemas.microsoft.com/office/drawing/2014/main" id="{D6F4B2D2-E70A-4EE9-9FA4-C8E0402EB868}"/>
-              </a:ext>
-            </a:extLst>
-          </p:cNvPr>
-          <p:cNvSpPr txBox="1"/>
-          <p:nvPr/>
-        </p:nvSpPr>
-        <p:spPr>
-          <a:xfrm>
-            <a:off x="4442275" y="1837652"/>
-            <a:ext cx="6966624" cy="707886"/>
-          </a:xfrm>
-          <a:prstGeom prst="rect">
-            <a:avLst/>
-          </a:prstGeom>
-          <a:noFill/>
-        </p:spPr>
-        <p:txBody>
-          <a:bodyPr wrap="square">
-            <a:spAutoFit/>
-          </a:bodyPr>
-          <a:lstStyle/>
-          <a:p>
-            <a:pPr marL="285750" indent="-285750">
-              <a:buFont typeface="Wingdings" panose="05000000000000000000" pitchFamily="2" charset="2"/>
-              <a:buChar char="§"/>
-            </a:pPr>
-            <a:r>
-              <a:rPr lang="en-US" sz="2000" dirty="0">
-                <a:solidFill>
-                  <a:srgbClr val="171C2F"/>
-                </a:solidFill>
-                <a:latin typeface="Arial" panose="020B0604020202020204" pitchFamily="34" charset="0"/>
-                <a:cs typeface="Arial" panose="020B0604020202020204" pitchFamily="34" charset="0"/>
-              </a:rPr>
-              <a:t>Selected Signal Assignment (</a:t>
-            </a:r>
-            <a:r>
-              <a:rPr lang="en-US" sz="2000" dirty="0">
-                <a:solidFill>
-                  <a:srgbClr val="171C2F"/>
-                </a:solidFill>
-                <a:highlight>
-                  <a:srgbClr val="00FF00"/>
-                </a:highlight>
-                <a:latin typeface="Courier New" panose="02070309020205020404" pitchFamily="49" charset="0"/>
-                <a:cs typeface="Courier New" panose="02070309020205020404" pitchFamily="49" charset="0"/>
-              </a:rPr>
-              <a:t>WITH – SELECT</a:t>
-            </a:r>
-            <a:r>
-              <a:rPr lang="en-US" sz="2000" dirty="0">
-                <a:solidFill>
-                  <a:srgbClr val="171C2F"/>
-                </a:solidFill>
-                <a:latin typeface="Arial" panose="020B0604020202020204" pitchFamily="34" charset="0"/>
-                <a:cs typeface="Arial" panose="020B0604020202020204" pitchFamily="34" charset="0"/>
-              </a:rPr>
-              <a:t>):</a:t>
-            </a:r>
-          </a:p>
-          <a:p>
-            <a:pPr marL="285750" indent="-285750">
-              <a:buFont typeface="Wingdings" panose="05000000000000000000" pitchFamily="2" charset="2"/>
-              <a:buChar char="§"/>
-            </a:pPr>
-            <a:r>
-              <a:rPr lang="en-US" sz="2000" dirty="0">
-                <a:solidFill>
-                  <a:srgbClr val="171C2F"/>
-                </a:solidFill>
-                <a:latin typeface="Arial" panose="020B0604020202020204" pitchFamily="34" charset="0"/>
-                <a:cs typeface="Arial" panose="020B0604020202020204" pitchFamily="34" charset="0"/>
-              </a:rPr>
-              <a:t>Selected Signal Assignment (</a:t>
-            </a:r>
-            <a:r>
-              <a:rPr lang="en-US" sz="2000" dirty="0">
-                <a:solidFill>
-                  <a:srgbClr val="171C2F"/>
-                </a:solidFill>
-                <a:highlight>
-                  <a:srgbClr val="00FF00"/>
-                </a:highlight>
-                <a:latin typeface="Courier New" panose="02070309020205020404" pitchFamily="49" charset="0"/>
-                <a:cs typeface="Courier New" panose="02070309020205020404" pitchFamily="49" charset="0"/>
-              </a:rPr>
-              <a:t>WHEN – ELSE</a:t>
-            </a:r>
-            <a:r>
-              <a:rPr lang="en-US" sz="2000" dirty="0">
-                <a:solidFill>
-                  <a:srgbClr val="171C2F"/>
-                </a:solidFill>
-                <a:latin typeface="Arial" panose="020B0604020202020204" pitchFamily="34" charset="0"/>
-                <a:cs typeface="Arial" panose="020B0604020202020204" pitchFamily="34" charset="0"/>
-              </a:rPr>
-              <a:t>):</a:t>
-            </a:r>
-          </a:p>
-        </p:txBody>
-      </p:sp>
-      <p:pic>
-        <p:nvPicPr>
-          <p:cNvPr id="3" name="Picture 2">
-            <a:extLst>
-              <a:ext uri="{FF2B5EF4-FFF2-40B4-BE49-F238E27FC236}">
-                <a16:creationId xmlns:a16="http://schemas.microsoft.com/office/drawing/2014/main" id="{ADB8D1C3-2F5E-4366-AB68-2F840489A7D2}"/>
-              </a:ext>
-            </a:extLst>
-          </p:cNvPr>
-          <p:cNvPicPr>
-            <a:picLocks noChangeAspect="1"/>
-          </p:cNvPicPr>
-          <p:nvPr/>
-        </p:nvPicPr>
-        <p:blipFill>
-          <a:blip r:embed="rId2"/>
-          <a:stretch>
-            <a:fillRect/>
-          </a:stretch>
-        </p:blipFill>
-        <p:spPr>
-          <a:xfrm>
-            <a:off x="661182" y="1833085"/>
-            <a:ext cx="3432516" cy="1955409"/>
-          </a:xfrm>
-          <a:prstGeom prst="rect">
-            <a:avLst/>
-          </a:prstGeom>
-        </p:spPr>
-      </p:pic>
-      <p:pic>
-        <p:nvPicPr>
-          <p:cNvPr id="7" name="Picture 6">
-            <a:extLst>
-              <a:ext uri="{FF2B5EF4-FFF2-40B4-BE49-F238E27FC236}">
-                <a16:creationId xmlns:a16="http://schemas.microsoft.com/office/drawing/2014/main" id="{0F7A9DCE-9113-41C0-BC09-DEEDBB8DD85D}"/>
-              </a:ext>
-            </a:extLst>
-          </p:cNvPr>
-          <p:cNvPicPr>
-            <a:picLocks noChangeAspect="1"/>
-          </p:cNvPicPr>
-          <p:nvPr/>
-        </p:nvPicPr>
-        <p:blipFill>
-          <a:blip r:embed="rId3"/>
-          <a:stretch>
-            <a:fillRect/>
-          </a:stretch>
-        </p:blipFill>
-        <p:spPr>
-          <a:xfrm>
-            <a:off x="4667982" y="3152555"/>
-            <a:ext cx="6246163" cy="552890"/>
-          </a:xfrm>
-          <a:prstGeom prst="rect">
-            <a:avLst/>
-          </a:prstGeom>
-        </p:spPr>
-      </p:pic>
-      <p:pic>
-        <p:nvPicPr>
-          <p:cNvPr id="4098" name="Picture 2" descr="7-segment Display and Driving a 7-segment Display">
-            <a:extLst>
-              <a:ext uri="{FF2B5EF4-FFF2-40B4-BE49-F238E27FC236}">
-                <a16:creationId xmlns:a16="http://schemas.microsoft.com/office/drawing/2014/main" id="{53AF9A26-195B-499B-B1FA-E82AC4EC9722}"/>
-              </a:ext>
-            </a:extLst>
-          </p:cNvPr>
-          <p:cNvPicPr>
-            <a:picLocks noChangeAspect="1" noChangeArrowheads="1"/>
-          </p:cNvPicPr>
-          <p:nvPr/>
-        </p:nvPicPr>
-        <p:blipFill>
-          <a:blip r:embed="rId4">
-            <a:extLst>
-              <a:ext uri="{28A0092B-C50C-407E-A947-70E740481C1C}">
-                <a14:useLocalDpi xmlns:a14="http://schemas.microsoft.com/office/drawing/2010/main" val="0"/>
-              </a:ext>
-            </a:extLst>
-          </a:blip>
-          <a:srcRect/>
-          <a:stretch>
-            <a:fillRect/>
-          </a:stretch>
-        </p:blipFill>
-        <p:spPr bwMode="auto">
-          <a:xfrm>
-            <a:off x="8243666" y="4037269"/>
-            <a:ext cx="2883877" cy="2457022"/>
-          </a:xfrm>
-          <a:prstGeom prst="rect">
-            <a:avLst/>
-          </a:prstGeom>
-          <a:noFill/>
-          <a:extLst>
-            <a:ext uri="{909E8E84-426E-40DD-AFC4-6F175D3DCCD1}">
-              <a14:hiddenFill xmlns:a14="http://schemas.microsoft.com/office/drawing/2010/main">
-                <a:solidFill>
-                  <a:srgbClr val="FFFFFF"/>
-                </a:solidFill>
-              </a14:hiddenFill>
-            </a:ext>
-          </a:extLst>
-        </p:spPr>
-      </p:pic>
-      <p:pic>
-        <p:nvPicPr>
-          <p:cNvPr id="11" name="Picture 10">
-            <a:extLst>
-              <a:ext uri="{FF2B5EF4-FFF2-40B4-BE49-F238E27FC236}">
-                <a16:creationId xmlns:a16="http://schemas.microsoft.com/office/drawing/2014/main" id="{5A194D55-782A-40CE-A4C1-C88B9BC76B4D}"/>
-              </a:ext>
-            </a:extLst>
-          </p:cNvPr>
-          <p:cNvPicPr>
-            <a:picLocks noChangeAspect="1"/>
-          </p:cNvPicPr>
-          <p:nvPr/>
-        </p:nvPicPr>
-        <p:blipFill rotWithShape="1">
-          <a:blip r:embed="rId5"/>
-          <a:srcRect l="4489"/>
-          <a:stretch/>
-        </p:blipFill>
-        <p:spPr>
-          <a:xfrm>
-            <a:off x="4193543" y="4094116"/>
-            <a:ext cx="3597520" cy="2400175"/>
-          </a:xfrm>
-          <a:prstGeom prst="rect">
-            <a:avLst/>
-          </a:prstGeom>
-        </p:spPr>
-      </p:pic>
-    </p:spTree>
-    <p:extLst>
-      <p:ext uri="{BB962C8B-B14F-4D97-AF65-F5344CB8AC3E}">
-        <p14:creationId xmlns:p14="http://schemas.microsoft.com/office/powerpoint/2010/main" val="3599260528"/>
-      </p:ext>
-    </p:extLst>
-  </p:cSld>
-  <p:clrMapOvr>
-    <a:masterClrMapping/>
-  </p:clrMapOvr>
-</p:sld>
-</file>
-
-<file path=ppt/slides/slide16.xml><?xml version="1.0" encoding="utf-8"?>
-<p:sld xmlns:a="http://schemas.openxmlformats.org/drawingml/2006/main" xmlns:r="http://schemas.openxmlformats.org/officeDocument/2006/relationships" xmlns:p="http://schemas.openxmlformats.org/presentationml/2006/main">
-  <p:cSld>
-    <p:spTree>
-      <p:nvGrpSpPr>
-        <p:cNvPr id="1" name=""/>
-        <p:cNvGrpSpPr/>
-        <p:nvPr/>
-      </p:nvGrpSpPr>
-      <p:grpSpPr>
-        <a:xfrm>
-          <a:off x="0" y="0"/>
-          <a:ext cx="0" cy="0"/>
-          <a:chOff x="0" y="0"/>
-          <a:chExt cx="0" cy="0"/>
-        </a:xfrm>
-      </p:grpSpPr>
-      <p:sp>
-        <p:nvSpPr>
-          <p:cNvPr id="4" name="Rectangle 3">
-            <a:extLst>
-              <a:ext uri="{FF2B5EF4-FFF2-40B4-BE49-F238E27FC236}">
-                <a16:creationId xmlns:a16="http://schemas.microsoft.com/office/drawing/2014/main" id="{7CB94DAC-7193-402A-8EEC-0275470A2AA8}"/>
-              </a:ext>
-            </a:extLst>
-          </p:cNvPr>
-          <p:cNvSpPr/>
-          <p:nvPr/>
-        </p:nvSpPr>
-        <p:spPr>
-          <a:xfrm>
-            <a:off x="0" y="-2"/>
-            <a:ext cx="12192000" cy="923330"/>
-          </a:xfrm>
-          <a:prstGeom prst="rect">
-            <a:avLst/>
-          </a:prstGeom>
-          <a:solidFill>
-            <a:srgbClr val="171D2D"/>
-          </a:solidFill>
-          <a:ln>
-            <a:noFill/>
-          </a:ln>
-        </p:spPr>
-        <p:style>
-          <a:lnRef idx="2">
-            <a:schemeClr val="accent1">
-              <a:shade val="50000"/>
-            </a:schemeClr>
-          </a:lnRef>
-          <a:fillRef idx="1">
-            <a:schemeClr val="accent1"/>
-          </a:fillRef>
-          <a:effectRef idx="0">
-            <a:schemeClr val="accent1"/>
-          </a:effectRef>
-          <a:fontRef idx="minor">
-            <a:schemeClr val="lt1"/>
-          </a:fontRef>
-        </p:style>
-        <p:txBody>
-          <a:bodyPr rtlCol="0" anchor="ctr"/>
-          <a:lstStyle/>
-          <a:p>
-            <a:pPr algn="ctr"/>
-            <a:endParaRPr lang="en-US"/>
-          </a:p>
-        </p:txBody>
-      </p:sp>
-      <p:sp>
-        <p:nvSpPr>
-          <p:cNvPr id="14" name="TextBox 13">
-            <a:extLst>
-              <a:ext uri="{FF2B5EF4-FFF2-40B4-BE49-F238E27FC236}">
-                <a16:creationId xmlns:a16="http://schemas.microsoft.com/office/drawing/2014/main" id="{DA3B01C4-1AD2-4960-9753-B6179C011EBA}"/>
-              </a:ext>
-            </a:extLst>
-          </p:cNvPr>
-          <p:cNvSpPr txBox="1"/>
-          <p:nvPr/>
-        </p:nvSpPr>
-        <p:spPr>
-          <a:xfrm>
-            <a:off x="974844" y="123122"/>
-            <a:ext cx="5022167" cy="707886"/>
-          </a:xfrm>
-          <a:prstGeom prst="rect">
-            <a:avLst/>
-          </a:prstGeom>
-          <a:noFill/>
-          <a:effectLst>
-            <a:glow rad="63500">
-              <a:schemeClr val="accent5">
-                <a:satMod val="175000"/>
-                <a:alpha val="40000"/>
-              </a:schemeClr>
-            </a:glow>
-          </a:effectLst>
-        </p:spPr>
-        <p:txBody>
-          <a:bodyPr wrap="square" rtlCol="0">
-            <a:spAutoFit/>
-          </a:bodyPr>
-          <a:lstStyle/>
-          <a:p>
-            <a:r>
-              <a:rPr lang="en-US" sz="4000" dirty="0">
-                <a:solidFill>
-                  <a:srgbClr val="92979B"/>
-                </a:solidFill>
-                <a:latin typeface="Bahnschrift Light Condensed" panose="020B0502040204020203" pitchFamily="34" charset="0"/>
-              </a:rPr>
-              <a:t>VHDL For FPGA</a:t>
-            </a:r>
-          </a:p>
-        </p:txBody>
-      </p:sp>
-      <p:sp>
-        <p:nvSpPr>
-          <p:cNvPr id="15" name="TextBox 14">
-            <a:extLst>
-              <a:ext uri="{FF2B5EF4-FFF2-40B4-BE49-F238E27FC236}">
-                <a16:creationId xmlns:a16="http://schemas.microsoft.com/office/drawing/2014/main" id="{193D71E9-5D38-4315-9435-07EF7717787D}"/>
-              </a:ext>
-            </a:extLst>
-          </p:cNvPr>
-          <p:cNvSpPr txBox="1"/>
-          <p:nvPr/>
-        </p:nvSpPr>
-        <p:spPr>
-          <a:xfrm>
-            <a:off x="661182" y="1043757"/>
-            <a:ext cx="5022167" cy="584775"/>
-          </a:xfrm>
-          <a:prstGeom prst="rect">
-            <a:avLst/>
-          </a:prstGeom>
-          <a:noFill/>
-        </p:spPr>
-        <p:txBody>
-          <a:bodyPr wrap="square" rtlCol="0">
-            <a:spAutoFit/>
-          </a:bodyPr>
-          <a:lstStyle/>
-          <a:p>
-            <a:r>
-              <a:rPr lang="en-US" sz="3200" dirty="0">
-                <a:solidFill>
-                  <a:srgbClr val="C00000"/>
-                </a:solidFill>
-                <a:latin typeface="Bahnschrift Light Condensed" panose="020B0502040204020203" pitchFamily="34" charset="0"/>
-              </a:rPr>
-              <a:t>Decoder 2-to-4 with enable:</a:t>
-            </a:r>
-          </a:p>
-        </p:txBody>
-      </p:sp>
-      <p:pic>
-        <p:nvPicPr>
-          <p:cNvPr id="3" name="Picture 2">
-            <a:extLst>
-              <a:ext uri="{FF2B5EF4-FFF2-40B4-BE49-F238E27FC236}">
-                <a16:creationId xmlns:a16="http://schemas.microsoft.com/office/drawing/2014/main" id="{95BD2ED6-C221-4EF4-BB20-F1FC0B97EC85}"/>
-              </a:ext>
-            </a:extLst>
-          </p:cNvPr>
-          <p:cNvPicPr>
-            <a:picLocks noChangeAspect="1"/>
-          </p:cNvPicPr>
-          <p:nvPr/>
-        </p:nvPicPr>
-        <p:blipFill>
-          <a:blip r:embed="rId2"/>
-          <a:stretch>
-            <a:fillRect/>
-          </a:stretch>
-        </p:blipFill>
-        <p:spPr>
-          <a:xfrm>
-            <a:off x="813066" y="1877856"/>
-            <a:ext cx="2943010" cy="1718001"/>
-          </a:xfrm>
-          <a:prstGeom prst="rect">
-            <a:avLst/>
-          </a:prstGeom>
-        </p:spPr>
-      </p:pic>
-      <p:sp>
-        <p:nvSpPr>
-          <p:cNvPr id="9" name="TextBox 8">
-            <a:extLst>
-              <a:ext uri="{FF2B5EF4-FFF2-40B4-BE49-F238E27FC236}">
-                <a16:creationId xmlns:a16="http://schemas.microsoft.com/office/drawing/2014/main" id="{ED9ED6CC-3A48-4803-A7E0-E1FA367D9D9B}"/>
-              </a:ext>
-            </a:extLst>
-          </p:cNvPr>
-          <p:cNvSpPr txBox="1"/>
-          <p:nvPr/>
-        </p:nvSpPr>
-        <p:spPr>
-          <a:xfrm>
-            <a:off x="4442275" y="1837652"/>
-            <a:ext cx="6966624" cy="707886"/>
-          </a:xfrm>
-          <a:prstGeom prst="rect">
-            <a:avLst/>
-          </a:prstGeom>
-          <a:noFill/>
-        </p:spPr>
-        <p:txBody>
-          <a:bodyPr wrap="square">
-            <a:spAutoFit/>
-          </a:bodyPr>
-          <a:lstStyle/>
-          <a:p>
-            <a:pPr marL="285750" indent="-285750">
-              <a:buFont typeface="Wingdings" panose="05000000000000000000" pitchFamily="2" charset="2"/>
-              <a:buChar char="§"/>
-            </a:pPr>
-            <a:r>
-              <a:rPr lang="en-US" sz="2000" dirty="0">
-                <a:solidFill>
-                  <a:srgbClr val="171C2F"/>
-                </a:solidFill>
-                <a:latin typeface="Arial" panose="020B0604020202020204" pitchFamily="34" charset="0"/>
-                <a:cs typeface="Arial" panose="020B0604020202020204" pitchFamily="34" charset="0"/>
-              </a:rPr>
-              <a:t>Selected Signal Assignment (</a:t>
-            </a:r>
-            <a:r>
-              <a:rPr lang="en-US" sz="2000" dirty="0">
-                <a:solidFill>
-                  <a:srgbClr val="171C2F"/>
-                </a:solidFill>
-                <a:highlight>
-                  <a:srgbClr val="00FF00"/>
-                </a:highlight>
-                <a:latin typeface="Courier New" panose="02070309020205020404" pitchFamily="49" charset="0"/>
-                <a:cs typeface="Courier New" panose="02070309020205020404" pitchFamily="49" charset="0"/>
-              </a:rPr>
-              <a:t>WITH – SELECT</a:t>
-            </a:r>
-            <a:r>
-              <a:rPr lang="en-US" sz="2000" dirty="0">
-                <a:solidFill>
-                  <a:srgbClr val="171C2F"/>
-                </a:solidFill>
-                <a:latin typeface="Arial" panose="020B0604020202020204" pitchFamily="34" charset="0"/>
-                <a:cs typeface="Arial" panose="020B0604020202020204" pitchFamily="34" charset="0"/>
-              </a:rPr>
-              <a:t>):</a:t>
-            </a:r>
-          </a:p>
-          <a:p>
-            <a:pPr marL="285750" indent="-285750">
-              <a:buFont typeface="Wingdings" panose="05000000000000000000" pitchFamily="2" charset="2"/>
-              <a:buChar char="§"/>
-            </a:pPr>
-            <a:r>
-              <a:rPr lang="en-US" sz="2000" dirty="0">
-                <a:solidFill>
-                  <a:srgbClr val="171C2F"/>
-                </a:solidFill>
-                <a:latin typeface="Arial" panose="020B0604020202020204" pitchFamily="34" charset="0"/>
-                <a:cs typeface="Arial" panose="020B0604020202020204" pitchFamily="34" charset="0"/>
-              </a:rPr>
-              <a:t>Selected Signal Assignment (</a:t>
-            </a:r>
-            <a:r>
-              <a:rPr lang="en-US" sz="2000" dirty="0">
-                <a:solidFill>
-                  <a:srgbClr val="171C2F"/>
-                </a:solidFill>
-                <a:highlight>
-                  <a:srgbClr val="00FF00"/>
-                </a:highlight>
-                <a:latin typeface="Courier New" panose="02070309020205020404" pitchFamily="49" charset="0"/>
-                <a:cs typeface="Courier New" panose="02070309020205020404" pitchFamily="49" charset="0"/>
-              </a:rPr>
-              <a:t>WHEN – ELSE</a:t>
-            </a:r>
-            <a:r>
-              <a:rPr lang="en-US" sz="2000" dirty="0">
-                <a:solidFill>
-                  <a:srgbClr val="171C2F"/>
-                </a:solidFill>
-                <a:latin typeface="Arial" panose="020B0604020202020204" pitchFamily="34" charset="0"/>
-                <a:cs typeface="Arial" panose="020B0604020202020204" pitchFamily="34" charset="0"/>
-              </a:rPr>
-              <a:t>):</a:t>
-            </a:r>
-          </a:p>
-        </p:txBody>
-      </p:sp>
-      <p:pic>
-        <p:nvPicPr>
-          <p:cNvPr id="6" name="Picture 5">
-            <a:extLst>
-              <a:ext uri="{FF2B5EF4-FFF2-40B4-BE49-F238E27FC236}">
-                <a16:creationId xmlns:a16="http://schemas.microsoft.com/office/drawing/2014/main" id="{0DAF6837-8787-4BC3-84C8-D5E6D1F70FB3}"/>
-              </a:ext>
-            </a:extLst>
-          </p:cNvPr>
-          <p:cNvPicPr>
-            <a:picLocks noChangeAspect="1"/>
-          </p:cNvPicPr>
-          <p:nvPr/>
-        </p:nvPicPr>
-        <p:blipFill>
-          <a:blip r:embed="rId3"/>
-          <a:stretch>
-            <a:fillRect/>
-          </a:stretch>
-        </p:blipFill>
-        <p:spPr>
-          <a:xfrm>
-            <a:off x="4579766" y="3159179"/>
-            <a:ext cx="4157647" cy="1847843"/>
-          </a:xfrm>
-          <a:prstGeom prst="rect">
-            <a:avLst/>
-          </a:prstGeom>
-        </p:spPr>
-      </p:pic>
-    </p:spTree>
-    <p:extLst>
-      <p:ext uri="{BB962C8B-B14F-4D97-AF65-F5344CB8AC3E}">
-        <p14:creationId xmlns:p14="http://schemas.microsoft.com/office/powerpoint/2010/main" val="2106996085"/>
-      </p:ext>
-    </p:extLst>
-  </p:cSld>
-  <p:clrMapOvr>
-    <a:masterClrMapping/>
-  </p:clrMapOvr>
-</p:sld>
-</file>
-
-<file path=ppt/slides/slide17.xml><?xml version="1.0" encoding="utf-8"?>
-<p:sld xmlns:a="http://schemas.openxmlformats.org/drawingml/2006/main" xmlns:r="http://schemas.openxmlformats.org/officeDocument/2006/relationships" xmlns:p="http://schemas.openxmlformats.org/presentationml/2006/main">
-  <p:cSld>
-    <p:spTree>
-      <p:nvGrpSpPr>
-        <p:cNvPr id="1" name=""/>
-        <p:cNvGrpSpPr/>
-        <p:nvPr/>
-      </p:nvGrpSpPr>
-      <p:grpSpPr>
-        <a:xfrm>
-          <a:off x="0" y="0"/>
-          <a:ext cx="0" cy="0"/>
-          <a:chOff x="0" y="0"/>
-          <a:chExt cx="0" cy="0"/>
-        </a:xfrm>
-      </p:grpSpPr>
-      <p:sp>
-        <p:nvSpPr>
-          <p:cNvPr id="4" name="Rectangle 3">
-            <a:extLst>
-              <a:ext uri="{FF2B5EF4-FFF2-40B4-BE49-F238E27FC236}">
-                <a16:creationId xmlns:a16="http://schemas.microsoft.com/office/drawing/2014/main" id="{7CB94DAC-7193-402A-8EEC-0275470A2AA8}"/>
-              </a:ext>
-            </a:extLst>
-          </p:cNvPr>
-          <p:cNvSpPr/>
-          <p:nvPr/>
-        </p:nvSpPr>
-        <p:spPr>
-          <a:xfrm>
-            <a:off x="0" y="-2"/>
-            <a:ext cx="12192000" cy="923330"/>
-          </a:xfrm>
-          <a:prstGeom prst="rect">
-            <a:avLst/>
-          </a:prstGeom>
-          <a:solidFill>
-            <a:srgbClr val="171D2D"/>
-          </a:solidFill>
-          <a:ln>
-            <a:noFill/>
-          </a:ln>
-        </p:spPr>
-        <p:style>
-          <a:lnRef idx="2">
-            <a:schemeClr val="accent1">
-              <a:shade val="50000"/>
-            </a:schemeClr>
-          </a:lnRef>
-          <a:fillRef idx="1">
-            <a:schemeClr val="accent1"/>
-          </a:fillRef>
-          <a:effectRef idx="0">
-            <a:schemeClr val="accent1"/>
-          </a:effectRef>
-          <a:fontRef idx="minor">
-            <a:schemeClr val="lt1"/>
-          </a:fontRef>
-        </p:style>
-        <p:txBody>
-          <a:bodyPr rtlCol="0" anchor="ctr"/>
-          <a:lstStyle/>
-          <a:p>
-            <a:pPr algn="ctr"/>
-            <a:endParaRPr lang="en-US"/>
-          </a:p>
-        </p:txBody>
-      </p:sp>
-      <p:sp>
-        <p:nvSpPr>
-          <p:cNvPr id="14" name="TextBox 13">
-            <a:extLst>
-              <a:ext uri="{FF2B5EF4-FFF2-40B4-BE49-F238E27FC236}">
-                <a16:creationId xmlns:a16="http://schemas.microsoft.com/office/drawing/2014/main" id="{DA3B01C4-1AD2-4960-9753-B6179C011EBA}"/>
-              </a:ext>
-            </a:extLst>
-          </p:cNvPr>
-          <p:cNvSpPr txBox="1"/>
-          <p:nvPr/>
-        </p:nvSpPr>
-        <p:spPr>
-          <a:xfrm>
-            <a:off x="974844" y="123122"/>
-            <a:ext cx="5022167" cy="707886"/>
-          </a:xfrm>
-          <a:prstGeom prst="rect">
-            <a:avLst/>
-          </a:prstGeom>
-          <a:noFill/>
-          <a:effectLst>
-            <a:glow rad="63500">
-              <a:schemeClr val="accent5">
-                <a:satMod val="175000"/>
-                <a:alpha val="40000"/>
-              </a:schemeClr>
-            </a:glow>
-          </a:effectLst>
-        </p:spPr>
-        <p:txBody>
-          <a:bodyPr wrap="square" rtlCol="0">
-            <a:spAutoFit/>
-          </a:bodyPr>
-          <a:lstStyle/>
-          <a:p>
-            <a:r>
-              <a:rPr lang="en-US" sz="4000" dirty="0">
-                <a:solidFill>
-                  <a:srgbClr val="92979B"/>
-                </a:solidFill>
-                <a:latin typeface="Bahnschrift Light Condensed" panose="020B0502040204020203" pitchFamily="34" charset="0"/>
-              </a:rPr>
-              <a:t>VHDL For FPGA</a:t>
-            </a:r>
-          </a:p>
-        </p:txBody>
-      </p:sp>
-      <p:sp>
-        <p:nvSpPr>
-          <p:cNvPr id="15" name="TextBox 14">
-            <a:extLst>
-              <a:ext uri="{FF2B5EF4-FFF2-40B4-BE49-F238E27FC236}">
-                <a16:creationId xmlns:a16="http://schemas.microsoft.com/office/drawing/2014/main" id="{193D71E9-5D38-4315-9435-07EF7717787D}"/>
-              </a:ext>
-            </a:extLst>
-          </p:cNvPr>
-          <p:cNvSpPr txBox="1"/>
-          <p:nvPr/>
-        </p:nvSpPr>
-        <p:spPr>
-          <a:xfrm>
-            <a:off x="661182" y="1043757"/>
-            <a:ext cx="5022167" cy="584775"/>
-          </a:xfrm>
-          <a:prstGeom prst="rect">
-            <a:avLst/>
-          </a:prstGeom>
-          <a:noFill/>
-        </p:spPr>
-        <p:txBody>
-          <a:bodyPr wrap="square" rtlCol="0">
-            <a:spAutoFit/>
-          </a:bodyPr>
-          <a:lstStyle/>
-          <a:p>
-            <a:r>
-              <a:rPr lang="en-US" sz="3200" dirty="0">
-                <a:solidFill>
-                  <a:srgbClr val="C00000"/>
-                </a:solidFill>
-                <a:latin typeface="Bahnschrift Light Condensed" panose="020B0502040204020203" pitchFamily="34" charset="0"/>
-              </a:rPr>
-              <a:t>Priority Encoder 4-to-2</a:t>
-            </a:r>
-          </a:p>
-        </p:txBody>
-      </p:sp>
-      <p:sp>
-        <p:nvSpPr>
-          <p:cNvPr id="9" name="TextBox 8">
-            <a:extLst>
-              <a:ext uri="{FF2B5EF4-FFF2-40B4-BE49-F238E27FC236}">
-                <a16:creationId xmlns:a16="http://schemas.microsoft.com/office/drawing/2014/main" id="{ED9ED6CC-3A48-4803-A7E0-E1FA367D9D9B}"/>
-              </a:ext>
-            </a:extLst>
-          </p:cNvPr>
-          <p:cNvSpPr txBox="1"/>
-          <p:nvPr/>
-        </p:nvSpPr>
-        <p:spPr>
-          <a:xfrm>
-            <a:off x="4428207" y="1472601"/>
-            <a:ext cx="6966624" cy="400110"/>
-          </a:xfrm>
-          <a:prstGeom prst="rect">
-            <a:avLst/>
-          </a:prstGeom>
-          <a:noFill/>
-        </p:spPr>
-        <p:txBody>
-          <a:bodyPr wrap="square">
-            <a:spAutoFit/>
-          </a:bodyPr>
-          <a:lstStyle/>
-          <a:p>
-            <a:pPr marL="285750" indent="-285750">
-              <a:buFont typeface="Wingdings" panose="05000000000000000000" pitchFamily="2" charset="2"/>
-              <a:buChar char="§"/>
-            </a:pPr>
-            <a:r>
-              <a:rPr lang="en-US" sz="2000" dirty="0">
-                <a:solidFill>
-                  <a:srgbClr val="171C2F"/>
-                </a:solidFill>
-                <a:latin typeface="Arial" panose="020B0604020202020204" pitchFamily="34" charset="0"/>
-                <a:cs typeface="Arial" panose="020B0604020202020204" pitchFamily="34" charset="0"/>
-              </a:rPr>
-              <a:t>Selected Signal Assignment (</a:t>
-            </a:r>
-            <a:r>
-              <a:rPr lang="en-US" sz="2000" dirty="0">
-                <a:solidFill>
-                  <a:srgbClr val="171C2F"/>
-                </a:solidFill>
-                <a:highlight>
-                  <a:srgbClr val="00FF00"/>
-                </a:highlight>
-                <a:latin typeface="Courier New" panose="02070309020205020404" pitchFamily="49" charset="0"/>
-                <a:cs typeface="Courier New" panose="02070309020205020404" pitchFamily="49" charset="0"/>
-              </a:rPr>
-              <a:t>WHEN – ELSE</a:t>
-            </a:r>
-            <a:r>
-              <a:rPr lang="en-US" sz="2000" dirty="0">
-                <a:solidFill>
-                  <a:srgbClr val="171C2F"/>
-                </a:solidFill>
-                <a:latin typeface="Arial" panose="020B0604020202020204" pitchFamily="34" charset="0"/>
-                <a:cs typeface="Arial" panose="020B0604020202020204" pitchFamily="34" charset="0"/>
-              </a:rPr>
-              <a:t> statement):</a:t>
-            </a:r>
-          </a:p>
-        </p:txBody>
-      </p:sp>
-      <p:pic>
-        <p:nvPicPr>
-          <p:cNvPr id="5" name="Picture 4">
-            <a:extLst>
-              <a:ext uri="{FF2B5EF4-FFF2-40B4-BE49-F238E27FC236}">
-                <a16:creationId xmlns:a16="http://schemas.microsoft.com/office/drawing/2014/main" id="{53836942-6D49-4BB1-A650-2AF1026BE19B}"/>
-              </a:ext>
-            </a:extLst>
-          </p:cNvPr>
-          <p:cNvPicPr>
-            <a:picLocks noChangeAspect="1"/>
-          </p:cNvPicPr>
-          <p:nvPr/>
-        </p:nvPicPr>
-        <p:blipFill>
-          <a:blip r:embed="rId2"/>
-          <a:stretch>
-            <a:fillRect/>
-          </a:stretch>
-        </p:blipFill>
-        <p:spPr>
-          <a:xfrm>
-            <a:off x="797169" y="1704864"/>
-            <a:ext cx="2910311" cy="3794943"/>
-          </a:xfrm>
-          <a:prstGeom prst="rect">
-            <a:avLst/>
-          </a:prstGeom>
-        </p:spPr>
-      </p:pic>
-      <p:sp>
-        <p:nvSpPr>
-          <p:cNvPr id="11" name="TextBox 10">
-            <a:extLst>
-              <a:ext uri="{FF2B5EF4-FFF2-40B4-BE49-F238E27FC236}">
-                <a16:creationId xmlns:a16="http://schemas.microsoft.com/office/drawing/2014/main" id="{84D0582C-B4B7-44F0-8FF4-603ED6B610AE}"/>
-              </a:ext>
-            </a:extLst>
-          </p:cNvPr>
-          <p:cNvSpPr txBox="1"/>
-          <p:nvPr/>
-        </p:nvSpPr>
-        <p:spPr>
-          <a:xfrm>
-            <a:off x="540048" y="6205011"/>
-            <a:ext cx="5264433" cy="369332"/>
-          </a:xfrm>
-          <a:prstGeom prst="rect">
-            <a:avLst/>
-          </a:prstGeom>
-          <a:noFill/>
-        </p:spPr>
-        <p:txBody>
-          <a:bodyPr wrap="square">
-            <a:spAutoFit/>
-          </a:bodyPr>
-          <a:lstStyle/>
-          <a:p>
-            <a:r>
-              <a:rPr lang="en-US" b="1" dirty="0">
-                <a:solidFill>
-                  <a:srgbClr val="171C2F"/>
-                </a:solidFill>
-                <a:highlight>
-                  <a:srgbClr val="FFFF00"/>
-                </a:highlight>
-                <a:latin typeface="Courier New" panose="02070309020205020404" pitchFamily="49" charset="0"/>
-                <a:cs typeface="Courier New" panose="02070309020205020404" pitchFamily="49" charset="0"/>
-              </a:rPr>
-              <a:t>Write Code for: Priority Encoder 8to3</a:t>
-            </a:r>
-            <a:endParaRPr lang="en-US" b="1" dirty="0">
-              <a:highlight>
-                <a:srgbClr val="FFFF00"/>
-              </a:highlight>
-            </a:endParaRPr>
-          </a:p>
-        </p:txBody>
-      </p:sp>
-      <p:pic>
-        <p:nvPicPr>
-          <p:cNvPr id="10" name="Picture 9">
-            <a:extLst>
-              <a:ext uri="{FF2B5EF4-FFF2-40B4-BE49-F238E27FC236}">
-                <a16:creationId xmlns:a16="http://schemas.microsoft.com/office/drawing/2014/main" id="{1527E78A-B5E7-4813-8BF1-1A3C7550A47A}"/>
-              </a:ext>
-            </a:extLst>
-          </p:cNvPr>
-          <p:cNvPicPr>
-            <a:picLocks noChangeAspect="1"/>
-          </p:cNvPicPr>
-          <p:nvPr/>
-        </p:nvPicPr>
-        <p:blipFill>
-          <a:blip r:embed="rId3"/>
-          <a:stretch>
-            <a:fillRect/>
-          </a:stretch>
-        </p:blipFill>
-        <p:spPr>
-          <a:xfrm>
-            <a:off x="4797400" y="2019300"/>
-            <a:ext cx="4265758" cy="1378168"/>
-          </a:xfrm>
-          <a:prstGeom prst="rect">
-            <a:avLst/>
-          </a:prstGeom>
-        </p:spPr>
-      </p:pic>
-      <p:pic>
-        <p:nvPicPr>
-          <p:cNvPr id="17410" name="Picture 2" descr="priority encoder">
-            <a:extLst>
-              <a:ext uri="{FF2B5EF4-FFF2-40B4-BE49-F238E27FC236}">
-                <a16:creationId xmlns:a16="http://schemas.microsoft.com/office/drawing/2014/main" id="{43DD9376-E3DD-4B0B-A274-98B905A4D9A2}"/>
-              </a:ext>
-            </a:extLst>
-          </p:cNvPr>
-          <p:cNvPicPr>
-            <a:picLocks noChangeAspect="1" noChangeArrowheads="1"/>
-          </p:cNvPicPr>
-          <p:nvPr/>
-        </p:nvPicPr>
-        <p:blipFill>
-          <a:blip r:embed="rId4">
-            <a:extLst>
-              <a:ext uri="{28A0092B-C50C-407E-A947-70E740481C1C}">
-                <a14:useLocalDpi xmlns:a14="http://schemas.microsoft.com/office/drawing/2010/main" val="0"/>
-              </a:ext>
-            </a:extLst>
-          </a:blip>
-          <a:srcRect/>
-          <a:stretch>
-            <a:fillRect/>
-          </a:stretch>
-        </p:blipFill>
-        <p:spPr bwMode="auto">
-          <a:xfrm>
-            <a:off x="6681656" y="3872059"/>
-            <a:ext cx="4927032" cy="2154944"/>
-          </a:xfrm>
-          <a:prstGeom prst="rect">
-            <a:avLst/>
-          </a:prstGeom>
-          <a:noFill/>
-          <a:extLst>
-            <a:ext uri="{909E8E84-426E-40DD-AFC4-6F175D3DCCD1}">
-              <a14:hiddenFill xmlns:a14="http://schemas.microsoft.com/office/drawing/2010/main">
-                <a:solidFill>
-                  <a:srgbClr val="FFFFFF"/>
-                </a:solidFill>
-              </a14:hiddenFill>
-            </a:ext>
-          </a:extLst>
-        </p:spPr>
-      </p:pic>
-      <p:sp>
-        <p:nvSpPr>
-          <p:cNvPr id="16" name="TextBox 15">
-            <a:extLst>
-              <a:ext uri="{FF2B5EF4-FFF2-40B4-BE49-F238E27FC236}">
-                <a16:creationId xmlns:a16="http://schemas.microsoft.com/office/drawing/2014/main" id="{9BDC20D8-3A35-4212-B9D2-8687E4907136}"/>
-              </a:ext>
-            </a:extLst>
-          </p:cNvPr>
-          <p:cNvSpPr txBox="1"/>
-          <p:nvPr/>
-        </p:nvSpPr>
-        <p:spPr>
-          <a:xfrm>
-            <a:off x="6096000" y="6027003"/>
-            <a:ext cx="6098344" cy="830997"/>
-          </a:xfrm>
-          <a:prstGeom prst="rect">
-            <a:avLst/>
-          </a:prstGeom>
-          <a:noFill/>
-        </p:spPr>
-        <p:txBody>
-          <a:bodyPr wrap="square">
-            <a:spAutoFit/>
-          </a:bodyPr>
-          <a:lstStyle/>
-          <a:p>
-            <a:pPr marL="285750" indent="-285750">
-              <a:buFont typeface="Arial" panose="020B0604020202020204" pitchFamily="34" charset="0"/>
-              <a:buChar char="•"/>
-            </a:pPr>
-            <a:r>
-              <a:rPr lang="en-US" sz="1600" b="0" i="1" dirty="0">
-                <a:solidFill>
-                  <a:srgbClr val="414042"/>
-                </a:solidFill>
-                <a:effectLst/>
-                <a:latin typeface="Lato" panose="020F0502020204030203" pitchFamily="34" charset="0"/>
-              </a:rPr>
-              <a:t>An “n-bit” binary encoder has </a:t>
-            </a:r>
-            <a:r>
-              <a:rPr lang="en-US" sz="1600" b="0" i="1" u="none" strike="noStrike" dirty="0">
-                <a:solidFill>
-                  <a:srgbClr val="414143"/>
-                </a:solidFill>
-                <a:effectLst/>
-                <a:latin typeface="Lato" panose="020F0502020204030203" pitchFamily="34" charset="0"/>
-              </a:rPr>
-              <a:t>2</a:t>
-            </a:r>
-            <a:r>
-              <a:rPr lang="en-US" sz="1600" b="0" i="1" u="none" strike="noStrike" baseline="30000" dirty="0">
-                <a:solidFill>
-                  <a:srgbClr val="414143"/>
-                </a:solidFill>
-                <a:effectLst/>
-                <a:latin typeface="Lato" panose="020F0502020204030203" pitchFamily="34" charset="0"/>
-              </a:rPr>
-              <a:t>n</a:t>
-            </a:r>
-            <a:r>
-              <a:rPr lang="en-US" sz="1600" b="0" i="1" dirty="0">
-                <a:solidFill>
-                  <a:srgbClr val="414042"/>
-                </a:solidFill>
-                <a:effectLst/>
-                <a:latin typeface="Lato" panose="020F0502020204030203" pitchFamily="34" charset="0"/>
-              </a:rPr>
-              <a:t> input lines and </a:t>
-            </a:r>
-            <a:r>
-              <a:rPr lang="en-US" sz="1600" b="0" i="1" u="none" strike="noStrike" dirty="0">
-                <a:solidFill>
-                  <a:srgbClr val="414143"/>
-                </a:solidFill>
-                <a:effectLst/>
-                <a:latin typeface="Lato" panose="020F0502020204030203" pitchFamily="34" charset="0"/>
-              </a:rPr>
-              <a:t>n-bit</a:t>
-            </a:r>
-            <a:r>
-              <a:rPr lang="en-US" sz="1600" b="0" i="1" dirty="0">
-                <a:solidFill>
-                  <a:srgbClr val="414042"/>
-                </a:solidFill>
-                <a:effectLst/>
-                <a:latin typeface="Lato" panose="020F0502020204030203" pitchFamily="34" charset="0"/>
-              </a:rPr>
-              <a:t> output lines with common types that include 4-to-2, 8-to-3 and 16-to-4 line configurations.</a:t>
-            </a:r>
-            <a:endParaRPr lang="en-US" sz="1600" i="1" dirty="0"/>
-          </a:p>
-        </p:txBody>
-      </p:sp>
-    </p:spTree>
-    <p:extLst>
-      <p:ext uri="{BB962C8B-B14F-4D97-AF65-F5344CB8AC3E}">
-        <p14:creationId xmlns:p14="http://schemas.microsoft.com/office/powerpoint/2010/main" val="1259835062"/>
-      </p:ext>
-    </p:extLst>
-  </p:cSld>
-  <p:clrMapOvr>
-    <a:masterClrMapping/>
-  </p:clrMapOvr>
-</p:sld>
-</file>
-
-<file path=ppt/slides/slide18.xml><?xml version="1.0" encoding="utf-8"?>
-<p:sld xmlns:a="http://schemas.openxmlformats.org/drawingml/2006/main" xmlns:r="http://schemas.openxmlformats.org/officeDocument/2006/relationships" xmlns:p="http://schemas.openxmlformats.org/presentationml/2006/main">
-  <p:cSld>
-    <p:spTree>
-      <p:nvGrpSpPr>
-        <p:cNvPr id="1" name=""/>
-        <p:cNvGrpSpPr/>
-        <p:nvPr/>
-      </p:nvGrpSpPr>
-      <p:grpSpPr>
-        <a:xfrm>
-          <a:off x="0" y="0"/>
-          <a:ext cx="0" cy="0"/>
-          <a:chOff x="0" y="0"/>
-          <a:chExt cx="0" cy="0"/>
-        </a:xfrm>
-      </p:grpSpPr>
-      <p:sp>
-        <p:nvSpPr>
-          <p:cNvPr id="4" name="Rectangle 3">
-            <a:extLst>
-              <a:ext uri="{FF2B5EF4-FFF2-40B4-BE49-F238E27FC236}">
-                <a16:creationId xmlns:a16="http://schemas.microsoft.com/office/drawing/2014/main" id="{7CB94DAC-7193-402A-8EEC-0275470A2AA8}"/>
-              </a:ext>
-            </a:extLst>
-          </p:cNvPr>
-          <p:cNvSpPr/>
-          <p:nvPr/>
-        </p:nvSpPr>
-        <p:spPr>
-          <a:xfrm>
-            <a:off x="0" y="-2"/>
-            <a:ext cx="12192000" cy="923330"/>
-          </a:xfrm>
-          <a:prstGeom prst="rect">
-            <a:avLst/>
-          </a:prstGeom>
-          <a:solidFill>
-            <a:srgbClr val="171D2D"/>
-          </a:solidFill>
-          <a:ln>
-            <a:noFill/>
-          </a:ln>
-        </p:spPr>
-        <p:style>
-          <a:lnRef idx="2">
-            <a:schemeClr val="accent1">
-              <a:shade val="50000"/>
-            </a:schemeClr>
-          </a:lnRef>
-          <a:fillRef idx="1">
-            <a:schemeClr val="accent1"/>
-          </a:fillRef>
-          <a:effectRef idx="0">
-            <a:schemeClr val="accent1"/>
-          </a:effectRef>
-          <a:fontRef idx="minor">
-            <a:schemeClr val="lt1"/>
-          </a:fontRef>
-        </p:style>
-        <p:txBody>
-          <a:bodyPr rtlCol="0" anchor="ctr"/>
-          <a:lstStyle/>
-          <a:p>
-            <a:pPr algn="ctr"/>
-            <a:endParaRPr lang="en-US"/>
-          </a:p>
-        </p:txBody>
-      </p:sp>
-      <p:sp>
-        <p:nvSpPr>
-          <p:cNvPr id="14" name="TextBox 13">
-            <a:extLst>
-              <a:ext uri="{FF2B5EF4-FFF2-40B4-BE49-F238E27FC236}">
-                <a16:creationId xmlns:a16="http://schemas.microsoft.com/office/drawing/2014/main" id="{DA3B01C4-1AD2-4960-9753-B6179C011EBA}"/>
-              </a:ext>
-            </a:extLst>
-          </p:cNvPr>
-          <p:cNvSpPr txBox="1"/>
-          <p:nvPr/>
-        </p:nvSpPr>
-        <p:spPr>
-          <a:xfrm>
-            <a:off x="974844" y="123122"/>
-            <a:ext cx="5022167" cy="707886"/>
-          </a:xfrm>
-          <a:prstGeom prst="rect">
-            <a:avLst/>
-          </a:prstGeom>
-          <a:noFill/>
-          <a:effectLst>
-            <a:glow rad="63500">
-              <a:schemeClr val="accent5">
-                <a:satMod val="175000"/>
-                <a:alpha val="40000"/>
-              </a:schemeClr>
-            </a:glow>
-          </a:effectLst>
-        </p:spPr>
-        <p:txBody>
-          <a:bodyPr wrap="square" rtlCol="0">
-            <a:spAutoFit/>
-          </a:bodyPr>
-          <a:lstStyle/>
-          <a:p>
-            <a:r>
-              <a:rPr lang="en-US" sz="4000" dirty="0">
-                <a:solidFill>
-                  <a:srgbClr val="92979B"/>
-                </a:solidFill>
-                <a:latin typeface="Bahnschrift Light Condensed" panose="020B0502040204020203" pitchFamily="34" charset="0"/>
-              </a:rPr>
-              <a:t>VHDL For FPGA</a:t>
-            </a:r>
-          </a:p>
-        </p:txBody>
-      </p:sp>
-      <p:sp>
-        <p:nvSpPr>
-          <p:cNvPr id="15" name="TextBox 14">
-            <a:extLst>
-              <a:ext uri="{FF2B5EF4-FFF2-40B4-BE49-F238E27FC236}">
-                <a16:creationId xmlns:a16="http://schemas.microsoft.com/office/drawing/2014/main" id="{193D71E9-5D38-4315-9435-07EF7717787D}"/>
-              </a:ext>
-            </a:extLst>
-          </p:cNvPr>
-          <p:cNvSpPr txBox="1"/>
-          <p:nvPr/>
-        </p:nvSpPr>
-        <p:spPr>
-          <a:xfrm>
-            <a:off x="661182" y="1043757"/>
-            <a:ext cx="5022167" cy="584775"/>
-          </a:xfrm>
-          <a:prstGeom prst="rect">
-            <a:avLst/>
-          </a:prstGeom>
-          <a:noFill/>
-        </p:spPr>
-        <p:txBody>
-          <a:bodyPr wrap="square" rtlCol="0">
-            <a:spAutoFit/>
-          </a:bodyPr>
-          <a:lstStyle/>
-          <a:p>
-            <a:r>
-              <a:rPr lang="en-US" sz="3200" dirty="0">
-                <a:solidFill>
-                  <a:srgbClr val="C00000"/>
-                </a:solidFill>
-                <a:latin typeface="Bahnschrift Light Condensed" panose="020B0502040204020203" pitchFamily="34" charset="0"/>
-              </a:rPr>
-              <a:t>Demultiplexer</a:t>
-            </a:r>
-          </a:p>
-        </p:txBody>
-      </p:sp>
-      <p:sp>
-        <p:nvSpPr>
-          <p:cNvPr id="9" name="TextBox 8">
-            <a:extLst>
-              <a:ext uri="{FF2B5EF4-FFF2-40B4-BE49-F238E27FC236}">
-                <a16:creationId xmlns:a16="http://schemas.microsoft.com/office/drawing/2014/main" id="{ED9ED6CC-3A48-4803-A7E0-E1FA367D9D9B}"/>
-              </a:ext>
-            </a:extLst>
-          </p:cNvPr>
-          <p:cNvSpPr txBox="1"/>
-          <p:nvPr/>
-        </p:nvSpPr>
-        <p:spPr>
-          <a:xfrm>
-            <a:off x="4456343" y="1548906"/>
-            <a:ext cx="6192900" cy="400110"/>
-          </a:xfrm>
-          <a:prstGeom prst="rect">
-            <a:avLst/>
-          </a:prstGeom>
-          <a:noFill/>
-        </p:spPr>
-        <p:txBody>
-          <a:bodyPr wrap="square">
-            <a:spAutoFit/>
-          </a:bodyPr>
-          <a:lstStyle/>
-          <a:p>
-            <a:pPr marL="285750" indent="-285750">
-              <a:buFont typeface="Wingdings" panose="05000000000000000000" pitchFamily="2" charset="2"/>
-              <a:buChar char="§"/>
-            </a:pPr>
-            <a:r>
-              <a:rPr lang="en-US" sz="2000" dirty="0">
-                <a:solidFill>
-                  <a:srgbClr val="171C2F"/>
-                </a:solidFill>
-                <a:latin typeface="Arial" panose="020B0604020202020204" pitchFamily="34" charset="0"/>
-                <a:cs typeface="Arial" panose="020B0604020202020204" pitchFamily="34" charset="0"/>
-              </a:rPr>
-              <a:t>Selected Signal Assignment (</a:t>
-            </a:r>
-            <a:r>
-              <a:rPr lang="en-US" sz="2000" dirty="0">
-                <a:solidFill>
-                  <a:srgbClr val="171C2F"/>
-                </a:solidFill>
-                <a:highlight>
-                  <a:srgbClr val="00FF00"/>
-                </a:highlight>
-                <a:latin typeface="Courier New" panose="02070309020205020404" pitchFamily="49" charset="0"/>
-                <a:cs typeface="Courier New" panose="02070309020205020404" pitchFamily="49" charset="0"/>
-              </a:rPr>
-              <a:t>WHEN – ELSE</a:t>
-            </a:r>
-            <a:r>
-              <a:rPr lang="en-US" sz="2000" dirty="0">
-                <a:solidFill>
-                  <a:srgbClr val="171C2F"/>
-                </a:solidFill>
-                <a:latin typeface="Arial" panose="020B0604020202020204" pitchFamily="34" charset="0"/>
-                <a:cs typeface="Arial" panose="020B0604020202020204" pitchFamily="34" charset="0"/>
-              </a:rPr>
-              <a:t>):</a:t>
-            </a:r>
-          </a:p>
-        </p:txBody>
-      </p:sp>
-      <p:pic>
-        <p:nvPicPr>
-          <p:cNvPr id="5" name="Picture 4">
-            <a:extLst>
-              <a:ext uri="{FF2B5EF4-FFF2-40B4-BE49-F238E27FC236}">
-                <a16:creationId xmlns:a16="http://schemas.microsoft.com/office/drawing/2014/main" id="{839F4B38-FB0B-41A4-A4C2-C0F4250823BF}"/>
-              </a:ext>
-            </a:extLst>
-          </p:cNvPr>
-          <p:cNvPicPr>
-            <a:picLocks noChangeAspect="1"/>
-          </p:cNvPicPr>
-          <p:nvPr/>
-        </p:nvPicPr>
-        <p:blipFill>
-          <a:blip r:embed="rId2"/>
-          <a:stretch>
-            <a:fillRect/>
-          </a:stretch>
-        </p:blipFill>
-        <p:spPr>
-          <a:xfrm>
-            <a:off x="974844" y="1949016"/>
-            <a:ext cx="1768356" cy="2693851"/>
-          </a:xfrm>
-          <a:prstGeom prst="rect">
-            <a:avLst/>
-          </a:prstGeom>
-        </p:spPr>
-      </p:pic>
-      <p:sp>
-        <p:nvSpPr>
-          <p:cNvPr id="10" name="TextBox 9">
-            <a:extLst>
-              <a:ext uri="{FF2B5EF4-FFF2-40B4-BE49-F238E27FC236}">
-                <a16:creationId xmlns:a16="http://schemas.microsoft.com/office/drawing/2014/main" id="{8D2260AE-1701-4A4C-8F87-3A808F070CD1}"/>
-              </a:ext>
-            </a:extLst>
-          </p:cNvPr>
-          <p:cNvSpPr txBox="1"/>
-          <p:nvPr/>
-        </p:nvSpPr>
-        <p:spPr>
-          <a:xfrm>
-            <a:off x="540048" y="6205011"/>
-            <a:ext cx="5264433" cy="369332"/>
-          </a:xfrm>
-          <a:prstGeom prst="rect">
-            <a:avLst/>
-          </a:prstGeom>
-          <a:noFill/>
-        </p:spPr>
-        <p:txBody>
-          <a:bodyPr wrap="square">
-            <a:spAutoFit/>
-          </a:bodyPr>
-          <a:lstStyle/>
-          <a:p>
-            <a:r>
-              <a:rPr lang="en-US" b="1" dirty="0">
-                <a:solidFill>
-                  <a:srgbClr val="171C2F"/>
-                </a:solidFill>
-                <a:highlight>
-                  <a:srgbClr val="FFFF00"/>
-                </a:highlight>
-                <a:latin typeface="Courier New" panose="02070309020205020404" pitchFamily="49" charset="0"/>
-                <a:cs typeface="Courier New" panose="02070309020205020404" pitchFamily="49" charset="0"/>
-              </a:rPr>
-              <a:t>Write Code for: 1to8 </a:t>
-            </a:r>
-            <a:r>
-              <a:rPr lang="en-US" b="1" dirty="0" err="1">
-                <a:solidFill>
-                  <a:srgbClr val="171C2F"/>
-                </a:solidFill>
-                <a:highlight>
-                  <a:srgbClr val="FFFF00"/>
-                </a:highlight>
-                <a:latin typeface="Courier New" panose="02070309020205020404" pitchFamily="49" charset="0"/>
-                <a:cs typeface="Courier New" panose="02070309020205020404" pitchFamily="49" charset="0"/>
-              </a:rPr>
-              <a:t>DeMux</a:t>
-            </a:r>
-            <a:endParaRPr lang="en-US" b="1" dirty="0">
-              <a:highlight>
-                <a:srgbClr val="FFFF00"/>
-              </a:highlight>
-            </a:endParaRPr>
-          </a:p>
-        </p:txBody>
-      </p:sp>
-      <p:pic>
-        <p:nvPicPr>
-          <p:cNvPr id="8" name="Picture 7">
-            <a:extLst>
-              <a:ext uri="{FF2B5EF4-FFF2-40B4-BE49-F238E27FC236}">
-                <a16:creationId xmlns:a16="http://schemas.microsoft.com/office/drawing/2014/main" id="{740A62EB-42DB-45F9-B3E1-1ECEB8AD3036}"/>
-              </a:ext>
-            </a:extLst>
-          </p:cNvPr>
-          <p:cNvPicPr>
-            <a:picLocks noChangeAspect="1"/>
-          </p:cNvPicPr>
-          <p:nvPr/>
-        </p:nvPicPr>
-        <p:blipFill>
-          <a:blip r:embed="rId3"/>
-          <a:stretch>
-            <a:fillRect/>
-          </a:stretch>
-        </p:blipFill>
-        <p:spPr>
-          <a:xfrm>
-            <a:off x="4740738" y="2549122"/>
-            <a:ext cx="4249490" cy="1125839"/>
-          </a:xfrm>
-          <a:prstGeom prst="rect">
-            <a:avLst/>
-          </a:prstGeom>
-        </p:spPr>
-      </p:pic>
-      <p:sp>
-        <p:nvSpPr>
-          <p:cNvPr id="16" name="TextBox 15">
-            <a:extLst>
-              <a:ext uri="{FF2B5EF4-FFF2-40B4-BE49-F238E27FC236}">
-                <a16:creationId xmlns:a16="http://schemas.microsoft.com/office/drawing/2014/main" id="{F8648EF8-8513-4C1C-A9E2-0B0941BEB53E}"/>
-              </a:ext>
-            </a:extLst>
-          </p:cNvPr>
-          <p:cNvSpPr txBox="1"/>
-          <p:nvPr/>
-        </p:nvSpPr>
-        <p:spPr>
-          <a:xfrm>
-            <a:off x="4550899" y="3866194"/>
-            <a:ext cx="6098344" cy="369332"/>
-          </a:xfrm>
-          <a:prstGeom prst="rect">
-            <a:avLst/>
-          </a:prstGeom>
-          <a:noFill/>
-        </p:spPr>
-        <p:txBody>
-          <a:bodyPr wrap="square">
-            <a:spAutoFit/>
-          </a:bodyPr>
-          <a:lstStyle/>
-          <a:p>
-            <a:pPr marL="285750" indent="-285750">
-              <a:buFont typeface="Wingdings" panose="05000000000000000000" pitchFamily="2" charset="2"/>
-              <a:buChar char="Ø"/>
-            </a:pPr>
-            <a:r>
-              <a:rPr lang="en-US" sz="1800" b="1" i="0" u="none" strike="noStrike" baseline="0" dirty="0">
-                <a:solidFill>
-                  <a:srgbClr val="000000"/>
-                </a:solidFill>
-                <a:latin typeface="Arial" panose="020B0604020202020204" pitchFamily="34" charset="0"/>
-                <a:cs typeface="Arial" panose="020B0604020202020204" pitchFamily="34" charset="0"/>
-              </a:rPr>
-              <a:t>Note</a:t>
-            </a:r>
-            <a:r>
-              <a:rPr lang="en-US" sz="1800" b="0" i="0" u="none" strike="noStrike" baseline="0" dirty="0">
-                <a:solidFill>
-                  <a:srgbClr val="000000"/>
-                </a:solidFill>
-                <a:latin typeface="Arial" panose="020B0604020202020204" pitchFamily="34" charset="0"/>
-                <a:cs typeface="Arial" panose="020B0604020202020204" pitchFamily="34" charset="0"/>
-              </a:rPr>
-              <a:t> that the order of the statements is not relevant.</a:t>
-            </a:r>
-          </a:p>
-        </p:txBody>
-      </p:sp>
-    </p:spTree>
-    <p:extLst>
-      <p:ext uri="{BB962C8B-B14F-4D97-AF65-F5344CB8AC3E}">
-        <p14:creationId xmlns:p14="http://schemas.microsoft.com/office/powerpoint/2010/main" val="1759374988"/>
-      </p:ext>
-    </p:extLst>
-  </p:cSld>
-  <p:clrMapOvr>
-    <a:masterClrMapping/>
-  </p:clrMapOvr>
-</p:sld>
-</file>
-
-<file path=ppt/slides/slide19.xml><?xml version="1.0" encoding="utf-8"?>
-<p:sld xmlns:a="http://schemas.openxmlformats.org/drawingml/2006/main" xmlns:r="http://schemas.openxmlformats.org/officeDocument/2006/relationships" xmlns:p="http://schemas.openxmlformats.org/presentationml/2006/main">
-  <p:cSld>
-    <p:spTree>
-      <p:nvGrpSpPr>
-        <p:cNvPr id="1" name=""/>
-        <p:cNvGrpSpPr/>
-        <p:nvPr/>
-      </p:nvGrpSpPr>
-      <p:grpSpPr>
-        <a:xfrm>
-          <a:off x="0" y="0"/>
-          <a:ext cx="0" cy="0"/>
-          <a:chOff x="0" y="0"/>
-          <a:chExt cx="0" cy="0"/>
-        </a:xfrm>
-      </p:grpSpPr>
-      <p:sp>
-        <p:nvSpPr>
-          <p:cNvPr id="4" name="Rectangle 3">
-            <a:extLst>
-              <a:ext uri="{FF2B5EF4-FFF2-40B4-BE49-F238E27FC236}">
-                <a16:creationId xmlns:a16="http://schemas.microsoft.com/office/drawing/2014/main" id="{7CB94DAC-7193-402A-8EEC-0275470A2AA8}"/>
-              </a:ext>
-            </a:extLst>
-          </p:cNvPr>
-          <p:cNvSpPr/>
-          <p:nvPr/>
-        </p:nvSpPr>
-        <p:spPr>
-          <a:xfrm>
-            <a:off x="0" y="-2"/>
-            <a:ext cx="12192000" cy="923330"/>
-          </a:xfrm>
-          <a:prstGeom prst="rect">
-            <a:avLst/>
-          </a:prstGeom>
-          <a:solidFill>
-            <a:srgbClr val="171D2D"/>
-          </a:solidFill>
-          <a:ln>
-            <a:noFill/>
-          </a:ln>
-        </p:spPr>
-        <p:style>
-          <a:lnRef idx="2">
-            <a:schemeClr val="accent1">
-              <a:shade val="50000"/>
-            </a:schemeClr>
-          </a:lnRef>
-          <a:fillRef idx="1">
-            <a:schemeClr val="accent1"/>
-          </a:fillRef>
-          <a:effectRef idx="0">
-            <a:schemeClr val="accent1"/>
-          </a:effectRef>
-          <a:fontRef idx="minor">
-            <a:schemeClr val="lt1"/>
-          </a:fontRef>
-        </p:style>
-        <p:txBody>
-          <a:bodyPr rtlCol="0" anchor="ctr"/>
-          <a:lstStyle/>
-          <a:p>
-            <a:pPr algn="ctr"/>
-            <a:endParaRPr lang="en-US"/>
-          </a:p>
-        </p:txBody>
-      </p:sp>
-      <p:sp>
-        <p:nvSpPr>
-          <p:cNvPr id="14" name="TextBox 13">
-            <a:extLst>
-              <a:ext uri="{FF2B5EF4-FFF2-40B4-BE49-F238E27FC236}">
-                <a16:creationId xmlns:a16="http://schemas.microsoft.com/office/drawing/2014/main" id="{DA3B01C4-1AD2-4960-9753-B6179C011EBA}"/>
-              </a:ext>
-            </a:extLst>
-          </p:cNvPr>
-          <p:cNvSpPr txBox="1"/>
-          <p:nvPr/>
-        </p:nvSpPr>
-        <p:spPr>
-          <a:xfrm>
-            <a:off x="974844" y="123122"/>
-            <a:ext cx="5022167" cy="707886"/>
-          </a:xfrm>
-          <a:prstGeom prst="rect">
-            <a:avLst/>
-          </a:prstGeom>
-          <a:noFill/>
-          <a:effectLst>
-            <a:glow rad="63500">
-              <a:schemeClr val="accent5">
-                <a:satMod val="175000"/>
-                <a:alpha val="40000"/>
-              </a:schemeClr>
-            </a:glow>
-          </a:effectLst>
-        </p:spPr>
-        <p:txBody>
-          <a:bodyPr wrap="square" rtlCol="0">
-            <a:spAutoFit/>
-          </a:bodyPr>
-          <a:lstStyle/>
-          <a:p>
-            <a:r>
-              <a:rPr lang="en-US" sz="4000" dirty="0">
-                <a:solidFill>
-                  <a:srgbClr val="92979B"/>
-                </a:solidFill>
-                <a:latin typeface="Bahnschrift Light Condensed" panose="020B0502040204020203" pitchFamily="34" charset="0"/>
-              </a:rPr>
-              <a:t>VHDL For FPGA</a:t>
-            </a:r>
-          </a:p>
-        </p:txBody>
-      </p:sp>
-      <p:sp>
-        <p:nvSpPr>
-          <p:cNvPr id="15" name="TextBox 14">
-            <a:extLst>
-              <a:ext uri="{FF2B5EF4-FFF2-40B4-BE49-F238E27FC236}">
-                <a16:creationId xmlns:a16="http://schemas.microsoft.com/office/drawing/2014/main" id="{193D71E9-5D38-4315-9435-07EF7717787D}"/>
-              </a:ext>
-            </a:extLst>
-          </p:cNvPr>
-          <p:cNvSpPr txBox="1"/>
-          <p:nvPr/>
-        </p:nvSpPr>
-        <p:spPr>
-          <a:xfrm>
-            <a:off x="661182" y="1043757"/>
-            <a:ext cx="5022167" cy="584775"/>
-          </a:xfrm>
-          <a:prstGeom prst="rect">
-            <a:avLst/>
-          </a:prstGeom>
-          <a:noFill/>
-        </p:spPr>
-        <p:txBody>
-          <a:bodyPr wrap="square" rtlCol="0">
-            <a:spAutoFit/>
-          </a:bodyPr>
-          <a:lstStyle/>
-          <a:p>
-            <a:r>
-              <a:rPr lang="en-US" sz="3200" dirty="0">
-                <a:solidFill>
-                  <a:srgbClr val="C00000"/>
-                </a:solidFill>
-                <a:latin typeface="Bahnschrift Light Condensed" panose="020B0502040204020203" pitchFamily="34" charset="0"/>
-              </a:rPr>
-              <a:t>Bidirectional Port</a:t>
-            </a:r>
-          </a:p>
-        </p:txBody>
-      </p:sp>
-      <p:sp>
-        <p:nvSpPr>
-          <p:cNvPr id="9" name="TextBox 8">
-            <a:extLst>
-              <a:ext uri="{FF2B5EF4-FFF2-40B4-BE49-F238E27FC236}">
-                <a16:creationId xmlns:a16="http://schemas.microsoft.com/office/drawing/2014/main" id="{ED9ED6CC-3A48-4803-A7E0-E1FA367D9D9B}"/>
-              </a:ext>
-            </a:extLst>
-          </p:cNvPr>
-          <p:cNvSpPr txBox="1"/>
-          <p:nvPr/>
-        </p:nvSpPr>
-        <p:spPr>
-          <a:xfrm>
-            <a:off x="4564194" y="1428477"/>
-            <a:ext cx="6966624" cy="400110"/>
-          </a:xfrm>
-          <a:prstGeom prst="rect">
-            <a:avLst/>
-          </a:prstGeom>
-          <a:noFill/>
-        </p:spPr>
-        <p:txBody>
-          <a:bodyPr wrap="square">
-            <a:spAutoFit/>
-          </a:bodyPr>
-          <a:lstStyle/>
-          <a:p>
-            <a:pPr marL="285750" indent="-285750">
-              <a:buFont typeface="Wingdings" panose="05000000000000000000" pitchFamily="2" charset="2"/>
-              <a:buChar char="§"/>
-            </a:pPr>
-            <a:r>
-              <a:rPr lang="en-US" sz="2000" dirty="0">
-                <a:solidFill>
-                  <a:srgbClr val="171C2F"/>
-                </a:solidFill>
-                <a:latin typeface="Arial" panose="020B0604020202020204" pitchFamily="34" charset="0"/>
-                <a:cs typeface="Arial" panose="020B0604020202020204" pitchFamily="34" charset="0"/>
-              </a:rPr>
-              <a:t>Selected Signal Assignment (</a:t>
-            </a:r>
-            <a:r>
-              <a:rPr lang="en-US" sz="2000" dirty="0">
-                <a:solidFill>
-                  <a:srgbClr val="171C2F"/>
-                </a:solidFill>
-                <a:highlight>
-                  <a:srgbClr val="00FF00"/>
-                </a:highlight>
-                <a:latin typeface="Courier New" panose="02070309020205020404" pitchFamily="49" charset="0"/>
-                <a:cs typeface="Courier New" panose="02070309020205020404" pitchFamily="49" charset="0"/>
-              </a:rPr>
-              <a:t>WHEN – ELSE</a:t>
-            </a:r>
-            <a:r>
-              <a:rPr lang="en-US" sz="2000" dirty="0">
-                <a:solidFill>
-                  <a:srgbClr val="171C2F"/>
-                </a:solidFill>
-                <a:latin typeface="Arial" panose="020B0604020202020204" pitchFamily="34" charset="0"/>
-                <a:cs typeface="Arial" panose="020B0604020202020204" pitchFamily="34" charset="0"/>
-              </a:rPr>
-              <a:t>):</a:t>
-            </a:r>
-          </a:p>
-        </p:txBody>
-      </p:sp>
-      <p:pic>
-        <p:nvPicPr>
-          <p:cNvPr id="3" name="Picture 2">
-            <a:extLst>
-              <a:ext uri="{FF2B5EF4-FFF2-40B4-BE49-F238E27FC236}">
-                <a16:creationId xmlns:a16="http://schemas.microsoft.com/office/drawing/2014/main" id="{DBE35AA6-4518-45D5-998D-7AD9A58C5C27}"/>
-              </a:ext>
-            </a:extLst>
-          </p:cNvPr>
-          <p:cNvPicPr>
-            <a:picLocks noChangeAspect="1"/>
-          </p:cNvPicPr>
-          <p:nvPr/>
-        </p:nvPicPr>
-        <p:blipFill>
-          <a:blip r:embed="rId2"/>
-          <a:stretch>
-            <a:fillRect/>
-          </a:stretch>
-        </p:blipFill>
-        <p:spPr>
-          <a:xfrm>
-            <a:off x="661182" y="2083478"/>
-            <a:ext cx="4586910" cy="1690688"/>
-          </a:xfrm>
-          <a:prstGeom prst="rect">
-            <a:avLst/>
-          </a:prstGeom>
-        </p:spPr>
-      </p:pic>
-      <p:pic>
-        <p:nvPicPr>
-          <p:cNvPr id="6" name="Picture 5">
-            <a:extLst>
-              <a:ext uri="{FF2B5EF4-FFF2-40B4-BE49-F238E27FC236}">
-                <a16:creationId xmlns:a16="http://schemas.microsoft.com/office/drawing/2014/main" id="{31998F04-130D-412A-B87D-8B85290BDA66}"/>
-              </a:ext>
-            </a:extLst>
-          </p:cNvPr>
-          <p:cNvPicPr>
-            <a:picLocks noChangeAspect="1"/>
-          </p:cNvPicPr>
-          <p:nvPr/>
-        </p:nvPicPr>
-        <p:blipFill>
-          <a:blip r:embed="rId3"/>
-          <a:stretch>
-            <a:fillRect/>
-          </a:stretch>
-        </p:blipFill>
-        <p:spPr>
-          <a:xfrm>
-            <a:off x="5539593" y="2628844"/>
-            <a:ext cx="5991225" cy="466725"/>
-          </a:xfrm>
-          <a:prstGeom prst="rect">
-            <a:avLst/>
-          </a:prstGeom>
-        </p:spPr>
-      </p:pic>
-      <p:pic>
-        <p:nvPicPr>
-          <p:cNvPr id="8" name="Picture 7">
-            <a:extLst>
-              <a:ext uri="{FF2B5EF4-FFF2-40B4-BE49-F238E27FC236}">
-                <a16:creationId xmlns:a16="http://schemas.microsoft.com/office/drawing/2014/main" id="{78FB6283-58E2-43AF-AB43-7C706B78A478}"/>
-              </a:ext>
-            </a:extLst>
-          </p:cNvPr>
-          <p:cNvPicPr>
-            <a:picLocks noChangeAspect="1"/>
-          </p:cNvPicPr>
-          <p:nvPr/>
-        </p:nvPicPr>
-        <p:blipFill>
-          <a:blip r:embed="rId4"/>
-          <a:stretch>
-            <a:fillRect/>
-          </a:stretch>
-        </p:blipFill>
-        <p:spPr>
-          <a:xfrm>
-            <a:off x="661182" y="4229112"/>
-            <a:ext cx="8231047" cy="2084031"/>
-          </a:xfrm>
-          <a:prstGeom prst="rect">
-            <a:avLst/>
-          </a:prstGeom>
-        </p:spPr>
-      </p:pic>
-      <p:sp>
-        <p:nvSpPr>
-          <p:cNvPr id="13" name="TextBox 12">
-            <a:extLst>
-              <a:ext uri="{FF2B5EF4-FFF2-40B4-BE49-F238E27FC236}">
-                <a16:creationId xmlns:a16="http://schemas.microsoft.com/office/drawing/2014/main" id="{47A5F2C7-F71F-46CC-9BCA-DB76A380376D}"/>
-              </a:ext>
-            </a:extLst>
-          </p:cNvPr>
-          <p:cNvSpPr txBox="1"/>
-          <p:nvPr/>
-        </p:nvSpPr>
-        <p:spPr>
-          <a:xfrm>
-            <a:off x="8892229" y="4670962"/>
-            <a:ext cx="3160541" cy="1200329"/>
-          </a:xfrm>
-          <a:prstGeom prst="rect">
-            <a:avLst/>
-          </a:prstGeom>
-          <a:noFill/>
-          <a:ln>
-            <a:solidFill>
-              <a:srgbClr val="E3AE8A"/>
-            </a:solidFill>
-          </a:ln>
-        </p:spPr>
-        <p:txBody>
-          <a:bodyPr wrap="square">
-            <a:spAutoFit/>
-          </a:bodyPr>
-          <a:lstStyle/>
-          <a:p>
-            <a:r>
-              <a:rPr lang="en-US" sz="1800" b="0" i="0" u="none" strike="noStrike" baseline="0" dirty="0">
-                <a:solidFill>
-                  <a:srgbClr val="000000"/>
-                </a:solidFill>
-                <a:latin typeface="Tahoma" panose="020B0604030504040204" pitchFamily="34" charset="0"/>
-              </a:rPr>
-              <a:t>To avoid </a:t>
-            </a:r>
-            <a:r>
-              <a:rPr lang="en-US" sz="1800" b="1" i="0" u="none" strike="noStrike" baseline="0" dirty="0">
-                <a:solidFill>
-                  <a:srgbClr val="000000"/>
-                </a:solidFill>
-                <a:latin typeface="Tahoma" panose="020B0604030504040204" pitchFamily="34" charset="0"/>
-              </a:rPr>
-              <a:t>data contention</a:t>
-            </a:r>
-            <a:r>
-              <a:rPr lang="en-US" sz="1800" b="0" i="0" u="none" strike="noStrike" baseline="0" dirty="0">
-                <a:solidFill>
-                  <a:srgbClr val="000000"/>
-                </a:solidFill>
-                <a:latin typeface="Tahoma" panose="020B0604030504040204" pitchFamily="34" charset="0"/>
-              </a:rPr>
-              <a:t>, make sure that </a:t>
-            </a:r>
-            <a:r>
-              <a:rPr lang="en-US" sz="1800" b="1" i="0" u="none" strike="noStrike" baseline="0" dirty="0">
-                <a:solidFill>
-                  <a:srgbClr val="000000"/>
-                </a:solidFill>
-                <a:highlight>
-                  <a:srgbClr val="E3AE8A"/>
-                </a:highlight>
-                <a:latin typeface="Courier New" panose="02070309020205020404" pitchFamily="49" charset="0"/>
-              </a:rPr>
-              <a:t>DATA = Z </a:t>
-            </a:r>
-            <a:r>
-              <a:rPr lang="en-US" sz="1800" b="0" i="0" u="none" strike="noStrike" baseline="0" dirty="0">
-                <a:solidFill>
-                  <a:srgbClr val="000000"/>
-                </a:solidFill>
-                <a:latin typeface="Tahoma" panose="020B0604030504040204" pitchFamily="34" charset="0"/>
-              </a:rPr>
-              <a:t>when </a:t>
-            </a:r>
-            <a:r>
-              <a:rPr lang="en-US" sz="1800" b="1" i="0" u="none" strike="noStrike" baseline="0" dirty="0">
-                <a:solidFill>
-                  <a:srgbClr val="000000"/>
-                </a:solidFill>
-                <a:highlight>
-                  <a:srgbClr val="E3AE8A"/>
-                </a:highlight>
-                <a:latin typeface="Courier New" panose="02070309020205020404" pitchFamily="49" charset="0"/>
-              </a:rPr>
-              <a:t>DATA</a:t>
-            </a:r>
-            <a:r>
-              <a:rPr lang="en-US" sz="1800" b="1" i="0" u="none" strike="noStrike" baseline="0" dirty="0">
-                <a:solidFill>
-                  <a:srgbClr val="000000"/>
-                </a:solidFill>
-                <a:latin typeface="Courier New" panose="02070309020205020404" pitchFamily="49" charset="0"/>
-              </a:rPr>
-              <a:t> </a:t>
-            </a:r>
-            <a:r>
-              <a:rPr lang="en-US" sz="1800" b="0" i="0" u="none" strike="noStrike" baseline="0" dirty="0">
-                <a:solidFill>
-                  <a:srgbClr val="000000"/>
-                </a:solidFill>
-                <a:latin typeface="Tahoma" panose="020B0604030504040204" pitchFamily="34" charset="0"/>
-              </a:rPr>
-              <a:t>is to be an output.</a:t>
-            </a:r>
-            <a:endParaRPr lang="en-US" dirty="0"/>
-          </a:p>
-        </p:txBody>
-      </p:sp>
-    </p:spTree>
-    <p:extLst>
-      <p:ext uri="{BB962C8B-B14F-4D97-AF65-F5344CB8AC3E}">
-        <p14:creationId xmlns:p14="http://schemas.microsoft.com/office/powerpoint/2010/main" val="498582974"/>
-      </p:ext>
-    </p:extLst>
-  </p:cSld>
-  <p:clrMapOvr>
-    <a:masterClrMapping/>
-  </p:clrMapOvr>
-</p:sld>
-</file>
-
-<file path=ppt/slides/slide2.xml><?xml version="1.0" encoding="utf-8"?>
-<p:sld xmlns:a="http://schemas.openxmlformats.org/drawingml/2006/main" xmlns:r="http://schemas.openxmlformats.org/officeDocument/2006/relationships" xmlns:p="http://schemas.openxmlformats.org/presentationml/2006/main">
-  <p:cSld>
-    <p:spTree>
-      <p:nvGrpSpPr>
-        <p:cNvPr id="1" name=""/>
-        <p:cNvGrpSpPr/>
-        <p:nvPr/>
-      </p:nvGrpSpPr>
-      <p:grpSpPr>
-        <a:xfrm>
-          <a:off x="0" y="0"/>
-          <a:ext cx="0" cy="0"/>
-          <a:chOff x="0" y="0"/>
-          <a:chExt cx="0" cy="0"/>
-        </a:xfrm>
-      </p:grpSpPr>
-      <p:pic>
-        <p:nvPicPr>
-          <p:cNvPr id="3" name="Picture 2">
-            <a:extLst>
-              <a:ext uri="{FF2B5EF4-FFF2-40B4-BE49-F238E27FC236}">
-                <a16:creationId xmlns:a16="http://schemas.microsoft.com/office/drawing/2014/main" id="{D7F86B53-FC23-4AE1-8F52-653B31DE4B7F}"/>
-              </a:ext>
-            </a:extLst>
-          </p:cNvPr>
-          <p:cNvPicPr>
-            <a:picLocks noChangeAspect="1"/>
-          </p:cNvPicPr>
-          <p:nvPr/>
-        </p:nvPicPr>
-        <p:blipFill rotWithShape="1">
-          <a:blip r:embed="rId2">
-            <a:extLst>
-              <a:ext uri="{28A0092B-C50C-407E-A947-70E740481C1C}">
-                <a14:useLocalDpi xmlns:a14="http://schemas.microsoft.com/office/drawing/2010/main" val="0"/>
-              </a:ext>
-            </a:extLst>
-          </a:blip>
-          <a:srcRect r="1692"/>
-          <a:stretch/>
-        </p:blipFill>
-        <p:spPr>
-          <a:xfrm>
-            <a:off x="0" y="0"/>
-            <a:ext cx="12192000" cy="6858000"/>
-          </a:xfrm>
-          <a:prstGeom prst="rect">
-            <a:avLst/>
-          </a:prstGeom>
-        </p:spPr>
-      </p:pic>
-    </p:spTree>
-    <p:extLst>
-      <p:ext uri="{BB962C8B-B14F-4D97-AF65-F5344CB8AC3E}">
-        <p14:creationId xmlns:p14="http://schemas.microsoft.com/office/powerpoint/2010/main" val="401195580"/>
+        <p14:creationId xmlns:p14="http://schemas.microsoft.com/office/powerpoint/2010/main" val="3452887125"/>
       </p:ext>
     </p:extLst>
   </p:cSld>
